--- a/modules/IVRegression/PPT_2020.pptx
+++ b/modules/IVRegression/PPT_2020.pptx
@@ -5,7 +5,7 @@
     <p:sldMasterId id="2147483648" r:id="rId1"/>
   </p:sldMasterIdLst>
   <p:notesMasterIdLst>
-    <p:notesMasterId r:id="rId41"/>
+    <p:notesMasterId r:id="rId44"/>
   </p:notesMasterIdLst>
   <p:sldIdLst>
     <p:sldId id="256" r:id="rId2"/>
@@ -32,21 +32,24 @@
     <p:sldId id="312" r:id="rId23"/>
     <p:sldId id="292" r:id="rId24"/>
     <p:sldId id="293" r:id="rId25"/>
-    <p:sldId id="314" r:id="rId26"/>
-    <p:sldId id="317" r:id="rId27"/>
-    <p:sldId id="315" r:id="rId28"/>
-    <p:sldId id="296" r:id="rId29"/>
-    <p:sldId id="298" r:id="rId30"/>
-    <p:sldId id="299" r:id="rId31"/>
-    <p:sldId id="300" r:id="rId32"/>
-    <p:sldId id="305" r:id="rId33"/>
-    <p:sldId id="316" r:id="rId34"/>
-    <p:sldId id="301" r:id="rId35"/>
-    <p:sldId id="302" r:id="rId36"/>
-    <p:sldId id="303" r:id="rId37"/>
-    <p:sldId id="304" r:id="rId38"/>
-    <p:sldId id="306" r:id="rId39"/>
-    <p:sldId id="295" r:id="rId40"/>
+    <p:sldId id="319" r:id="rId26"/>
+    <p:sldId id="320" r:id="rId27"/>
+    <p:sldId id="321" r:id="rId28"/>
+    <p:sldId id="314" r:id="rId29"/>
+    <p:sldId id="317" r:id="rId30"/>
+    <p:sldId id="315" r:id="rId31"/>
+    <p:sldId id="296" r:id="rId32"/>
+    <p:sldId id="298" r:id="rId33"/>
+    <p:sldId id="299" r:id="rId34"/>
+    <p:sldId id="300" r:id="rId35"/>
+    <p:sldId id="305" r:id="rId36"/>
+    <p:sldId id="316" r:id="rId37"/>
+    <p:sldId id="301" r:id="rId38"/>
+    <p:sldId id="302" r:id="rId39"/>
+    <p:sldId id="303" r:id="rId40"/>
+    <p:sldId id="304" r:id="rId41"/>
+    <p:sldId id="306" r:id="rId42"/>
+    <p:sldId id="295" r:id="rId43"/>
   </p:sldIdLst>
   <p:sldSz cx="9144000" cy="6858000" type="screen4x3"/>
   <p:notesSz cx="7004050" cy="9290050"/>
@@ -13491,6 +13494,7318 @@
       </p:grpSpPr>
       <p:sp>
         <p:nvSpPr>
+          <p:cNvPr id="4" name="Footer Placeholder 3"/>
+          <p:cNvSpPr>
+            <a:spLocks noGrp="1"/>
+          </p:cNvSpPr>
+          <p:nvPr>
+            <p:ph type="ftr" sz="quarter" idx="10"/>
+          </p:nvPr>
+        </p:nvSpPr>
+        <p:spPr/>
+        <p:txBody>
+          <a:bodyPr/>
+          <a:lstStyle/>
+          <a:p>
+            <a:r>
+              <a:rPr lang="en-US" smtClean="0"/>
+              <a:t>One-Way IVR</a:t>
+            </a:r>
+            <a:endParaRPr lang="en-US"/>
+          </a:p>
+        </p:txBody>
+      </p:sp>
+      <p:sp>
+        <p:nvSpPr>
+          <p:cNvPr id="5" name="Slide Number Placeholder 4"/>
+          <p:cNvSpPr>
+            <a:spLocks noGrp="1"/>
+          </p:cNvSpPr>
+          <p:nvPr>
+            <p:ph type="sldNum" sz="quarter" idx="11"/>
+          </p:nvPr>
+        </p:nvSpPr>
+        <p:spPr/>
+        <p:txBody>
+          <a:bodyPr/>
+          <a:lstStyle/>
+          <a:p>
+            <a:fld id="{32B39ADD-4258-43C1-B408-3269BEAB59D0}" type="slidenum">
+              <a:rPr lang="en-US" smtClean="0"/>
+              <a:pPr/>
+              <a:t>25</a:t>
+            </a:fld>
+            <a:endParaRPr lang="en-US"/>
+          </a:p>
+        </p:txBody>
+      </p:sp>
+      <p:cxnSp>
+        <p:nvCxnSpPr>
+          <p:cNvPr id="7" name="Straight Connector 6"/>
+          <p:cNvCxnSpPr/>
+          <p:nvPr/>
+        </p:nvCxnSpPr>
+        <p:spPr bwMode="auto">
+          <a:xfrm>
+            <a:off x="1905000" y="1752600"/>
+            <a:ext cx="0" cy="4572000"/>
+          </a:xfrm>
+          <a:prstGeom prst="line">
+            <a:avLst/>
+          </a:prstGeom>
+          <a:solidFill>
+            <a:schemeClr val="accent1"/>
+          </a:solidFill>
+          <a:ln w="44450" cap="flat" cmpd="sng" algn="ctr">
+            <a:solidFill>
+              <a:schemeClr val="tx1"/>
+            </a:solidFill>
+            <a:prstDash val="solid"/>
+            <a:round/>
+            <a:headEnd type="none" w="med" len="med"/>
+            <a:tailEnd type="none" w="med" len="med"/>
+          </a:ln>
+          <a:effectLst/>
+        </p:spPr>
+      </p:cxnSp>
+      <p:cxnSp>
+        <p:nvCxnSpPr>
+          <p:cNvPr id="8" name="Straight Connector 7"/>
+          <p:cNvCxnSpPr/>
+          <p:nvPr/>
+        </p:nvCxnSpPr>
+        <p:spPr bwMode="auto">
+          <a:xfrm flipH="1">
+            <a:off x="1905000" y="6248400"/>
+            <a:ext cx="4754880" cy="76200"/>
+          </a:xfrm>
+          <a:prstGeom prst="line">
+            <a:avLst/>
+          </a:prstGeom>
+          <a:solidFill>
+            <a:schemeClr val="accent1"/>
+          </a:solidFill>
+          <a:ln w="44450" cap="flat" cmpd="sng" algn="ctr">
+            <a:solidFill>
+              <a:schemeClr val="tx1"/>
+            </a:solidFill>
+            <a:prstDash val="solid"/>
+            <a:round/>
+            <a:headEnd type="none" w="med" len="med"/>
+            <a:tailEnd type="none" w="med" len="med"/>
+          </a:ln>
+          <a:effectLst/>
+        </p:spPr>
+      </p:cxnSp>
+      <p:sp>
+        <p:nvSpPr>
+          <p:cNvPr id="10" name="Oval 9"/>
+          <p:cNvSpPr/>
+          <p:nvPr/>
+        </p:nvSpPr>
+        <p:spPr bwMode="auto">
+          <a:xfrm>
+            <a:off x="5512145" y="2133600"/>
+            <a:ext cx="137160" cy="137160"/>
+          </a:xfrm>
+          <a:prstGeom prst="ellipse">
+            <a:avLst/>
+          </a:prstGeom>
+          <a:solidFill>
+            <a:schemeClr val="accent1"/>
+          </a:solidFill>
+          <a:ln w="9525" cap="flat" cmpd="sng" algn="ctr">
+            <a:noFill/>
+            <a:prstDash val="solid"/>
+            <a:round/>
+            <a:headEnd type="none" w="med" len="med"/>
+            <a:tailEnd type="none" w="med" len="med"/>
+          </a:ln>
+          <a:effectLst/>
+        </p:spPr>
+        <p:txBody>
+          <a:bodyPr vert="horz" wrap="square" lIns="91440" tIns="45720" rIns="91440" bIns="45720" numCol="1" rtlCol="0" anchor="t" anchorCtr="0" compatLnSpc="1">
+            <a:prstTxWarp prst="textNoShape">
+              <a:avLst/>
+            </a:prstTxWarp>
+          </a:bodyPr>
+          <a:lstStyle/>
+          <a:p>
+            <a:pPr marL="0" marR="0" indent="0" algn="l" defTabSz="914400" rtl="0" eaLnBrk="1" fontAlgn="base" latinLnBrk="0" hangingPunct="1">
+              <a:lnSpc>
+                <a:spcPct val="100000"/>
+              </a:lnSpc>
+              <a:spcBef>
+                <a:spcPct val="0"/>
+              </a:spcBef>
+              <a:spcAft>
+                <a:spcPct val="0"/>
+              </a:spcAft>
+              <a:buClrTx/>
+              <a:buSzTx/>
+              <a:buFontTx/>
+              <a:buNone/>
+              <a:tabLst/>
+            </a:pPr>
+            <a:endParaRPr kumimoji="0" lang="en-US" sz="2800" b="1" i="0" u="none" strike="noStrike" cap="none" normalizeH="0" baseline="0" smtClean="0">
+              <a:ln>
+                <a:noFill/>
+              </a:ln>
+              <a:solidFill>
+                <a:schemeClr val="tx1"/>
+              </a:solidFill>
+              <a:effectLst/>
+              <a:latin typeface="Arial" charset="0"/>
+            </a:endParaRPr>
+          </a:p>
+        </p:txBody>
+      </p:sp>
+      <p:sp>
+        <p:nvSpPr>
+          <p:cNvPr id="11" name="Oval 10"/>
+          <p:cNvSpPr/>
+          <p:nvPr/>
+        </p:nvSpPr>
+        <p:spPr bwMode="auto">
+          <a:xfrm>
+            <a:off x="4655820" y="2293620"/>
+            <a:ext cx="137160" cy="137160"/>
+          </a:xfrm>
+          <a:prstGeom prst="ellipse">
+            <a:avLst/>
+          </a:prstGeom>
+          <a:solidFill>
+            <a:schemeClr val="accent1"/>
+          </a:solidFill>
+          <a:ln w="9525" cap="flat" cmpd="sng" algn="ctr">
+            <a:noFill/>
+            <a:prstDash val="solid"/>
+            <a:round/>
+            <a:headEnd type="none" w="med" len="med"/>
+            <a:tailEnd type="none" w="med" len="med"/>
+          </a:ln>
+          <a:effectLst/>
+        </p:spPr>
+        <p:txBody>
+          <a:bodyPr vert="horz" wrap="square" lIns="91440" tIns="45720" rIns="91440" bIns="45720" numCol="1" rtlCol="0" anchor="t" anchorCtr="0" compatLnSpc="1">
+            <a:prstTxWarp prst="textNoShape">
+              <a:avLst/>
+            </a:prstTxWarp>
+          </a:bodyPr>
+          <a:lstStyle/>
+          <a:p>
+            <a:pPr marL="0" marR="0" indent="0" algn="l" defTabSz="914400" rtl="0" eaLnBrk="1" fontAlgn="base" latinLnBrk="0" hangingPunct="1">
+              <a:lnSpc>
+                <a:spcPct val="100000"/>
+              </a:lnSpc>
+              <a:spcBef>
+                <a:spcPct val="0"/>
+              </a:spcBef>
+              <a:spcAft>
+                <a:spcPct val="0"/>
+              </a:spcAft>
+              <a:buClrTx/>
+              <a:buSzTx/>
+              <a:buFontTx/>
+              <a:buNone/>
+              <a:tabLst/>
+            </a:pPr>
+            <a:endParaRPr kumimoji="0" lang="en-US" sz="2800" b="1" i="0" u="none" strike="noStrike" cap="none" normalizeH="0" baseline="0" smtClean="0">
+              <a:ln>
+                <a:noFill/>
+              </a:ln>
+              <a:solidFill>
+                <a:schemeClr val="tx1"/>
+              </a:solidFill>
+              <a:effectLst/>
+              <a:latin typeface="Arial" charset="0"/>
+            </a:endParaRPr>
+          </a:p>
+        </p:txBody>
+      </p:sp>
+      <p:sp>
+        <p:nvSpPr>
+          <p:cNvPr id="12" name="Oval 11"/>
+          <p:cNvSpPr/>
+          <p:nvPr/>
+        </p:nvSpPr>
+        <p:spPr bwMode="auto">
+          <a:xfrm>
+            <a:off x="4800600" y="3048000"/>
+            <a:ext cx="137160" cy="137160"/>
+          </a:xfrm>
+          <a:prstGeom prst="ellipse">
+            <a:avLst/>
+          </a:prstGeom>
+          <a:solidFill>
+            <a:schemeClr val="accent1"/>
+          </a:solidFill>
+          <a:ln w="9525" cap="flat" cmpd="sng" algn="ctr">
+            <a:noFill/>
+            <a:prstDash val="solid"/>
+            <a:round/>
+            <a:headEnd type="none" w="med" len="med"/>
+            <a:tailEnd type="none" w="med" len="med"/>
+          </a:ln>
+          <a:effectLst/>
+        </p:spPr>
+        <p:txBody>
+          <a:bodyPr vert="horz" wrap="square" lIns="91440" tIns="45720" rIns="91440" bIns="45720" numCol="1" rtlCol="0" anchor="t" anchorCtr="0" compatLnSpc="1">
+            <a:prstTxWarp prst="textNoShape">
+              <a:avLst/>
+            </a:prstTxWarp>
+          </a:bodyPr>
+          <a:lstStyle/>
+          <a:p>
+            <a:pPr marL="0" marR="0" indent="0" algn="l" defTabSz="914400" rtl="0" eaLnBrk="1" fontAlgn="base" latinLnBrk="0" hangingPunct="1">
+              <a:lnSpc>
+                <a:spcPct val="100000"/>
+              </a:lnSpc>
+              <a:spcBef>
+                <a:spcPct val="0"/>
+              </a:spcBef>
+              <a:spcAft>
+                <a:spcPct val="0"/>
+              </a:spcAft>
+              <a:buClrTx/>
+              <a:buSzTx/>
+              <a:buFontTx/>
+              <a:buNone/>
+              <a:tabLst/>
+            </a:pPr>
+            <a:endParaRPr kumimoji="0" lang="en-US" sz="2800" b="1" i="0" u="none" strike="noStrike" cap="none" normalizeH="0" baseline="0" smtClean="0">
+              <a:ln>
+                <a:noFill/>
+              </a:ln>
+              <a:solidFill>
+                <a:schemeClr val="tx1"/>
+              </a:solidFill>
+              <a:effectLst/>
+              <a:latin typeface="Arial" charset="0"/>
+            </a:endParaRPr>
+          </a:p>
+        </p:txBody>
+      </p:sp>
+      <p:sp>
+        <p:nvSpPr>
+          <p:cNvPr id="13" name="Oval 12"/>
+          <p:cNvSpPr/>
+          <p:nvPr/>
+        </p:nvSpPr>
+        <p:spPr bwMode="auto">
+          <a:xfrm>
+            <a:off x="4055690" y="3749040"/>
+            <a:ext cx="137160" cy="137160"/>
+          </a:xfrm>
+          <a:prstGeom prst="ellipse">
+            <a:avLst/>
+          </a:prstGeom>
+          <a:solidFill>
+            <a:schemeClr val="accent1"/>
+          </a:solidFill>
+          <a:ln w="9525" cap="flat" cmpd="sng" algn="ctr">
+            <a:noFill/>
+            <a:prstDash val="solid"/>
+            <a:round/>
+            <a:headEnd type="none" w="med" len="med"/>
+            <a:tailEnd type="none" w="med" len="med"/>
+          </a:ln>
+          <a:effectLst/>
+        </p:spPr>
+        <p:txBody>
+          <a:bodyPr vert="horz" wrap="square" lIns="91440" tIns="45720" rIns="91440" bIns="45720" numCol="1" rtlCol="0" anchor="t" anchorCtr="0" compatLnSpc="1">
+            <a:prstTxWarp prst="textNoShape">
+              <a:avLst/>
+            </a:prstTxWarp>
+          </a:bodyPr>
+          <a:lstStyle/>
+          <a:p>
+            <a:pPr marL="0" marR="0" indent="0" algn="l" defTabSz="914400" rtl="0" eaLnBrk="1" fontAlgn="base" latinLnBrk="0" hangingPunct="1">
+              <a:lnSpc>
+                <a:spcPct val="100000"/>
+              </a:lnSpc>
+              <a:spcBef>
+                <a:spcPct val="0"/>
+              </a:spcBef>
+              <a:spcAft>
+                <a:spcPct val="0"/>
+              </a:spcAft>
+              <a:buClrTx/>
+              <a:buSzTx/>
+              <a:buFontTx/>
+              <a:buNone/>
+              <a:tabLst/>
+            </a:pPr>
+            <a:endParaRPr kumimoji="0" lang="en-US" sz="2800" b="1" i="0" u="none" strike="noStrike" cap="none" normalizeH="0" baseline="0" smtClean="0">
+              <a:ln>
+                <a:noFill/>
+              </a:ln>
+              <a:solidFill>
+                <a:schemeClr val="tx1"/>
+              </a:solidFill>
+              <a:effectLst/>
+              <a:latin typeface="Arial" charset="0"/>
+            </a:endParaRPr>
+          </a:p>
+        </p:txBody>
+      </p:sp>
+      <p:sp>
+        <p:nvSpPr>
+          <p:cNvPr id="14" name="Oval 13"/>
+          <p:cNvSpPr/>
+          <p:nvPr/>
+        </p:nvSpPr>
+        <p:spPr bwMode="auto">
+          <a:xfrm>
+            <a:off x="3421529" y="3352800"/>
+            <a:ext cx="137160" cy="137160"/>
+          </a:xfrm>
+          <a:prstGeom prst="ellipse">
+            <a:avLst/>
+          </a:prstGeom>
+          <a:solidFill>
+            <a:schemeClr val="accent1"/>
+          </a:solidFill>
+          <a:ln w="9525" cap="flat" cmpd="sng" algn="ctr">
+            <a:noFill/>
+            <a:prstDash val="solid"/>
+            <a:round/>
+            <a:headEnd type="none" w="med" len="med"/>
+            <a:tailEnd type="none" w="med" len="med"/>
+          </a:ln>
+          <a:effectLst/>
+        </p:spPr>
+        <p:txBody>
+          <a:bodyPr vert="horz" wrap="square" lIns="91440" tIns="45720" rIns="91440" bIns="45720" numCol="1" rtlCol="0" anchor="t" anchorCtr="0" compatLnSpc="1">
+            <a:prstTxWarp prst="textNoShape">
+              <a:avLst/>
+            </a:prstTxWarp>
+          </a:bodyPr>
+          <a:lstStyle/>
+          <a:p>
+            <a:pPr marL="0" marR="0" indent="0" algn="l" defTabSz="914400" rtl="0" eaLnBrk="1" fontAlgn="base" latinLnBrk="0" hangingPunct="1">
+              <a:lnSpc>
+                <a:spcPct val="100000"/>
+              </a:lnSpc>
+              <a:spcBef>
+                <a:spcPct val="0"/>
+              </a:spcBef>
+              <a:spcAft>
+                <a:spcPct val="0"/>
+              </a:spcAft>
+              <a:buClrTx/>
+              <a:buSzTx/>
+              <a:buFontTx/>
+              <a:buNone/>
+              <a:tabLst/>
+            </a:pPr>
+            <a:endParaRPr kumimoji="0" lang="en-US" sz="2800" b="1" i="0" u="none" strike="noStrike" cap="none" normalizeH="0" baseline="0" smtClean="0">
+              <a:ln>
+                <a:noFill/>
+              </a:ln>
+              <a:solidFill>
+                <a:schemeClr val="tx1"/>
+              </a:solidFill>
+              <a:effectLst/>
+              <a:latin typeface="Arial" charset="0"/>
+            </a:endParaRPr>
+          </a:p>
+        </p:txBody>
+      </p:sp>
+      <p:sp>
+        <p:nvSpPr>
+          <p:cNvPr id="15" name="Oval 14"/>
+          <p:cNvSpPr/>
+          <p:nvPr/>
+        </p:nvSpPr>
+        <p:spPr bwMode="auto">
+          <a:xfrm>
+            <a:off x="2969840" y="4036345"/>
+            <a:ext cx="137160" cy="137160"/>
+          </a:xfrm>
+          <a:prstGeom prst="ellipse">
+            <a:avLst/>
+          </a:prstGeom>
+          <a:solidFill>
+            <a:schemeClr val="accent1"/>
+          </a:solidFill>
+          <a:ln w="9525" cap="flat" cmpd="sng" algn="ctr">
+            <a:noFill/>
+            <a:prstDash val="solid"/>
+            <a:round/>
+            <a:headEnd type="none" w="med" len="med"/>
+            <a:tailEnd type="none" w="med" len="med"/>
+          </a:ln>
+          <a:effectLst/>
+        </p:spPr>
+        <p:txBody>
+          <a:bodyPr vert="horz" wrap="square" lIns="91440" tIns="45720" rIns="91440" bIns="45720" numCol="1" rtlCol="0" anchor="t" anchorCtr="0" compatLnSpc="1">
+            <a:prstTxWarp prst="textNoShape">
+              <a:avLst/>
+            </a:prstTxWarp>
+          </a:bodyPr>
+          <a:lstStyle/>
+          <a:p>
+            <a:pPr marL="0" marR="0" indent="0" algn="l" defTabSz="914400" rtl="0" eaLnBrk="1" fontAlgn="base" latinLnBrk="0" hangingPunct="1">
+              <a:lnSpc>
+                <a:spcPct val="100000"/>
+              </a:lnSpc>
+              <a:spcBef>
+                <a:spcPct val="0"/>
+              </a:spcBef>
+              <a:spcAft>
+                <a:spcPct val="0"/>
+              </a:spcAft>
+              <a:buClrTx/>
+              <a:buSzTx/>
+              <a:buFontTx/>
+              <a:buNone/>
+              <a:tabLst/>
+            </a:pPr>
+            <a:endParaRPr kumimoji="0" lang="en-US" sz="2800" b="1" i="0" u="none" strike="noStrike" cap="none" normalizeH="0" baseline="0" smtClean="0">
+              <a:ln>
+                <a:noFill/>
+              </a:ln>
+              <a:solidFill>
+                <a:schemeClr val="tx1"/>
+              </a:solidFill>
+              <a:effectLst/>
+              <a:latin typeface="Arial" charset="0"/>
+            </a:endParaRPr>
+          </a:p>
+        </p:txBody>
+      </p:sp>
+      <p:sp>
+        <p:nvSpPr>
+          <p:cNvPr id="16" name="Oval 15"/>
+          <p:cNvSpPr/>
+          <p:nvPr/>
+        </p:nvSpPr>
+        <p:spPr bwMode="auto">
+          <a:xfrm>
+            <a:off x="3200400" y="4815840"/>
+            <a:ext cx="137160" cy="137160"/>
+          </a:xfrm>
+          <a:prstGeom prst="ellipse">
+            <a:avLst/>
+          </a:prstGeom>
+          <a:solidFill>
+            <a:srgbClr val="FF0000"/>
+          </a:solidFill>
+          <a:ln w="9525" cap="flat" cmpd="sng" algn="ctr">
+            <a:noFill/>
+            <a:prstDash val="solid"/>
+            <a:round/>
+            <a:headEnd type="none" w="med" len="med"/>
+            <a:tailEnd type="none" w="med" len="med"/>
+          </a:ln>
+          <a:effectLst/>
+        </p:spPr>
+        <p:txBody>
+          <a:bodyPr vert="horz" wrap="square" lIns="91440" tIns="45720" rIns="91440" bIns="45720" numCol="1" rtlCol="0" anchor="t" anchorCtr="0" compatLnSpc="1">
+            <a:prstTxWarp prst="textNoShape">
+              <a:avLst/>
+            </a:prstTxWarp>
+          </a:bodyPr>
+          <a:lstStyle/>
+          <a:p>
+            <a:pPr marL="0" marR="0" indent="0" algn="l" defTabSz="914400" rtl="0" eaLnBrk="1" fontAlgn="base" latinLnBrk="0" hangingPunct="1">
+              <a:lnSpc>
+                <a:spcPct val="100000"/>
+              </a:lnSpc>
+              <a:spcBef>
+                <a:spcPct val="0"/>
+              </a:spcBef>
+              <a:spcAft>
+                <a:spcPct val="0"/>
+              </a:spcAft>
+              <a:buClrTx/>
+              <a:buSzTx/>
+              <a:buFontTx/>
+              <a:buNone/>
+              <a:tabLst/>
+            </a:pPr>
+            <a:endParaRPr kumimoji="0" lang="en-US" sz="2800" b="1" i="0" u="none" strike="noStrike" cap="none" normalizeH="0" baseline="0" smtClean="0">
+              <a:ln>
+                <a:noFill/>
+              </a:ln>
+              <a:solidFill>
+                <a:schemeClr val="tx1"/>
+              </a:solidFill>
+              <a:effectLst/>
+              <a:latin typeface="Arial" charset="0"/>
+            </a:endParaRPr>
+          </a:p>
+        </p:txBody>
+      </p:sp>
+      <p:sp>
+        <p:nvSpPr>
+          <p:cNvPr id="17" name="Oval 16"/>
+          <p:cNvSpPr/>
+          <p:nvPr/>
+        </p:nvSpPr>
+        <p:spPr bwMode="auto">
+          <a:xfrm>
+            <a:off x="4055690" y="4892040"/>
+            <a:ext cx="137160" cy="137160"/>
+          </a:xfrm>
+          <a:prstGeom prst="ellipse">
+            <a:avLst/>
+          </a:prstGeom>
+          <a:solidFill>
+            <a:srgbClr val="FF0000"/>
+          </a:solidFill>
+          <a:ln w="9525" cap="flat" cmpd="sng" algn="ctr">
+            <a:noFill/>
+            <a:prstDash val="solid"/>
+            <a:round/>
+            <a:headEnd type="none" w="med" len="med"/>
+            <a:tailEnd type="none" w="med" len="med"/>
+          </a:ln>
+          <a:effectLst/>
+        </p:spPr>
+        <p:txBody>
+          <a:bodyPr vert="horz" wrap="square" lIns="91440" tIns="45720" rIns="91440" bIns="45720" numCol="1" rtlCol="0" anchor="t" anchorCtr="0" compatLnSpc="1">
+            <a:prstTxWarp prst="textNoShape">
+              <a:avLst/>
+            </a:prstTxWarp>
+          </a:bodyPr>
+          <a:lstStyle/>
+          <a:p>
+            <a:pPr marL="0" marR="0" indent="0" algn="l" defTabSz="914400" rtl="0" eaLnBrk="1" fontAlgn="base" latinLnBrk="0" hangingPunct="1">
+              <a:lnSpc>
+                <a:spcPct val="100000"/>
+              </a:lnSpc>
+              <a:spcBef>
+                <a:spcPct val="0"/>
+              </a:spcBef>
+              <a:spcAft>
+                <a:spcPct val="0"/>
+              </a:spcAft>
+              <a:buClrTx/>
+              <a:buSzTx/>
+              <a:buFontTx/>
+              <a:buNone/>
+              <a:tabLst/>
+            </a:pPr>
+            <a:endParaRPr kumimoji="0" lang="en-US" sz="2800" b="1" i="0" u="none" strike="noStrike" cap="none" normalizeH="0" baseline="0" smtClean="0">
+              <a:ln>
+                <a:noFill/>
+              </a:ln>
+              <a:solidFill>
+                <a:schemeClr val="tx1"/>
+              </a:solidFill>
+              <a:effectLst/>
+              <a:latin typeface="Arial" charset="0"/>
+            </a:endParaRPr>
+          </a:p>
+        </p:txBody>
+      </p:sp>
+      <p:sp>
+        <p:nvSpPr>
+          <p:cNvPr id="18" name="Oval 17"/>
+          <p:cNvSpPr/>
+          <p:nvPr/>
+        </p:nvSpPr>
+        <p:spPr bwMode="auto">
+          <a:xfrm>
+            <a:off x="4474790" y="3886200"/>
+            <a:ext cx="137160" cy="137160"/>
+          </a:xfrm>
+          <a:prstGeom prst="ellipse">
+            <a:avLst/>
+          </a:prstGeom>
+          <a:solidFill>
+            <a:srgbClr val="FF0000"/>
+          </a:solidFill>
+          <a:ln w="9525" cap="flat" cmpd="sng" algn="ctr">
+            <a:noFill/>
+            <a:prstDash val="solid"/>
+            <a:round/>
+            <a:headEnd type="none" w="med" len="med"/>
+            <a:tailEnd type="none" w="med" len="med"/>
+          </a:ln>
+          <a:effectLst/>
+        </p:spPr>
+        <p:txBody>
+          <a:bodyPr vert="horz" wrap="square" lIns="91440" tIns="45720" rIns="91440" bIns="45720" numCol="1" rtlCol="0" anchor="t" anchorCtr="0" compatLnSpc="1">
+            <a:prstTxWarp prst="textNoShape">
+              <a:avLst/>
+            </a:prstTxWarp>
+          </a:bodyPr>
+          <a:lstStyle/>
+          <a:p>
+            <a:pPr marL="0" marR="0" indent="0" algn="l" defTabSz="914400" rtl="0" eaLnBrk="1" fontAlgn="base" latinLnBrk="0" hangingPunct="1">
+              <a:lnSpc>
+                <a:spcPct val="100000"/>
+              </a:lnSpc>
+              <a:spcBef>
+                <a:spcPct val="0"/>
+              </a:spcBef>
+              <a:spcAft>
+                <a:spcPct val="0"/>
+              </a:spcAft>
+              <a:buClrTx/>
+              <a:buSzTx/>
+              <a:buFontTx/>
+              <a:buNone/>
+              <a:tabLst/>
+            </a:pPr>
+            <a:endParaRPr kumimoji="0" lang="en-US" sz="2800" b="1" i="0" u="none" strike="noStrike" cap="none" normalizeH="0" baseline="0" smtClean="0">
+              <a:ln>
+                <a:noFill/>
+              </a:ln>
+              <a:solidFill>
+                <a:schemeClr val="tx1"/>
+              </a:solidFill>
+              <a:effectLst/>
+              <a:latin typeface="Arial" charset="0"/>
+            </a:endParaRPr>
+          </a:p>
+        </p:txBody>
+      </p:sp>
+      <p:sp>
+        <p:nvSpPr>
+          <p:cNvPr id="19" name="Oval 18"/>
+          <p:cNvSpPr/>
+          <p:nvPr/>
+        </p:nvSpPr>
+        <p:spPr bwMode="auto">
+          <a:xfrm>
+            <a:off x="5509408" y="3513303"/>
+            <a:ext cx="137160" cy="137160"/>
+          </a:xfrm>
+          <a:prstGeom prst="ellipse">
+            <a:avLst/>
+          </a:prstGeom>
+          <a:solidFill>
+            <a:srgbClr val="FF0000"/>
+          </a:solidFill>
+          <a:ln w="9525" cap="flat" cmpd="sng" algn="ctr">
+            <a:noFill/>
+            <a:prstDash val="solid"/>
+            <a:round/>
+            <a:headEnd type="none" w="med" len="med"/>
+            <a:tailEnd type="none" w="med" len="med"/>
+          </a:ln>
+          <a:effectLst/>
+        </p:spPr>
+        <p:txBody>
+          <a:bodyPr vert="horz" wrap="square" lIns="91440" tIns="45720" rIns="91440" bIns="45720" numCol="1" rtlCol="0" anchor="t" anchorCtr="0" compatLnSpc="1">
+            <a:prstTxWarp prst="textNoShape">
+              <a:avLst/>
+            </a:prstTxWarp>
+          </a:bodyPr>
+          <a:lstStyle/>
+          <a:p>
+            <a:pPr marL="0" marR="0" indent="0" algn="l" defTabSz="914400" rtl="0" eaLnBrk="1" fontAlgn="base" latinLnBrk="0" hangingPunct="1">
+              <a:lnSpc>
+                <a:spcPct val="100000"/>
+              </a:lnSpc>
+              <a:spcBef>
+                <a:spcPct val="0"/>
+              </a:spcBef>
+              <a:spcAft>
+                <a:spcPct val="0"/>
+              </a:spcAft>
+              <a:buClrTx/>
+              <a:buSzTx/>
+              <a:buFontTx/>
+              <a:buNone/>
+              <a:tabLst/>
+            </a:pPr>
+            <a:endParaRPr kumimoji="0" lang="en-US" sz="2800" b="1" i="0" u="none" strike="noStrike" cap="none" normalizeH="0" baseline="0" smtClean="0">
+              <a:ln>
+                <a:noFill/>
+              </a:ln>
+              <a:solidFill>
+                <a:schemeClr val="tx1"/>
+              </a:solidFill>
+              <a:effectLst/>
+              <a:latin typeface="Arial" charset="0"/>
+            </a:endParaRPr>
+          </a:p>
+        </p:txBody>
+      </p:sp>
+      <p:sp>
+        <p:nvSpPr>
+          <p:cNvPr id="20" name="Oval 19"/>
+          <p:cNvSpPr/>
+          <p:nvPr/>
+        </p:nvSpPr>
+        <p:spPr bwMode="auto">
+          <a:xfrm>
+            <a:off x="6303590" y="2895600"/>
+            <a:ext cx="137160" cy="137160"/>
+          </a:xfrm>
+          <a:prstGeom prst="ellipse">
+            <a:avLst/>
+          </a:prstGeom>
+          <a:solidFill>
+            <a:srgbClr val="FF0000"/>
+          </a:solidFill>
+          <a:ln w="9525" cap="flat" cmpd="sng" algn="ctr">
+            <a:noFill/>
+            <a:prstDash val="solid"/>
+            <a:round/>
+            <a:headEnd type="none" w="med" len="med"/>
+            <a:tailEnd type="none" w="med" len="med"/>
+          </a:ln>
+          <a:effectLst/>
+        </p:spPr>
+        <p:txBody>
+          <a:bodyPr vert="horz" wrap="square" lIns="91440" tIns="45720" rIns="91440" bIns="45720" numCol="1" rtlCol="0" anchor="t" anchorCtr="0" compatLnSpc="1">
+            <a:prstTxWarp prst="textNoShape">
+              <a:avLst/>
+            </a:prstTxWarp>
+          </a:bodyPr>
+          <a:lstStyle/>
+          <a:p>
+            <a:pPr marL="0" marR="0" indent="0" algn="l" defTabSz="914400" rtl="0" eaLnBrk="1" fontAlgn="base" latinLnBrk="0" hangingPunct="1">
+              <a:lnSpc>
+                <a:spcPct val="100000"/>
+              </a:lnSpc>
+              <a:spcBef>
+                <a:spcPct val="0"/>
+              </a:spcBef>
+              <a:spcAft>
+                <a:spcPct val="0"/>
+              </a:spcAft>
+              <a:buClrTx/>
+              <a:buSzTx/>
+              <a:buFontTx/>
+              <a:buNone/>
+              <a:tabLst/>
+            </a:pPr>
+            <a:endParaRPr kumimoji="0" lang="en-US" sz="2800" b="1" i="0" u="none" strike="noStrike" cap="none" normalizeH="0" baseline="0" smtClean="0">
+              <a:ln>
+                <a:noFill/>
+              </a:ln>
+              <a:solidFill>
+                <a:schemeClr val="tx1"/>
+              </a:solidFill>
+              <a:effectLst/>
+              <a:latin typeface="Arial" charset="0"/>
+            </a:endParaRPr>
+          </a:p>
+        </p:txBody>
+      </p:sp>
+      <p:sp>
+        <p:nvSpPr>
+          <p:cNvPr id="21" name="Oval 20"/>
+          <p:cNvSpPr/>
+          <p:nvPr/>
+        </p:nvSpPr>
+        <p:spPr bwMode="auto">
+          <a:xfrm>
+            <a:off x="5196840" y="4282440"/>
+            <a:ext cx="137160" cy="137160"/>
+          </a:xfrm>
+          <a:prstGeom prst="ellipse">
+            <a:avLst/>
+          </a:prstGeom>
+          <a:solidFill>
+            <a:srgbClr val="FF0000"/>
+          </a:solidFill>
+          <a:ln w="9525" cap="flat" cmpd="sng" algn="ctr">
+            <a:noFill/>
+            <a:prstDash val="solid"/>
+            <a:round/>
+            <a:headEnd type="none" w="med" len="med"/>
+            <a:tailEnd type="none" w="med" len="med"/>
+          </a:ln>
+          <a:effectLst/>
+        </p:spPr>
+        <p:txBody>
+          <a:bodyPr vert="horz" wrap="square" lIns="91440" tIns="45720" rIns="91440" bIns="45720" numCol="1" rtlCol="0" anchor="t" anchorCtr="0" compatLnSpc="1">
+            <a:prstTxWarp prst="textNoShape">
+              <a:avLst/>
+            </a:prstTxWarp>
+          </a:bodyPr>
+          <a:lstStyle/>
+          <a:p>
+            <a:pPr marL="0" marR="0" indent="0" algn="l" defTabSz="914400" rtl="0" eaLnBrk="1" fontAlgn="base" latinLnBrk="0" hangingPunct="1">
+              <a:lnSpc>
+                <a:spcPct val="100000"/>
+              </a:lnSpc>
+              <a:spcBef>
+                <a:spcPct val="0"/>
+              </a:spcBef>
+              <a:spcAft>
+                <a:spcPct val="0"/>
+              </a:spcAft>
+              <a:buClrTx/>
+              <a:buSzTx/>
+              <a:buFontTx/>
+              <a:buNone/>
+              <a:tabLst/>
+            </a:pPr>
+            <a:endParaRPr kumimoji="0" lang="en-US" sz="2800" b="1" i="0" u="none" strike="noStrike" cap="none" normalizeH="0" baseline="0" smtClean="0">
+              <a:ln>
+                <a:noFill/>
+              </a:ln>
+              <a:solidFill>
+                <a:schemeClr val="tx1"/>
+              </a:solidFill>
+              <a:effectLst/>
+              <a:latin typeface="Arial" charset="0"/>
+            </a:endParaRPr>
+          </a:p>
+        </p:txBody>
+      </p:sp>
+      <p:cxnSp>
+        <p:nvCxnSpPr>
+          <p:cNvPr id="25" name="Straight Connector 24"/>
+          <p:cNvCxnSpPr/>
+          <p:nvPr/>
+        </p:nvCxnSpPr>
+        <p:spPr bwMode="auto">
+          <a:xfrm flipV="1">
+            <a:off x="1905000" y="2286000"/>
+            <a:ext cx="4566230" cy="3352800"/>
+          </a:xfrm>
+          <a:prstGeom prst="line">
+            <a:avLst/>
+          </a:prstGeom>
+          <a:solidFill>
+            <a:schemeClr val="accent1"/>
+          </a:solidFill>
+          <a:ln w="28575" cap="flat" cmpd="sng" algn="ctr">
+            <a:solidFill>
+              <a:schemeClr val="tx1"/>
+            </a:solidFill>
+            <a:prstDash val="solid"/>
+            <a:round/>
+            <a:headEnd type="none" w="med" len="med"/>
+            <a:tailEnd type="none" w="med" len="med"/>
+          </a:ln>
+          <a:effectLst/>
+        </p:spPr>
+      </p:cxnSp>
+      <p:cxnSp>
+        <p:nvCxnSpPr>
+          <p:cNvPr id="26" name="Straight Connector 25"/>
+          <p:cNvCxnSpPr/>
+          <p:nvPr/>
+        </p:nvCxnSpPr>
+        <p:spPr bwMode="auto">
+          <a:xfrm flipV="1">
+            <a:off x="1905000" y="2895600"/>
+            <a:ext cx="4642430" cy="3352800"/>
+          </a:xfrm>
+          <a:prstGeom prst="line">
+            <a:avLst/>
+          </a:prstGeom>
+          <a:solidFill>
+            <a:schemeClr val="accent1"/>
+          </a:solidFill>
+          <a:ln w="28575" cap="flat" cmpd="sng" algn="ctr">
+            <a:solidFill>
+              <a:srgbClr val="FF0000"/>
+            </a:solidFill>
+            <a:prstDash val="dash"/>
+            <a:round/>
+            <a:headEnd type="none" w="med" len="med"/>
+            <a:tailEnd type="none" w="med" len="med"/>
+          </a:ln>
+          <a:effectLst/>
+        </p:spPr>
+      </p:cxnSp>
+      <p:cxnSp>
+        <p:nvCxnSpPr>
+          <p:cNvPr id="27" name="Straight Connector 26"/>
+          <p:cNvCxnSpPr/>
+          <p:nvPr/>
+        </p:nvCxnSpPr>
+        <p:spPr bwMode="auto">
+          <a:xfrm flipV="1">
+            <a:off x="1905000" y="1676400"/>
+            <a:ext cx="4490030" cy="3276600"/>
+          </a:xfrm>
+          <a:prstGeom prst="line">
+            <a:avLst/>
+          </a:prstGeom>
+          <a:solidFill>
+            <a:schemeClr val="accent1"/>
+          </a:solidFill>
+          <a:ln w="28575" cap="flat" cmpd="sng" algn="ctr">
+            <a:solidFill>
+              <a:schemeClr val="accent1">
+                <a:lumMod val="90000"/>
+              </a:schemeClr>
+            </a:solidFill>
+            <a:prstDash val="dash"/>
+            <a:round/>
+            <a:headEnd type="none" w="med" len="med"/>
+            <a:tailEnd type="none" w="med" len="med"/>
+          </a:ln>
+          <a:effectLst/>
+        </p:spPr>
+      </p:cxnSp>
+      <p:cxnSp>
+        <p:nvCxnSpPr>
+          <p:cNvPr id="38" name="Straight Connector 37"/>
+          <p:cNvCxnSpPr/>
+          <p:nvPr/>
+        </p:nvCxnSpPr>
+        <p:spPr bwMode="auto">
+          <a:xfrm flipH="1">
+            <a:off x="3038420" y="4122420"/>
+            <a:ext cx="5660" cy="693420"/>
+          </a:xfrm>
+          <a:prstGeom prst="line">
+            <a:avLst/>
+          </a:prstGeom>
+          <a:solidFill>
+            <a:schemeClr val="accent1"/>
+          </a:solidFill>
+          <a:ln w="19050" cap="flat" cmpd="sng" algn="ctr">
+            <a:solidFill>
+              <a:schemeClr val="accent1">
+                <a:lumMod val="90000"/>
+              </a:schemeClr>
+            </a:solidFill>
+            <a:prstDash val="sysDot"/>
+            <a:round/>
+            <a:headEnd type="none" w="med" len="med"/>
+            <a:tailEnd type="none" w="med" len="med"/>
+          </a:ln>
+          <a:effectLst/>
+        </p:spPr>
+      </p:cxnSp>
+      <p:cxnSp>
+        <p:nvCxnSpPr>
+          <p:cNvPr id="39" name="Straight Connector 38"/>
+          <p:cNvCxnSpPr/>
+          <p:nvPr/>
+        </p:nvCxnSpPr>
+        <p:spPr bwMode="auto">
+          <a:xfrm flipH="1">
+            <a:off x="3479949" y="3423920"/>
+            <a:ext cx="15091" cy="1021080"/>
+          </a:xfrm>
+          <a:prstGeom prst="line">
+            <a:avLst/>
+          </a:prstGeom>
+          <a:solidFill>
+            <a:schemeClr val="accent1"/>
+          </a:solidFill>
+          <a:ln w="19050" cap="flat" cmpd="sng" algn="ctr">
+            <a:solidFill>
+              <a:schemeClr val="accent1">
+                <a:lumMod val="90000"/>
+              </a:schemeClr>
+            </a:solidFill>
+            <a:prstDash val="sysDot"/>
+            <a:round/>
+            <a:headEnd type="none" w="med" len="med"/>
+            <a:tailEnd type="none" w="med" len="med"/>
+          </a:ln>
+          <a:effectLst/>
+        </p:spPr>
+      </p:cxnSp>
+      <p:cxnSp>
+        <p:nvCxnSpPr>
+          <p:cNvPr id="41" name="Straight Connector 40"/>
+          <p:cNvCxnSpPr/>
+          <p:nvPr/>
+        </p:nvCxnSpPr>
+        <p:spPr bwMode="auto">
+          <a:xfrm>
+            <a:off x="4124270" y="3822985"/>
+            <a:ext cx="0" cy="200375"/>
+          </a:xfrm>
+          <a:prstGeom prst="line">
+            <a:avLst/>
+          </a:prstGeom>
+          <a:solidFill>
+            <a:schemeClr val="accent1"/>
+          </a:solidFill>
+          <a:ln w="19050" cap="flat" cmpd="sng" algn="ctr">
+            <a:solidFill>
+              <a:schemeClr val="accent1">
+                <a:lumMod val="90000"/>
+              </a:schemeClr>
+            </a:solidFill>
+            <a:prstDash val="sysDot"/>
+            <a:round/>
+            <a:headEnd type="none" w="med" len="med"/>
+            <a:tailEnd type="none" w="med" len="med"/>
+          </a:ln>
+          <a:effectLst/>
+        </p:spPr>
+      </p:cxnSp>
+      <p:cxnSp>
+        <p:nvCxnSpPr>
+          <p:cNvPr id="43" name="Straight Connector 42"/>
+          <p:cNvCxnSpPr/>
+          <p:nvPr/>
+        </p:nvCxnSpPr>
+        <p:spPr bwMode="auto">
+          <a:xfrm>
+            <a:off x="4869180" y="3116580"/>
+            <a:ext cx="0" cy="373380"/>
+          </a:xfrm>
+          <a:prstGeom prst="line">
+            <a:avLst/>
+          </a:prstGeom>
+          <a:solidFill>
+            <a:schemeClr val="accent1"/>
+          </a:solidFill>
+          <a:ln w="19050" cap="flat" cmpd="sng" algn="ctr">
+            <a:solidFill>
+              <a:schemeClr val="accent1">
+                <a:lumMod val="90000"/>
+              </a:schemeClr>
+            </a:solidFill>
+            <a:prstDash val="sysDot"/>
+            <a:round/>
+            <a:headEnd type="none" w="med" len="med"/>
+            <a:tailEnd type="none" w="med" len="med"/>
+          </a:ln>
+          <a:effectLst/>
+        </p:spPr>
+      </p:cxnSp>
+      <p:cxnSp>
+        <p:nvCxnSpPr>
+          <p:cNvPr id="45" name="Straight Connector 44"/>
+          <p:cNvCxnSpPr/>
+          <p:nvPr/>
+        </p:nvCxnSpPr>
+        <p:spPr bwMode="auto">
+          <a:xfrm>
+            <a:off x="4724400" y="2354580"/>
+            <a:ext cx="9470" cy="1227303"/>
+          </a:xfrm>
+          <a:prstGeom prst="line">
+            <a:avLst/>
+          </a:prstGeom>
+          <a:solidFill>
+            <a:schemeClr val="accent1"/>
+          </a:solidFill>
+          <a:ln w="19050" cap="flat" cmpd="sng" algn="ctr">
+            <a:solidFill>
+              <a:schemeClr val="accent1">
+                <a:lumMod val="90000"/>
+              </a:schemeClr>
+            </a:solidFill>
+            <a:prstDash val="sysDot"/>
+            <a:round/>
+            <a:headEnd type="none" w="med" len="med"/>
+            <a:tailEnd type="none" w="med" len="med"/>
+          </a:ln>
+          <a:effectLst/>
+        </p:spPr>
+      </p:cxnSp>
+      <p:cxnSp>
+        <p:nvCxnSpPr>
+          <p:cNvPr id="47" name="Straight Connector 46"/>
+          <p:cNvCxnSpPr/>
+          <p:nvPr/>
+        </p:nvCxnSpPr>
+        <p:spPr bwMode="auto">
+          <a:xfrm flipH="1">
+            <a:off x="5577988" y="2202180"/>
+            <a:ext cx="1160" cy="762000"/>
+          </a:xfrm>
+          <a:prstGeom prst="line">
+            <a:avLst/>
+          </a:prstGeom>
+          <a:solidFill>
+            <a:schemeClr val="accent1"/>
+          </a:solidFill>
+          <a:ln w="19050" cap="flat" cmpd="sng" algn="ctr">
+            <a:solidFill>
+              <a:schemeClr val="accent1">
+                <a:lumMod val="90000"/>
+              </a:schemeClr>
+            </a:solidFill>
+            <a:prstDash val="sysDot"/>
+            <a:round/>
+            <a:headEnd type="none" w="med" len="med"/>
+            <a:tailEnd type="none" w="med" len="med"/>
+          </a:ln>
+          <a:effectLst/>
+        </p:spPr>
+      </p:cxnSp>
+      <p:cxnSp>
+        <p:nvCxnSpPr>
+          <p:cNvPr id="49" name="Straight Connector 48"/>
+          <p:cNvCxnSpPr/>
+          <p:nvPr/>
+        </p:nvCxnSpPr>
+        <p:spPr bwMode="auto">
+          <a:xfrm>
+            <a:off x="3268980" y="4648200"/>
+            <a:ext cx="0" cy="190500"/>
+          </a:xfrm>
+          <a:prstGeom prst="line">
+            <a:avLst/>
+          </a:prstGeom>
+          <a:solidFill>
+            <a:schemeClr val="accent1"/>
+          </a:solidFill>
+          <a:ln w="19050" cap="flat" cmpd="sng" algn="ctr">
+            <a:solidFill>
+              <a:srgbClr val="FF0000"/>
+            </a:solidFill>
+            <a:prstDash val="sysDot"/>
+            <a:round/>
+            <a:headEnd type="none" w="med" len="med"/>
+            <a:tailEnd type="none" w="med" len="med"/>
+          </a:ln>
+          <a:effectLst/>
+        </p:spPr>
+      </p:cxnSp>
+      <p:cxnSp>
+        <p:nvCxnSpPr>
+          <p:cNvPr id="51" name="Straight Connector 50"/>
+          <p:cNvCxnSpPr/>
+          <p:nvPr/>
+        </p:nvCxnSpPr>
+        <p:spPr bwMode="auto">
+          <a:xfrm>
+            <a:off x="4124270" y="4036345"/>
+            <a:ext cx="0" cy="916655"/>
+          </a:xfrm>
+          <a:prstGeom prst="line">
+            <a:avLst/>
+          </a:prstGeom>
+          <a:solidFill>
+            <a:schemeClr val="accent1"/>
+          </a:solidFill>
+          <a:ln w="19050" cap="flat" cmpd="sng" algn="ctr">
+            <a:solidFill>
+              <a:srgbClr val="FF0000"/>
+            </a:solidFill>
+            <a:prstDash val="sysDot"/>
+            <a:round/>
+            <a:headEnd type="none" w="med" len="med"/>
+            <a:tailEnd type="none" w="med" len="med"/>
+          </a:ln>
+          <a:effectLst/>
+        </p:spPr>
+      </p:cxnSp>
+      <p:cxnSp>
+        <p:nvCxnSpPr>
+          <p:cNvPr id="53" name="Straight Connector 52"/>
+          <p:cNvCxnSpPr/>
+          <p:nvPr/>
+        </p:nvCxnSpPr>
+        <p:spPr bwMode="auto">
+          <a:xfrm>
+            <a:off x="4543370" y="3733800"/>
+            <a:ext cx="0" cy="189372"/>
+          </a:xfrm>
+          <a:prstGeom prst="line">
+            <a:avLst/>
+          </a:prstGeom>
+          <a:solidFill>
+            <a:schemeClr val="accent1"/>
+          </a:solidFill>
+          <a:ln w="19050" cap="flat" cmpd="sng" algn="ctr">
+            <a:solidFill>
+              <a:srgbClr val="FF0000"/>
+            </a:solidFill>
+            <a:prstDash val="sysDot"/>
+            <a:round/>
+            <a:headEnd type="none" w="med" len="med"/>
+            <a:tailEnd type="none" w="med" len="med"/>
+          </a:ln>
+          <a:effectLst/>
+        </p:spPr>
+      </p:cxnSp>
+      <p:cxnSp>
+        <p:nvCxnSpPr>
+          <p:cNvPr id="55" name="Straight Connector 54"/>
+          <p:cNvCxnSpPr/>
+          <p:nvPr/>
+        </p:nvCxnSpPr>
+        <p:spPr bwMode="auto">
+          <a:xfrm flipH="1">
+            <a:off x="5264730" y="3185160"/>
+            <a:ext cx="690" cy="1163605"/>
+          </a:xfrm>
+          <a:prstGeom prst="line">
+            <a:avLst/>
+          </a:prstGeom>
+          <a:solidFill>
+            <a:schemeClr val="accent1"/>
+          </a:solidFill>
+          <a:ln w="19050" cap="flat" cmpd="sng" algn="ctr">
+            <a:solidFill>
+              <a:srgbClr val="FF0000"/>
+            </a:solidFill>
+            <a:prstDash val="sysDot"/>
+            <a:round/>
+            <a:headEnd type="none" w="med" len="med"/>
+            <a:tailEnd type="none" w="med" len="med"/>
+          </a:ln>
+          <a:effectLst/>
+        </p:spPr>
+      </p:cxnSp>
+      <p:cxnSp>
+        <p:nvCxnSpPr>
+          <p:cNvPr id="57" name="Straight Connector 56"/>
+          <p:cNvCxnSpPr/>
+          <p:nvPr/>
+        </p:nvCxnSpPr>
+        <p:spPr bwMode="auto">
+          <a:xfrm>
+            <a:off x="5567138" y="2964180"/>
+            <a:ext cx="0" cy="624840"/>
+          </a:xfrm>
+          <a:prstGeom prst="line">
+            <a:avLst/>
+          </a:prstGeom>
+          <a:solidFill>
+            <a:schemeClr val="accent1"/>
+          </a:solidFill>
+          <a:ln w="19050" cap="flat" cmpd="sng" algn="ctr">
+            <a:solidFill>
+              <a:srgbClr val="FF0000"/>
+            </a:solidFill>
+            <a:prstDash val="sysDot"/>
+            <a:round/>
+            <a:headEnd type="none" w="med" len="med"/>
+            <a:tailEnd type="none" w="med" len="med"/>
+          </a:ln>
+          <a:effectLst/>
+        </p:spPr>
+      </p:cxnSp>
+      <p:cxnSp>
+        <p:nvCxnSpPr>
+          <p:cNvPr id="58" name="Straight Connector 57"/>
+          <p:cNvCxnSpPr/>
+          <p:nvPr/>
+        </p:nvCxnSpPr>
+        <p:spPr bwMode="auto">
+          <a:xfrm>
+            <a:off x="6372170" y="2354580"/>
+            <a:ext cx="0" cy="624840"/>
+          </a:xfrm>
+          <a:prstGeom prst="line">
+            <a:avLst/>
+          </a:prstGeom>
+          <a:solidFill>
+            <a:schemeClr val="accent1"/>
+          </a:solidFill>
+          <a:ln w="19050" cap="flat" cmpd="sng" algn="ctr">
+            <a:solidFill>
+              <a:srgbClr val="FF0000"/>
+            </a:solidFill>
+            <a:prstDash val="sysDot"/>
+            <a:round/>
+            <a:headEnd type="none" w="med" len="med"/>
+            <a:tailEnd type="none" w="med" len="med"/>
+          </a:ln>
+          <a:effectLst/>
+        </p:spPr>
+      </p:cxnSp>
+      <p:sp>
+        <p:nvSpPr>
+          <p:cNvPr id="61" name="Rectangle 3"/>
+          <p:cNvSpPr txBox="1">
+            <a:spLocks noChangeArrowheads="1"/>
+          </p:cNvSpPr>
+          <p:nvPr/>
+        </p:nvSpPr>
+        <p:spPr bwMode="auto">
+          <a:xfrm>
+            <a:off x="312420" y="238125"/>
+            <a:ext cx="8686800" cy="1209675"/>
+          </a:xfrm>
+          <a:prstGeom prst="rect">
+            <a:avLst/>
+          </a:prstGeom>
+          <a:noFill/>
+          <a:ln w="9525">
+            <a:noFill/>
+            <a:miter lim="800000"/>
+            <a:headEnd/>
+            <a:tailEnd/>
+          </a:ln>
+          <a:effectLst/>
+        </p:spPr>
+        <p:txBody>
+          <a:bodyPr vert="horz" wrap="square" lIns="91440" tIns="45720" rIns="91440" bIns="45720" numCol="1" anchor="t" anchorCtr="0" compatLnSpc="1">
+            <a:prstTxWarp prst="textNoShape">
+              <a:avLst/>
+            </a:prstTxWarp>
+          </a:bodyPr>
+          <a:lstStyle>
+            <a:lvl1pPr marL="342900" indent="-342900" algn="l" rtl="0" fontAlgn="base">
+              <a:spcBef>
+                <a:spcPct val="20000"/>
+              </a:spcBef>
+              <a:spcAft>
+                <a:spcPct val="0"/>
+              </a:spcAft>
+              <a:buChar char="•"/>
+              <a:defRPr sz="3200">
+                <a:solidFill>
+                  <a:schemeClr val="tx1"/>
+                </a:solidFill>
+                <a:latin typeface="+mn-lt"/>
+                <a:ea typeface="+mn-ea"/>
+                <a:cs typeface="+mn-cs"/>
+              </a:defRPr>
+            </a:lvl1pPr>
+            <a:lvl2pPr marL="742950" indent="-285750" algn="l" rtl="0" fontAlgn="base">
+              <a:spcBef>
+                <a:spcPct val="20000"/>
+              </a:spcBef>
+              <a:spcAft>
+                <a:spcPct val="0"/>
+              </a:spcAft>
+              <a:buChar char="–"/>
+              <a:defRPr sz="2800">
+                <a:solidFill>
+                  <a:schemeClr val="tx1"/>
+                </a:solidFill>
+                <a:latin typeface="+mn-lt"/>
+              </a:defRPr>
+            </a:lvl2pPr>
+            <a:lvl3pPr marL="1143000" indent="-228600" algn="l" rtl="0" fontAlgn="base">
+              <a:spcBef>
+                <a:spcPct val="20000"/>
+              </a:spcBef>
+              <a:spcAft>
+                <a:spcPct val="0"/>
+              </a:spcAft>
+              <a:buChar char="•"/>
+              <a:defRPr sz="2400">
+                <a:solidFill>
+                  <a:schemeClr val="tx1"/>
+                </a:solidFill>
+                <a:latin typeface="+mn-lt"/>
+              </a:defRPr>
+            </a:lvl3pPr>
+            <a:lvl4pPr marL="1600200" indent="-228600" algn="l" rtl="0" fontAlgn="base">
+              <a:spcBef>
+                <a:spcPct val="20000"/>
+              </a:spcBef>
+              <a:spcAft>
+                <a:spcPct val="0"/>
+              </a:spcAft>
+              <a:buChar char="–"/>
+              <a:defRPr sz="2000">
+                <a:solidFill>
+                  <a:schemeClr val="tx1"/>
+                </a:solidFill>
+                <a:latin typeface="+mn-lt"/>
+              </a:defRPr>
+            </a:lvl4pPr>
+            <a:lvl5pPr marL="2057400" indent="-228600" algn="l" rtl="0" fontAlgn="base">
+              <a:spcBef>
+                <a:spcPct val="20000"/>
+              </a:spcBef>
+              <a:spcAft>
+                <a:spcPct val="0"/>
+              </a:spcAft>
+              <a:buChar char="»"/>
+              <a:defRPr sz="2000">
+                <a:solidFill>
+                  <a:schemeClr val="tx1"/>
+                </a:solidFill>
+                <a:latin typeface="+mn-lt"/>
+              </a:defRPr>
+            </a:lvl5pPr>
+            <a:lvl6pPr marL="2514600" indent="-228600" algn="l" rtl="0" fontAlgn="base">
+              <a:spcBef>
+                <a:spcPct val="20000"/>
+              </a:spcBef>
+              <a:spcAft>
+                <a:spcPct val="0"/>
+              </a:spcAft>
+              <a:buChar char="»"/>
+              <a:defRPr sz="2000">
+                <a:solidFill>
+                  <a:schemeClr val="tx1"/>
+                </a:solidFill>
+                <a:latin typeface="+mn-lt"/>
+              </a:defRPr>
+            </a:lvl6pPr>
+            <a:lvl7pPr marL="2971800" indent="-228600" algn="l" rtl="0" fontAlgn="base">
+              <a:spcBef>
+                <a:spcPct val="20000"/>
+              </a:spcBef>
+              <a:spcAft>
+                <a:spcPct val="0"/>
+              </a:spcAft>
+              <a:buChar char="»"/>
+              <a:defRPr sz="2000">
+                <a:solidFill>
+                  <a:schemeClr val="tx1"/>
+                </a:solidFill>
+                <a:latin typeface="+mn-lt"/>
+              </a:defRPr>
+            </a:lvl7pPr>
+            <a:lvl8pPr marL="3429000" indent="-228600" algn="l" rtl="0" fontAlgn="base">
+              <a:spcBef>
+                <a:spcPct val="20000"/>
+              </a:spcBef>
+              <a:spcAft>
+                <a:spcPct val="0"/>
+              </a:spcAft>
+              <a:buChar char="»"/>
+              <a:defRPr sz="2000">
+                <a:solidFill>
+                  <a:schemeClr val="tx1"/>
+                </a:solidFill>
+                <a:latin typeface="+mn-lt"/>
+              </a:defRPr>
+            </a:lvl8pPr>
+            <a:lvl9pPr marL="3886200" indent="-228600" algn="l" rtl="0" fontAlgn="base">
+              <a:spcBef>
+                <a:spcPct val="20000"/>
+              </a:spcBef>
+              <a:spcAft>
+                <a:spcPct val="0"/>
+              </a:spcAft>
+              <a:buChar char="»"/>
+              <a:defRPr sz="2000">
+                <a:solidFill>
+                  <a:schemeClr val="tx1"/>
+                </a:solidFill>
+                <a:latin typeface="+mn-lt"/>
+              </a:defRPr>
+            </a:lvl9pPr>
+          </a:lstStyle>
+          <a:p>
+            <a:pPr lvl="1"/>
+            <a:r>
+              <a:rPr lang="en-US" b="0" kern="0" dirty="0" smtClean="0"/>
+              <a:t>Compute residuals from a common line.</a:t>
+            </a:r>
+          </a:p>
+        </p:txBody>
+      </p:sp>
+    </p:spTree>
+    <p:extLst>
+      <p:ext uri="{BB962C8B-B14F-4D97-AF65-F5344CB8AC3E}">
+        <p14:creationId xmlns:p14="http://schemas.microsoft.com/office/powerpoint/2010/main" val="1030657099"/>
+      </p:ext>
+    </p:extLst>
+  </p:cSld>
+  <p:clrMapOvr>
+    <a:masterClrMapping/>
+  </p:clrMapOvr>
+  <p:timing>
+    <p:tnLst>
+      <p:par>
+        <p:cTn id="1" dur="indefinite" restart="never" nodeType="tmRoot">
+          <p:childTnLst>
+            <p:seq concurrent="1" nextAc="seek">
+              <p:cTn id="2" dur="indefinite" nodeType="mainSeq">
+                <p:childTnLst>
+                  <p:par>
+                    <p:cTn id="3" fill="hold">
+                      <p:stCondLst>
+                        <p:cond delay="indefinite"/>
+                      </p:stCondLst>
+                      <p:childTnLst>
+                        <p:par>
+                          <p:cTn id="4" fill="hold">
+                            <p:stCondLst>
+                              <p:cond delay="0"/>
+                            </p:stCondLst>
+                            <p:childTnLst>
+                              <p:par>
+                                <p:cTn id="5" presetID="22" presetClass="entr" presetSubtype="4" fill="hold" nodeType="clickEffect">
+                                  <p:stCondLst>
+                                    <p:cond delay="0"/>
+                                  </p:stCondLst>
+                                  <p:childTnLst>
+                                    <p:set>
+                                      <p:cBhvr>
+                                        <p:cTn id="6" dur="1" fill="hold">
+                                          <p:stCondLst>
+                                            <p:cond delay="0"/>
+                                          </p:stCondLst>
+                                        </p:cTn>
+                                        <p:tgtEl>
+                                          <p:spTgt spid="49"/>
+                                        </p:tgtEl>
+                                        <p:attrNameLst>
+                                          <p:attrName>style.visibility</p:attrName>
+                                        </p:attrNameLst>
+                                      </p:cBhvr>
+                                      <p:to>
+                                        <p:strVal val="visible"/>
+                                      </p:to>
+                                    </p:set>
+                                    <p:animEffect transition="in" filter="wipe(down)">
+                                      <p:cBhvr>
+                                        <p:cTn id="7" dur="500"/>
+                                        <p:tgtEl>
+                                          <p:spTgt spid="49"/>
+                                        </p:tgtEl>
+                                      </p:cBhvr>
+                                    </p:animEffect>
+                                  </p:childTnLst>
+                                </p:cTn>
+                              </p:par>
+                            </p:childTnLst>
+                          </p:cTn>
+                        </p:par>
+                        <p:par>
+                          <p:cTn id="8" fill="hold">
+                            <p:stCondLst>
+                              <p:cond delay="500"/>
+                            </p:stCondLst>
+                            <p:childTnLst>
+                              <p:par>
+                                <p:cTn id="9" presetID="22" presetClass="entr" presetSubtype="4" fill="hold" nodeType="afterEffect">
+                                  <p:stCondLst>
+                                    <p:cond delay="0"/>
+                                  </p:stCondLst>
+                                  <p:childTnLst>
+                                    <p:set>
+                                      <p:cBhvr>
+                                        <p:cTn id="10" dur="1" fill="hold">
+                                          <p:stCondLst>
+                                            <p:cond delay="0"/>
+                                          </p:stCondLst>
+                                        </p:cTn>
+                                        <p:tgtEl>
+                                          <p:spTgt spid="51"/>
+                                        </p:tgtEl>
+                                        <p:attrNameLst>
+                                          <p:attrName>style.visibility</p:attrName>
+                                        </p:attrNameLst>
+                                      </p:cBhvr>
+                                      <p:to>
+                                        <p:strVal val="visible"/>
+                                      </p:to>
+                                    </p:set>
+                                    <p:animEffect transition="in" filter="wipe(down)">
+                                      <p:cBhvr>
+                                        <p:cTn id="11" dur="250"/>
+                                        <p:tgtEl>
+                                          <p:spTgt spid="51"/>
+                                        </p:tgtEl>
+                                      </p:cBhvr>
+                                    </p:animEffect>
+                                  </p:childTnLst>
+                                </p:cTn>
+                              </p:par>
+                            </p:childTnLst>
+                          </p:cTn>
+                        </p:par>
+                        <p:par>
+                          <p:cTn id="12" fill="hold">
+                            <p:stCondLst>
+                              <p:cond delay="750"/>
+                            </p:stCondLst>
+                            <p:childTnLst>
+                              <p:par>
+                                <p:cTn id="13" presetID="22" presetClass="entr" presetSubtype="4" fill="hold" nodeType="afterEffect">
+                                  <p:stCondLst>
+                                    <p:cond delay="0"/>
+                                  </p:stCondLst>
+                                  <p:childTnLst>
+                                    <p:set>
+                                      <p:cBhvr>
+                                        <p:cTn id="14" dur="1" fill="hold">
+                                          <p:stCondLst>
+                                            <p:cond delay="0"/>
+                                          </p:stCondLst>
+                                        </p:cTn>
+                                        <p:tgtEl>
+                                          <p:spTgt spid="53"/>
+                                        </p:tgtEl>
+                                        <p:attrNameLst>
+                                          <p:attrName>style.visibility</p:attrName>
+                                        </p:attrNameLst>
+                                      </p:cBhvr>
+                                      <p:to>
+                                        <p:strVal val="visible"/>
+                                      </p:to>
+                                    </p:set>
+                                    <p:animEffect transition="in" filter="wipe(down)">
+                                      <p:cBhvr>
+                                        <p:cTn id="15" dur="250"/>
+                                        <p:tgtEl>
+                                          <p:spTgt spid="53"/>
+                                        </p:tgtEl>
+                                      </p:cBhvr>
+                                    </p:animEffect>
+                                  </p:childTnLst>
+                                </p:cTn>
+                              </p:par>
+                            </p:childTnLst>
+                          </p:cTn>
+                        </p:par>
+                        <p:par>
+                          <p:cTn id="16" fill="hold">
+                            <p:stCondLst>
+                              <p:cond delay="1000"/>
+                            </p:stCondLst>
+                            <p:childTnLst>
+                              <p:par>
+                                <p:cTn id="17" presetID="22" presetClass="entr" presetSubtype="4" fill="hold" nodeType="afterEffect">
+                                  <p:stCondLst>
+                                    <p:cond delay="0"/>
+                                  </p:stCondLst>
+                                  <p:childTnLst>
+                                    <p:set>
+                                      <p:cBhvr>
+                                        <p:cTn id="18" dur="1" fill="hold">
+                                          <p:stCondLst>
+                                            <p:cond delay="0"/>
+                                          </p:stCondLst>
+                                        </p:cTn>
+                                        <p:tgtEl>
+                                          <p:spTgt spid="55"/>
+                                        </p:tgtEl>
+                                        <p:attrNameLst>
+                                          <p:attrName>style.visibility</p:attrName>
+                                        </p:attrNameLst>
+                                      </p:cBhvr>
+                                      <p:to>
+                                        <p:strVal val="visible"/>
+                                      </p:to>
+                                    </p:set>
+                                    <p:animEffect transition="in" filter="wipe(down)">
+                                      <p:cBhvr>
+                                        <p:cTn id="19" dur="250"/>
+                                        <p:tgtEl>
+                                          <p:spTgt spid="55"/>
+                                        </p:tgtEl>
+                                      </p:cBhvr>
+                                    </p:animEffect>
+                                  </p:childTnLst>
+                                </p:cTn>
+                              </p:par>
+                            </p:childTnLst>
+                          </p:cTn>
+                        </p:par>
+                        <p:par>
+                          <p:cTn id="20" fill="hold">
+                            <p:stCondLst>
+                              <p:cond delay="1250"/>
+                            </p:stCondLst>
+                            <p:childTnLst>
+                              <p:par>
+                                <p:cTn id="21" presetID="22" presetClass="entr" presetSubtype="4" fill="hold" nodeType="afterEffect">
+                                  <p:stCondLst>
+                                    <p:cond delay="0"/>
+                                  </p:stCondLst>
+                                  <p:childTnLst>
+                                    <p:set>
+                                      <p:cBhvr>
+                                        <p:cTn id="22" dur="1" fill="hold">
+                                          <p:stCondLst>
+                                            <p:cond delay="0"/>
+                                          </p:stCondLst>
+                                        </p:cTn>
+                                        <p:tgtEl>
+                                          <p:spTgt spid="57"/>
+                                        </p:tgtEl>
+                                        <p:attrNameLst>
+                                          <p:attrName>style.visibility</p:attrName>
+                                        </p:attrNameLst>
+                                      </p:cBhvr>
+                                      <p:to>
+                                        <p:strVal val="visible"/>
+                                      </p:to>
+                                    </p:set>
+                                    <p:animEffect transition="in" filter="wipe(down)">
+                                      <p:cBhvr>
+                                        <p:cTn id="23" dur="250"/>
+                                        <p:tgtEl>
+                                          <p:spTgt spid="57"/>
+                                        </p:tgtEl>
+                                      </p:cBhvr>
+                                    </p:animEffect>
+                                  </p:childTnLst>
+                                </p:cTn>
+                              </p:par>
+                            </p:childTnLst>
+                          </p:cTn>
+                        </p:par>
+                        <p:par>
+                          <p:cTn id="24" fill="hold">
+                            <p:stCondLst>
+                              <p:cond delay="1500"/>
+                            </p:stCondLst>
+                            <p:childTnLst>
+                              <p:par>
+                                <p:cTn id="25" presetID="22" presetClass="entr" presetSubtype="4" fill="hold" nodeType="afterEffect">
+                                  <p:stCondLst>
+                                    <p:cond delay="0"/>
+                                  </p:stCondLst>
+                                  <p:childTnLst>
+                                    <p:set>
+                                      <p:cBhvr>
+                                        <p:cTn id="26" dur="1" fill="hold">
+                                          <p:stCondLst>
+                                            <p:cond delay="0"/>
+                                          </p:stCondLst>
+                                        </p:cTn>
+                                        <p:tgtEl>
+                                          <p:spTgt spid="58"/>
+                                        </p:tgtEl>
+                                        <p:attrNameLst>
+                                          <p:attrName>style.visibility</p:attrName>
+                                        </p:attrNameLst>
+                                      </p:cBhvr>
+                                      <p:to>
+                                        <p:strVal val="visible"/>
+                                      </p:to>
+                                    </p:set>
+                                    <p:animEffect transition="in" filter="wipe(down)">
+                                      <p:cBhvr>
+                                        <p:cTn id="27" dur="250"/>
+                                        <p:tgtEl>
+                                          <p:spTgt spid="58"/>
+                                        </p:tgtEl>
+                                      </p:cBhvr>
+                                    </p:animEffect>
+                                  </p:childTnLst>
+                                </p:cTn>
+                              </p:par>
+                            </p:childTnLst>
+                          </p:cTn>
+                        </p:par>
+                        <p:par>
+                          <p:cTn id="28" fill="hold">
+                            <p:stCondLst>
+                              <p:cond delay="1750"/>
+                            </p:stCondLst>
+                            <p:childTnLst>
+                              <p:par>
+                                <p:cTn id="29" presetID="22" presetClass="entr" presetSubtype="1" fill="hold" nodeType="afterEffect">
+                                  <p:stCondLst>
+                                    <p:cond delay="0"/>
+                                  </p:stCondLst>
+                                  <p:childTnLst>
+                                    <p:set>
+                                      <p:cBhvr>
+                                        <p:cTn id="30" dur="1" fill="hold">
+                                          <p:stCondLst>
+                                            <p:cond delay="0"/>
+                                          </p:stCondLst>
+                                        </p:cTn>
+                                        <p:tgtEl>
+                                          <p:spTgt spid="47"/>
+                                        </p:tgtEl>
+                                        <p:attrNameLst>
+                                          <p:attrName>style.visibility</p:attrName>
+                                        </p:attrNameLst>
+                                      </p:cBhvr>
+                                      <p:to>
+                                        <p:strVal val="visible"/>
+                                      </p:to>
+                                    </p:set>
+                                    <p:animEffect transition="in" filter="wipe(up)">
+                                      <p:cBhvr>
+                                        <p:cTn id="31" dur="250"/>
+                                        <p:tgtEl>
+                                          <p:spTgt spid="47"/>
+                                        </p:tgtEl>
+                                      </p:cBhvr>
+                                    </p:animEffect>
+                                  </p:childTnLst>
+                                </p:cTn>
+                              </p:par>
+                            </p:childTnLst>
+                          </p:cTn>
+                        </p:par>
+                        <p:par>
+                          <p:cTn id="32" fill="hold">
+                            <p:stCondLst>
+                              <p:cond delay="2000"/>
+                            </p:stCondLst>
+                            <p:childTnLst>
+                              <p:par>
+                                <p:cTn id="33" presetID="22" presetClass="entr" presetSubtype="1" fill="hold" nodeType="afterEffect">
+                                  <p:stCondLst>
+                                    <p:cond delay="0"/>
+                                  </p:stCondLst>
+                                  <p:childTnLst>
+                                    <p:set>
+                                      <p:cBhvr>
+                                        <p:cTn id="34" dur="1" fill="hold">
+                                          <p:stCondLst>
+                                            <p:cond delay="0"/>
+                                          </p:stCondLst>
+                                        </p:cTn>
+                                        <p:tgtEl>
+                                          <p:spTgt spid="43"/>
+                                        </p:tgtEl>
+                                        <p:attrNameLst>
+                                          <p:attrName>style.visibility</p:attrName>
+                                        </p:attrNameLst>
+                                      </p:cBhvr>
+                                      <p:to>
+                                        <p:strVal val="visible"/>
+                                      </p:to>
+                                    </p:set>
+                                    <p:animEffect transition="in" filter="wipe(up)">
+                                      <p:cBhvr>
+                                        <p:cTn id="35" dur="250"/>
+                                        <p:tgtEl>
+                                          <p:spTgt spid="43"/>
+                                        </p:tgtEl>
+                                      </p:cBhvr>
+                                    </p:animEffect>
+                                  </p:childTnLst>
+                                </p:cTn>
+                              </p:par>
+                            </p:childTnLst>
+                          </p:cTn>
+                        </p:par>
+                        <p:par>
+                          <p:cTn id="36" fill="hold">
+                            <p:stCondLst>
+                              <p:cond delay="2250"/>
+                            </p:stCondLst>
+                            <p:childTnLst>
+                              <p:par>
+                                <p:cTn id="37" presetID="22" presetClass="entr" presetSubtype="1" fill="hold" nodeType="afterEffect">
+                                  <p:stCondLst>
+                                    <p:cond delay="0"/>
+                                  </p:stCondLst>
+                                  <p:childTnLst>
+                                    <p:set>
+                                      <p:cBhvr>
+                                        <p:cTn id="38" dur="1" fill="hold">
+                                          <p:stCondLst>
+                                            <p:cond delay="0"/>
+                                          </p:stCondLst>
+                                        </p:cTn>
+                                        <p:tgtEl>
+                                          <p:spTgt spid="45"/>
+                                        </p:tgtEl>
+                                        <p:attrNameLst>
+                                          <p:attrName>style.visibility</p:attrName>
+                                        </p:attrNameLst>
+                                      </p:cBhvr>
+                                      <p:to>
+                                        <p:strVal val="visible"/>
+                                      </p:to>
+                                    </p:set>
+                                    <p:animEffect transition="in" filter="wipe(up)">
+                                      <p:cBhvr>
+                                        <p:cTn id="39" dur="250"/>
+                                        <p:tgtEl>
+                                          <p:spTgt spid="45"/>
+                                        </p:tgtEl>
+                                      </p:cBhvr>
+                                    </p:animEffect>
+                                  </p:childTnLst>
+                                </p:cTn>
+                              </p:par>
+                            </p:childTnLst>
+                          </p:cTn>
+                        </p:par>
+                        <p:par>
+                          <p:cTn id="40" fill="hold">
+                            <p:stCondLst>
+                              <p:cond delay="2500"/>
+                            </p:stCondLst>
+                            <p:childTnLst>
+                              <p:par>
+                                <p:cTn id="41" presetID="22" presetClass="entr" presetSubtype="1" fill="hold" nodeType="afterEffect">
+                                  <p:stCondLst>
+                                    <p:cond delay="0"/>
+                                  </p:stCondLst>
+                                  <p:childTnLst>
+                                    <p:set>
+                                      <p:cBhvr>
+                                        <p:cTn id="42" dur="1" fill="hold">
+                                          <p:stCondLst>
+                                            <p:cond delay="0"/>
+                                          </p:stCondLst>
+                                        </p:cTn>
+                                        <p:tgtEl>
+                                          <p:spTgt spid="41"/>
+                                        </p:tgtEl>
+                                        <p:attrNameLst>
+                                          <p:attrName>style.visibility</p:attrName>
+                                        </p:attrNameLst>
+                                      </p:cBhvr>
+                                      <p:to>
+                                        <p:strVal val="visible"/>
+                                      </p:to>
+                                    </p:set>
+                                    <p:animEffect transition="in" filter="wipe(up)">
+                                      <p:cBhvr>
+                                        <p:cTn id="43" dur="250"/>
+                                        <p:tgtEl>
+                                          <p:spTgt spid="41"/>
+                                        </p:tgtEl>
+                                      </p:cBhvr>
+                                    </p:animEffect>
+                                  </p:childTnLst>
+                                </p:cTn>
+                              </p:par>
+                            </p:childTnLst>
+                          </p:cTn>
+                        </p:par>
+                        <p:par>
+                          <p:cTn id="44" fill="hold">
+                            <p:stCondLst>
+                              <p:cond delay="2750"/>
+                            </p:stCondLst>
+                            <p:childTnLst>
+                              <p:par>
+                                <p:cTn id="45" presetID="22" presetClass="entr" presetSubtype="1" fill="hold" nodeType="afterEffect">
+                                  <p:stCondLst>
+                                    <p:cond delay="0"/>
+                                  </p:stCondLst>
+                                  <p:childTnLst>
+                                    <p:set>
+                                      <p:cBhvr>
+                                        <p:cTn id="46" dur="1" fill="hold">
+                                          <p:stCondLst>
+                                            <p:cond delay="0"/>
+                                          </p:stCondLst>
+                                        </p:cTn>
+                                        <p:tgtEl>
+                                          <p:spTgt spid="39"/>
+                                        </p:tgtEl>
+                                        <p:attrNameLst>
+                                          <p:attrName>style.visibility</p:attrName>
+                                        </p:attrNameLst>
+                                      </p:cBhvr>
+                                      <p:to>
+                                        <p:strVal val="visible"/>
+                                      </p:to>
+                                    </p:set>
+                                    <p:animEffect transition="in" filter="wipe(up)">
+                                      <p:cBhvr>
+                                        <p:cTn id="47" dur="250"/>
+                                        <p:tgtEl>
+                                          <p:spTgt spid="39"/>
+                                        </p:tgtEl>
+                                      </p:cBhvr>
+                                    </p:animEffect>
+                                  </p:childTnLst>
+                                </p:cTn>
+                              </p:par>
+                            </p:childTnLst>
+                          </p:cTn>
+                        </p:par>
+                        <p:par>
+                          <p:cTn id="48" fill="hold">
+                            <p:stCondLst>
+                              <p:cond delay="3000"/>
+                            </p:stCondLst>
+                            <p:childTnLst>
+                              <p:par>
+                                <p:cTn id="49" presetID="22" presetClass="entr" presetSubtype="1" fill="hold" nodeType="afterEffect">
+                                  <p:stCondLst>
+                                    <p:cond delay="0"/>
+                                  </p:stCondLst>
+                                  <p:childTnLst>
+                                    <p:set>
+                                      <p:cBhvr>
+                                        <p:cTn id="50" dur="1" fill="hold">
+                                          <p:stCondLst>
+                                            <p:cond delay="0"/>
+                                          </p:stCondLst>
+                                        </p:cTn>
+                                        <p:tgtEl>
+                                          <p:spTgt spid="38"/>
+                                        </p:tgtEl>
+                                        <p:attrNameLst>
+                                          <p:attrName>style.visibility</p:attrName>
+                                        </p:attrNameLst>
+                                      </p:cBhvr>
+                                      <p:to>
+                                        <p:strVal val="visible"/>
+                                      </p:to>
+                                    </p:set>
+                                    <p:animEffect transition="in" filter="wipe(up)">
+                                      <p:cBhvr>
+                                        <p:cTn id="51" dur="250"/>
+                                        <p:tgtEl>
+                                          <p:spTgt spid="38"/>
+                                        </p:tgtEl>
+                                      </p:cBhvr>
+                                    </p:animEffect>
+                                  </p:childTnLst>
+                                </p:cTn>
+                              </p:par>
+                            </p:childTnLst>
+                          </p:cTn>
+                        </p:par>
+                      </p:childTnLst>
+                    </p:cTn>
+                  </p:par>
+                </p:childTnLst>
+              </p:cTn>
+              <p:prevCondLst>
+                <p:cond evt="onPrev" delay="0">
+                  <p:tgtEl>
+                    <p:sldTgt/>
+                  </p:tgtEl>
+                </p:cond>
+              </p:prevCondLst>
+              <p:nextCondLst>
+                <p:cond evt="onNext" delay="0">
+                  <p:tgtEl>
+                    <p:sldTgt/>
+                  </p:tgtEl>
+                </p:cond>
+              </p:nextCondLst>
+            </p:seq>
+          </p:childTnLst>
+        </p:cTn>
+      </p:par>
+    </p:tnLst>
+  </p:timing>
+</p:sld>
+</file>
+
+<file path=ppt/slides/slide26.xml><?xml version="1.0" encoding="utf-8"?>
+<p:sld xmlns:a="http://schemas.openxmlformats.org/drawingml/2006/main" xmlns:r="http://schemas.openxmlformats.org/officeDocument/2006/relationships" xmlns:p="http://schemas.openxmlformats.org/presentationml/2006/main">
+  <p:cSld>
+    <p:spTree>
+      <p:nvGrpSpPr>
+        <p:cNvPr id="1" name=""/>
+        <p:cNvGrpSpPr/>
+        <p:nvPr/>
+      </p:nvGrpSpPr>
+      <p:grpSpPr>
+        <a:xfrm>
+          <a:off x="0" y="0"/>
+          <a:ext cx="0" cy="0"/>
+          <a:chOff x="0" y="0"/>
+          <a:chExt cx="0" cy="0"/>
+        </a:xfrm>
+      </p:grpSpPr>
+      <p:sp>
+        <p:nvSpPr>
+          <p:cNvPr id="4" name="Footer Placeholder 3"/>
+          <p:cNvSpPr>
+            <a:spLocks noGrp="1"/>
+          </p:cNvSpPr>
+          <p:nvPr>
+            <p:ph type="ftr" sz="quarter" idx="10"/>
+          </p:nvPr>
+        </p:nvSpPr>
+        <p:spPr/>
+        <p:txBody>
+          <a:bodyPr/>
+          <a:lstStyle/>
+          <a:p>
+            <a:r>
+              <a:rPr lang="en-US" smtClean="0"/>
+              <a:t>One-Way IVR</a:t>
+            </a:r>
+            <a:endParaRPr lang="en-US"/>
+          </a:p>
+        </p:txBody>
+      </p:sp>
+      <p:sp>
+        <p:nvSpPr>
+          <p:cNvPr id="5" name="Slide Number Placeholder 4"/>
+          <p:cNvSpPr>
+            <a:spLocks noGrp="1"/>
+          </p:cNvSpPr>
+          <p:nvPr>
+            <p:ph type="sldNum" sz="quarter" idx="11"/>
+          </p:nvPr>
+        </p:nvSpPr>
+        <p:spPr/>
+        <p:txBody>
+          <a:bodyPr/>
+          <a:lstStyle/>
+          <a:p>
+            <a:fld id="{32B39ADD-4258-43C1-B408-3269BEAB59D0}" type="slidenum">
+              <a:rPr lang="en-US" smtClean="0"/>
+              <a:pPr/>
+              <a:t>26</a:t>
+            </a:fld>
+            <a:endParaRPr lang="en-US"/>
+          </a:p>
+        </p:txBody>
+      </p:sp>
+      <p:cxnSp>
+        <p:nvCxnSpPr>
+          <p:cNvPr id="7" name="Straight Connector 6"/>
+          <p:cNvCxnSpPr/>
+          <p:nvPr/>
+        </p:nvCxnSpPr>
+        <p:spPr bwMode="auto">
+          <a:xfrm>
+            <a:off x="1905000" y="1752600"/>
+            <a:ext cx="0" cy="4572000"/>
+          </a:xfrm>
+          <a:prstGeom prst="line">
+            <a:avLst/>
+          </a:prstGeom>
+          <a:solidFill>
+            <a:schemeClr val="accent1"/>
+          </a:solidFill>
+          <a:ln w="44450" cap="flat" cmpd="sng" algn="ctr">
+            <a:solidFill>
+              <a:schemeClr val="tx1"/>
+            </a:solidFill>
+            <a:prstDash val="solid"/>
+            <a:round/>
+            <a:headEnd type="none" w="med" len="med"/>
+            <a:tailEnd type="none" w="med" len="med"/>
+          </a:ln>
+          <a:effectLst/>
+        </p:spPr>
+      </p:cxnSp>
+      <p:cxnSp>
+        <p:nvCxnSpPr>
+          <p:cNvPr id="8" name="Straight Connector 7"/>
+          <p:cNvCxnSpPr/>
+          <p:nvPr/>
+        </p:nvCxnSpPr>
+        <p:spPr bwMode="auto">
+          <a:xfrm flipH="1">
+            <a:off x="1905000" y="6248400"/>
+            <a:ext cx="4754880" cy="76200"/>
+          </a:xfrm>
+          <a:prstGeom prst="line">
+            <a:avLst/>
+          </a:prstGeom>
+          <a:solidFill>
+            <a:schemeClr val="accent1"/>
+          </a:solidFill>
+          <a:ln w="44450" cap="flat" cmpd="sng" algn="ctr">
+            <a:solidFill>
+              <a:schemeClr val="tx1"/>
+            </a:solidFill>
+            <a:prstDash val="solid"/>
+            <a:round/>
+            <a:headEnd type="none" w="med" len="med"/>
+            <a:tailEnd type="none" w="med" len="med"/>
+          </a:ln>
+          <a:effectLst/>
+        </p:spPr>
+      </p:cxnSp>
+      <p:cxnSp>
+        <p:nvCxnSpPr>
+          <p:cNvPr id="25" name="Straight Connector 24"/>
+          <p:cNvCxnSpPr/>
+          <p:nvPr/>
+        </p:nvCxnSpPr>
+        <p:spPr bwMode="auto">
+          <a:xfrm flipV="1">
+            <a:off x="1905000" y="2286000"/>
+            <a:ext cx="4566230" cy="3352800"/>
+          </a:xfrm>
+          <a:prstGeom prst="line">
+            <a:avLst/>
+          </a:prstGeom>
+          <a:solidFill>
+            <a:schemeClr val="accent1"/>
+          </a:solidFill>
+          <a:ln w="28575" cap="flat" cmpd="sng" algn="ctr">
+            <a:solidFill>
+              <a:schemeClr val="tx1"/>
+            </a:solidFill>
+            <a:prstDash val="solid"/>
+            <a:round/>
+            <a:headEnd type="none" w="med" len="med"/>
+            <a:tailEnd type="none" w="med" len="med"/>
+          </a:ln>
+          <a:effectLst/>
+        </p:spPr>
+      </p:cxnSp>
+      <p:cxnSp>
+        <p:nvCxnSpPr>
+          <p:cNvPr id="26" name="Straight Connector 25"/>
+          <p:cNvCxnSpPr/>
+          <p:nvPr/>
+        </p:nvCxnSpPr>
+        <p:spPr bwMode="auto">
+          <a:xfrm flipV="1">
+            <a:off x="1905000" y="2895600"/>
+            <a:ext cx="4642430" cy="3352800"/>
+          </a:xfrm>
+          <a:prstGeom prst="line">
+            <a:avLst/>
+          </a:prstGeom>
+          <a:solidFill>
+            <a:schemeClr val="accent1"/>
+          </a:solidFill>
+          <a:ln w="28575" cap="flat" cmpd="sng" algn="ctr">
+            <a:solidFill>
+              <a:srgbClr val="FF0000"/>
+            </a:solidFill>
+            <a:prstDash val="dash"/>
+            <a:round/>
+            <a:headEnd type="none" w="med" len="med"/>
+            <a:tailEnd type="none" w="med" len="med"/>
+          </a:ln>
+          <a:effectLst/>
+        </p:spPr>
+      </p:cxnSp>
+      <p:cxnSp>
+        <p:nvCxnSpPr>
+          <p:cNvPr id="27" name="Straight Connector 26"/>
+          <p:cNvCxnSpPr/>
+          <p:nvPr/>
+        </p:nvCxnSpPr>
+        <p:spPr bwMode="auto">
+          <a:xfrm flipV="1">
+            <a:off x="1905000" y="1676400"/>
+            <a:ext cx="4490030" cy="3276600"/>
+          </a:xfrm>
+          <a:prstGeom prst="line">
+            <a:avLst/>
+          </a:prstGeom>
+          <a:solidFill>
+            <a:schemeClr val="accent1"/>
+          </a:solidFill>
+          <a:ln w="28575" cap="flat" cmpd="sng" algn="ctr">
+            <a:solidFill>
+              <a:schemeClr val="accent1">
+                <a:lumMod val="90000"/>
+              </a:schemeClr>
+            </a:solidFill>
+            <a:prstDash val="dash"/>
+            <a:round/>
+            <a:headEnd type="none" w="med" len="med"/>
+            <a:tailEnd type="none" w="med" len="med"/>
+          </a:ln>
+          <a:effectLst/>
+        </p:spPr>
+      </p:cxnSp>
+      <p:grpSp>
+        <p:nvGrpSpPr>
+          <p:cNvPr id="32" name="Group 31"/>
+          <p:cNvGrpSpPr/>
+          <p:nvPr/>
+        </p:nvGrpSpPr>
+        <p:grpSpPr>
+          <a:xfrm>
+            <a:off x="2969840" y="4036345"/>
+            <a:ext cx="137160" cy="779495"/>
+            <a:chOff x="2969840" y="3350545"/>
+            <a:chExt cx="137160" cy="779495"/>
+          </a:xfrm>
+        </p:grpSpPr>
+        <p:sp>
+          <p:nvSpPr>
+            <p:cNvPr id="15" name="Oval 14"/>
+            <p:cNvSpPr/>
+            <p:nvPr/>
+          </p:nvSpPr>
+          <p:spPr bwMode="auto">
+            <a:xfrm>
+              <a:off x="2969840" y="3350545"/>
+              <a:ext cx="137160" cy="137160"/>
+            </a:xfrm>
+            <a:prstGeom prst="ellipse">
+              <a:avLst/>
+            </a:prstGeom>
+            <a:solidFill>
+              <a:schemeClr val="accent1"/>
+            </a:solidFill>
+            <a:ln w="9525" cap="flat" cmpd="sng" algn="ctr">
+              <a:noFill/>
+              <a:prstDash val="solid"/>
+              <a:round/>
+              <a:headEnd type="none" w="med" len="med"/>
+              <a:tailEnd type="none" w="med" len="med"/>
+            </a:ln>
+            <a:effectLst/>
+          </p:spPr>
+          <p:txBody>
+            <a:bodyPr vert="horz" wrap="square" lIns="91440" tIns="45720" rIns="91440" bIns="45720" numCol="1" rtlCol="0" anchor="t" anchorCtr="0" compatLnSpc="1">
+              <a:prstTxWarp prst="textNoShape">
+                <a:avLst/>
+              </a:prstTxWarp>
+            </a:bodyPr>
+            <a:lstStyle/>
+            <a:p>
+              <a:pPr marL="0" marR="0" indent="0" algn="l" defTabSz="914400" rtl="0" eaLnBrk="1" fontAlgn="base" latinLnBrk="0" hangingPunct="1">
+                <a:lnSpc>
+                  <a:spcPct val="100000"/>
+                </a:lnSpc>
+                <a:spcBef>
+                  <a:spcPct val="0"/>
+                </a:spcBef>
+                <a:spcAft>
+                  <a:spcPct val="0"/>
+                </a:spcAft>
+                <a:buClrTx/>
+                <a:buSzTx/>
+                <a:buFontTx/>
+                <a:buNone/>
+                <a:tabLst/>
+              </a:pPr>
+              <a:endParaRPr kumimoji="0" lang="en-US" sz="2800" b="1" i="0" u="none" strike="noStrike" cap="none" normalizeH="0" baseline="0" smtClean="0">
+                <a:ln>
+                  <a:noFill/>
+                </a:ln>
+                <a:solidFill>
+                  <a:schemeClr val="tx1"/>
+                </a:solidFill>
+                <a:effectLst/>
+                <a:latin typeface="Arial" charset="0"/>
+              </a:endParaRPr>
+            </a:p>
+          </p:txBody>
+        </p:sp>
+        <p:cxnSp>
+          <p:nvCxnSpPr>
+            <p:cNvPr id="38" name="Straight Connector 37"/>
+            <p:cNvCxnSpPr/>
+            <p:nvPr/>
+          </p:nvCxnSpPr>
+          <p:spPr bwMode="auto">
+            <a:xfrm flipH="1">
+              <a:off x="3038420" y="3436620"/>
+              <a:ext cx="5660" cy="693420"/>
+            </a:xfrm>
+            <a:prstGeom prst="line">
+              <a:avLst/>
+            </a:prstGeom>
+            <a:solidFill>
+              <a:schemeClr val="accent1"/>
+            </a:solidFill>
+            <a:ln w="19050" cap="flat" cmpd="sng" algn="ctr">
+              <a:solidFill>
+                <a:schemeClr val="accent1">
+                  <a:lumMod val="90000"/>
+                </a:schemeClr>
+              </a:solidFill>
+              <a:prstDash val="sysDot"/>
+              <a:round/>
+              <a:headEnd type="none" w="med" len="med"/>
+              <a:tailEnd type="none" w="med" len="med"/>
+            </a:ln>
+            <a:effectLst/>
+          </p:spPr>
+        </p:cxnSp>
+      </p:grpSp>
+      <p:grpSp>
+        <p:nvGrpSpPr>
+          <p:cNvPr id="31" name="Group 30"/>
+          <p:cNvGrpSpPr/>
+          <p:nvPr/>
+        </p:nvGrpSpPr>
+        <p:grpSpPr>
+          <a:xfrm>
+            <a:off x="3421529" y="3352800"/>
+            <a:ext cx="137160" cy="1092200"/>
+            <a:chOff x="3421529" y="2667000"/>
+            <a:chExt cx="137160" cy="1092200"/>
+          </a:xfrm>
+        </p:grpSpPr>
+        <p:sp>
+          <p:nvSpPr>
+            <p:cNvPr id="14" name="Oval 13"/>
+            <p:cNvSpPr/>
+            <p:nvPr/>
+          </p:nvSpPr>
+          <p:spPr bwMode="auto">
+            <a:xfrm>
+              <a:off x="3421529" y="2667000"/>
+              <a:ext cx="137160" cy="137160"/>
+            </a:xfrm>
+            <a:prstGeom prst="ellipse">
+              <a:avLst/>
+            </a:prstGeom>
+            <a:solidFill>
+              <a:schemeClr val="accent1"/>
+            </a:solidFill>
+            <a:ln w="9525" cap="flat" cmpd="sng" algn="ctr">
+              <a:noFill/>
+              <a:prstDash val="solid"/>
+              <a:round/>
+              <a:headEnd type="none" w="med" len="med"/>
+              <a:tailEnd type="none" w="med" len="med"/>
+            </a:ln>
+            <a:effectLst/>
+          </p:spPr>
+          <p:txBody>
+            <a:bodyPr vert="horz" wrap="square" lIns="91440" tIns="45720" rIns="91440" bIns="45720" numCol="1" rtlCol="0" anchor="t" anchorCtr="0" compatLnSpc="1">
+              <a:prstTxWarp prst="textNoShape">
+                <a:avLst/>
+              </a:prstTxWarp>
+            </a:bodyPr>
+            <a:lstStyle/>
+            <a:p>
+              <a:pPr marL="0" marR="0" indent="0" algn="l" defTabSz="914400" rtl="0" eaLnBrk="1" fontAlgn="base" latinLnBrk="0" hangingPunct="1">
+                <a:lnSpc>
+                  <a:spcPct val="100000"/>
+                </a:lnSpc>
+                <a:spcBef>
+                  <a:spcPct val="0"/>
+                </a:spcBef>
+                <a:spcAft>
+                  <a:spcPct val="0"/>
+                </a:spcAft>
+                <a:buClrTx/>
+                <a:buSzTx/>
+                <a:buFontTx/>
+                <a:buNone/>
+                <a:tabLst/>
+              </a:pPr>
+              <a:endParaRPr kumimoji="0" lang="en-US" sz="2800" b="1" i="0" u="none" strike="noStrike" cap="none" normalizeH="0" baseline="0" smtClean="0">
+                <a:ln>
+                  <a:noFill/>
+                </a:ln>
+                <a:solidFill>
+                  <a:schemeClr val="tx1"/>
+                </a:solidFill>
+                <a:effectLst/>
+                <a:latin typeface="Arial" charset="0"/>
+              </a:endParaRPr>
+            </a:p>
+          </p:txBody>
+        </p:sp>
+        <p:cxnSp>
+          <p:nvCxnSpPr>
+            <p:cNvPr id="39" name="Straight Connector 38"/>
+            <p:cNvCxnSpPr/>
+            <p:nvPr/>
+          </p:nvCxnSpPr>
+          <p:spPr bwMode="auto">
+            <a:xfrm flipH="1">
+              <a:off x="3479949" y="2738120"/>
+              <a:ext cx="15091" cy="1021080"/>
+            </a:xfrm>
+            <a:prstGeom prst="line">
+              <a:avLst/>
+            </a:prstGeom>
+            <a:solidFill>
+              <a:schemeClr val="accent1"/>
+            </a:solidFill>
+            <a:ln w="19050" cap="flat" cmpd="sng" algn="ctr">
+              <a:solidFill>
+                <a:schemeClr val="accent1">
+                  <a:lumMod val="90000"/>
+                </a:schemeClr>
+              </a:solidFill>
+              <a:prstDash val="sysDot"/>
+              <a:round/>
+              <a:headEnd type="none" w="med" len="med"/>
+              <a:tailEnd type="none" w="med" len="med"/>
+            </a:ln>
+            <a:effectLst/>
+          </p:spPr>
+        </p:cxnSp>
+      </p:grpSp>
+      <p:grpSp>
+        <p:nvGrpSpPr>
+          <p:cNvPr id="30" name="Group 29"/>
+          <p:cNvGrpSpPr/>
+          <p:nvPr/>
+        </p:nvGrpSpPr>
+        <p:grpSpPr>
+          <a:xfrm>
+            <a:off x="4055690" y="3749040"/>
+            <a:ext cx="137160" cy="274320"/>
+            <a:chOff x="4055690" y="3063240"/>
+            <a:chExt cx="137160" cy="274320"/>
+          </a:xfrm>
+        </p:grpSpPr>
+        <p:sp>
+          <p:nvSpPr>
+            <p:cNvPr id="13" name="Oval 12"/>
+            <p:cNvSpPr/>
+            <p:nvPr/>
+          </p:nvSpPr>
+          <p:spPr bwMode="auto">
+            <a:xfrm>
+              <a:off x="4055690" y="3063240"/>
+              <a:ext cx="137160" cy="137160"/>
+            </a:xfrm>
+            <a:prstGeom prst="ellipse">
+              <a:avLst/>
+            </a:prstGeom>
+            <a:solidFill>
+              <a:schemeClr val="accent1"/>
+            </a:solidFill>
+            <a:ln w="9525" cap="flat" cmpd="sng" algn="ctr">
+              <a:noFill/>
+              <a:prstDash val="solid"/>
+              <a:round/>
+              <a:headEnd type="none" w="med" len="med"/>
+              <a:tailEnd type="none" w="med" len="med"/>
+            </a:ln>
+            <a:effectLst/>
+          </p:spPr>
+          <p:txBody>
+            <a:bodyPr vert="horz" wrap="square" lIns="91440" tIns="45720" rIns="91440" bIns="45720" numCol="1" rtlCol="0" anchor="t" anchorCtr="0" compatLnSpc="1">
+              <a:prstTxWarp prst="textNoShape">
+                <a:avLst/>
+              </a:prstTxWarp>
+            </a:bodyPr>
+            <a:lstStyle/>
+            <a:p>
+              <a:pPr marL="0" marR="0" indent="0" algn="l" defTabSz="914400" rtl="0" eaLnBrk="1" fontAlgn="base" latinLnBrk="0" hangingPunct="1">
+                <a:lnSpc>
+                  <a:spcPct val="100000"/>
+                </a:lnSpc>
+                <a:spcBef>
+                  <a:spcPct val="0"/>
+                </a:spcBef>
+                <a:spcAft>
+                  <a:spcPct val="0"/>
+                </a:spcAft>
+                <a:buClrTx/>
+                <a:buSzTx/>
+                <a:buFontTx/>
+                <a:buNone/>
+                <a:tabLst/>
+              </a:pPr>
+              <a:endParaRPr kumimoji="0" lang="en-US" sz="2800" b="1" i="0" u="none" strike="noStrike" cap="none" normalizeH="0" baseline="0" smtClean="0">
+                <a:ln>
+                  <a:noFill/>
+                </a:ln>
+                <a:solidFill>
+                  <a:schemeClr val="tx1"/>
+                </a:solidFill>
+                <a:effectLst/>
+                <a:latin typeface="Arial" charset="0"/>
+              </a:endParaRPr>
+            </a:p>
+          </p:txBody>
+        </p:sp>
+        <p:cxnSp>
+          <p:nvCxnSpPr>
+            <p:cNvPr id="41" name="Straight Connector 40"/>
+            <p:cNvCxnSpPr/>
+            <p:nvPr/>
+          </p:nvCxnSpPr>
+          <p:spPr bwMode="auto">
+            <a:xfrm>
+              <a:off x="4124270" y="3137185"/>
+              <a:ext cx="0" cy="200375"/>
+            </a:xfrm>
+            <a:prstGeom prst="line">
+              <a:avLst/>
+            </a:prstGeom>
+            <a:solidFill>
+              <a:schemeClr val="accent1"/>
+            </a:solidFill>
+            <a:ln w="19050" cap="flat" cmpd="sng" algn="ctr">
+              <a:solidFill>
+                <a:schemeClr val="accent1">
+                  <a:lumMod val="90000"/>
+                </a:schemeClr>
+              </a:solidFill>
+              <a:prstDash val="sysDot"/>
+              <a:round/>
+              <a:headEnd type="none" w="med" len="med"/>
+              <a:tailEnd type="none" w="med" len="med"/>
+            </a:ln>
+            <a:effectLst/>
+          </p:spPr>
+        </p:cxnSp>
+      </p:grpSp>
+      <p:grpSp>
+        <p:nvGrpSpPr>
+          <p:cNvPr id="29" name="Group 28"/>
+          <p:cNvGrpSpPr/>
+          <p:nvPr/>
+        </p:nvGrpSpPr>
+        <p:grpSpPr>
+          <a:xfrm>
+            <a:off x="4800600" y="3048000"/>
+            <a:ext cx="137160" cy="441960"/>
+            <a:chOff x="4800600" y="2362200"/>
+            <a:chExt cx="137160" cy="441960"/>
+          </a:xfrm>
+        </p:grpSpPr>
+        <p:sp>
+          <p:nvSpPr>
+            <p:cNvPr id="12" name="Oval 11"/>
+            <p:cNvSpPr/>
+            <p:nvPr/>
+          </p:nvSpPr>
+          <p:spPr bwMode="auto">
+            <a:xfrm>
+              <a:off x="4800600" y="2362200"/>
+              <a:ext cx="137160" cy="137160"/>
+            </a:xfrm>
+            <a:prstGeom prst="ellipse">
+              <a:avLst/>
+            </a:prstGeom>
+            <a:solidFill>
+              <a:schemeClr val="accent1"/>
+            </a:solidFill>
+            <a:ln w="9525" cap="flat" cmpd="sng" algn="ctr">
+              <a:noFill/>
+              <a:prstDash val="solid"/>
+              <a:round/>
+              <a:headEnd type="none" w="med" len="med"/>
+              <a:tailEnd type="none" w="med" len="med"/>
+            </a:ln>
+            <a:effectLst/>
+          </p:spPr>
+          <p:txBody>
+            <a:bodyPr vert="horz" wrap="square" lIns="91440" tIns="45720" rIns="91440" bIns="45720" numCol="1" rtlCol="0" anchor="t" anchorCtr="0" compatLnSpc="1">
+              <a:prstTxWarp prst="textNoShape">
+                <a:avLst/>
+              </a:prstTxWarp>
+            </a:bodyPr>
+            <a:lstStyle/>
+            <a:p>
+              <a:pPr marL="0" marR="0" indent="0" algn="l" defTabSz="914400" rtl="0" eaLnBrk="1" fontAlgn="base" latinLnBrk="0" hangingPunct="1">
+                <a:lnSpc>
+                  <a:spcPct val="100000"/>
+                </a:lnSpc>
+                <a:spcBef>
+                  <a:spcPct val="0"/>
+                </a:spcBef>
+                <a:spcAft>
+                  <a:spcPct val="0"/>
+                </a:spcAft>
+                <a:buClrTx/>
+                <a:buSzTx/>
+                <a:buFontTx/>
+                <a:buNone/>
+                <a:tabLst/>
+              </a:pPr>
+              <a:endParaRPr kumimoji="0" lang="en-US" sz="2800" b="1" i="0" u="none" strike="noStrike" cap="none" normalizeH="0" baseline="0" smtClean="0">
+                <a:ln>
+                  <a:noFill/>
+                </a:ln>
+                <a:solidFill>
+                  <a:schemeClr val="tx1"/>
+                </a:solidFill>
+                <a:effectLst/>
+                <a:latin typeface="Arial" charset="0"/>
+              </a:endParaRPr>
+            </a:p>
+          </p:txBody>
+        </p:sp>
+        <p:cxnSp>
+          <p:nvCxnSpPr>
+            <p:cNvPr id="43" name="Straight Connector 42"/>
+            <p:cNvCxnSpPr/>
+            <p:nvPr/>
+          </p:nvCxnSpPr>
+          <p:spPr bwMode="auto">
+            <a:xfrm>
+              <a:off x="4869180" y="2430780"/>
+              <a:ext cx="0" cy="373380"/>
+            </a:xfrm>
+            <a:prstGeom prst="line">
+              <a:avLst/>
+            </a:prstGeom>
+            <a:solidFill>
+              <a:schemeClr val="accent1"/>
+            </a:solidFill>
+            <a:ln w="19050" cap="flat" cmpd="sng" algn="ctr">
+              <a:solidFill>
+                <a:schemeClr val="accent1">
+                  <a:lumMod val="90000"/>
+                </a:schemeClr>
+              </a:solidFill>
+              <a:prstDash val="sysDot"/>
+              <a:round/>
+              <a:headEnd type="none" w="med" len="med"/>
+              <a:tailEnd type="none" w="med" len="med"/>
+            </a:ln>
+            <a:effectLst/>
+          </p:spPr>
+        </p:cxnSp>
+      </p:grpSp>
+      <p:grpSp>
+        <p:nvGrpSpPr>
+          <p:cNvPr id="28" name="Group 27"/>
+          <p:cNvGrpSpPr/>
+          <p:nvPr/>
+        </p:nvGrpSpPr>
+        <p:grpSpPr>
+          <a:xfrm>
+            <a:off x="4655820" y="2293620"/>
+            <a:ext cx="137160" cy="1288263"/>
+            <a:chOff x="4655820" y="1607820"/>
+            <a:chExt cx="137160" cy="1288263"/>
+          </a:xfrm>
+        </p:grpSpPr>
+        <p:sp>
+          <p:nvSpPr>
+            <p:cNvPr id="11" name="Oval 10"/>
+            <p:cNvSpPr/>
+            <p:nvPr/>
+          </p:nvSpPr>
+          <p:spPr bwMode="auto">
+            <a:xfrm>
+              <a:off x="4655820" y="1607820"/>
+              <a:ext cx="137160" cy="137160"/>
+            </a:xfrm>
+            <a:prstGeom prst="ellipse">
+              <a:avLst/>
+            </a:prstGeom>
+            <a:solidFill>
+              <a:schemeClr val="accent1"/>
+            </a:solidFill>
+            <a:ln w="9525" cap="flat" cmpd="sng" algn="ctr">
+              <a:noFill/>
+              <a:prstDash val="solid"/>
+              <a:round/>
+              <a:headEnd type="none" w="med" len="med"/>
+              <a:tailEnd type="none" w="med" len="med"/>
+            </a:ln>
+            <a:effectLst/>
+          </p:spPr>
+          <p:txBody>
+            <a:bodyPr vert="horz" wrap="square" lIns="91440" tIns="45720" rIns="91440" bIns="45720" numCol="1" rtlCol="0" anchor="t" anchorCtr="0" compatLnSpc="1">
+              <a:prstTxWarp prst="textNoShape">
+                <a:avLst/>
+              </a:prstTxWarp>
+            </a:bodyPr>
+            <a:lstStyle/>
+            <a:p>
+              <a:pPr marL="0" marR="0" indent="0" algn="l" defTabSz="914400" rtl="0" eaLnBrk="1" fontAlgn="base" latinLnBrk="0" hangingPunct="1">
+                <a:lnSpc>
+                  <a:spcPct val="100000"/>
+                </a:lnSpc>
+                <a:spcBef>
+                  <a:spcPct val="0"/>
+                </a:spcBef>
+                <a:spcAft>
+                  <a:spcPct val="0"/>
+                </a:spcAft>
+                <a:buClrTx/>
+                <a:buSzTx/>
+                <a:buFontTx/>
+                <a:buNone/>
+                <a:tabLst/>
+              </a:pPr>
+              <a:endParaRPr kumimoji="0" lang="en-US" sz="2800" b="1" i="0" u="none" strike="noStrike" cap="none" normalizeH="0" baseline="0" smtClean="0">
+                <a:ln>
+                  <a:noFill/>
+                </a:ln>
+                <a:solidFill>
+                  <a:schemeClr val="tx1"/>
+                </a:solidFill>
+                <a:effectLst/>
+                <a:latin typeface="Arial" charset="0"/>
+              </a:endParaRPr>
+            </a:p>
+          </p:txBody>
+        </p:sp>
+        <p:cxnSp>
+          <p:nvCxnSpPr>
+            <p:cNvPr id="45" name="Straight Connector 44"/>
+            <p:cNvCxnSpPr/>
+            <p:nvPr/>
+          </p:nvCxnSpPr>
+          <p:spPr bwMode="auto">
+            <a:xfrm>
+              <a:off x="4724400" y="1668780"/>
+              <a:ext cx="9470" cy="1227303"/>
+            </a:xfrm>
+            <a:prstGeom prst="line">
+              <a:avLst/>
+            </a:prstGeom>
+            <a:solidFill>
+              <a:schemeClr val="accent1"/>
+            </a:solidFill>
+            <a:ln w="19050" cap="flat" cmpd="sng" algn="ctr">
+              <a:solidFill>
+                <a:schemeClr val="accent1">
+                  <a:lumMod val="90000"/>
+                </a:schemeClr>
+              </a:solidFill>
+              <a:prstDash val="sysDot"/>
+              <a:round/>
+              <a:headEnd type="none" w="med" len="med"/>
+              <a:tailEnd type="none" w="med" len="med"/>
+            </a:ln>
+            <a:effectLst/>
+          </p:spPr>
+        </p:cxnSp>
+      </p:grpSp>
+      <p:grpSp>
+        <p:nvGrpSpPr>
+          <p:cNvPr id="24" name="Group 23"/>
+          <p:cNvGrpSpPr/>
+          <p:nvPr/>
+        </p:nvGrpSpPr>
+        <p:grpSpPr>
+          <a:xfrm>
+            <a:off x="5512145" y="2133600"/>
+            <a:ext cx="137160" cy="830580"/>
+            <a:chOff x="5512145" y="1447800"/>
+            <a:chExt cx="137160" cy="830580"/>
+          </a:xfrm>
+        </p:grpSpPr>
+        <p:sp>
+          <p:nvSpPr>
+            <p:cNvPr id="10" name="Oval 9"/>
+            <p:cNvSpPr/>
+            <p:nvPr/>
+          </p:nvSpPr>
+          <p:spPr bwMode="auto">
+            <a:xfrm>
+              <a:off x="5512145" y="1447800"/>
+              <a:ext cx="137160" cy="137160"/>
+            </a:xfrm>
+            <a:prstGeom prst="ellipse">
+              <a:avLst/>
+            </a:prstGeom>
+            <a:solidFill>
+              <a:schemeClr val="accent1"/>
+            </a:solidFill>
+            <a:ln w="9525" cap="flat" cmpd="sng" algn="ctr">
+              <a:noFill/>
+              <a:prstDash val="solid"/>
+              <a:round/>
+              <a:headEnd type="none" w="med" len="med"/>
+              <a:tailEnd type="none" w="med" len="med"/>
+            </a:ln>
+            <a:effectLst/>
+          </p:spPr>
+          <p:txBody>
+            <a:bodyPr vert="horz" wrap="square" lIns="91440" tIns="45720" rIns="91440" bIns="45720" numCol="1" rtlCol="0" anchor="t" anchorCtr="0" compatLnSpc="1">
+              <a:prstTxWarp prst="textNoShape">
+                <a:avLst/>
+              </a:prstTxWarp>
+            </a:bodyPr>
+            <a:lstStyle/>
+            <a:p>
+              <a:pPr marL="0" marR="0" indent="0" algn="l" defTabSz="914400" rtl="0" eaLnBrk="1" fontAlgn="base" latinLnBrk="0" hangingPunct="1">
+                <a:lnSpc>
+                  <a:spcPct val="100000"/>
+                </a:lnSpc>
+                <a:spcBef>
+                  <a:spcPct val="0"/>
+                </a:spcBef>
+                <a:spcAft>
+                  <a:spcPct val="0"/>
+                </a:spcAft>
+                <a:buClrTx/>
+                <a:buSzTx/>
+                <a:buFontTx/>
+                <a:buNone/>
+                <a:tabLst/>
+              </a:pPr>
+              <a:endParaRPr kumimoji="0" lang="en-US" sz="2800" b="1" i="0" u="none" strike="noStrike" cap="none" normalizeH="0" baseline="0" smtClean="0">
+                <a:ln>
+                  <a:noFill/>
+                </a:ln>
+                <a:solidFill>
+                  <a:schemeClr val="tx1"/>
+                </a:solidFill>
+                <a:effectLst/>
+                <a:latin typeface="Arial" charset="0"/>
+              </a:endParaRPr>
+            </a:p>
+          </p:txBody>
+        </p:sp>
+        <p:cxnSp>
+          <p:nvCxnSpPr>
+            <p:cNvPr id="47" name="Straight Connector 46"/>
+            <p:cNvCxnSpPr/>
+            <p:nvPr/>
+          </p:nvCxnSpPr>
+          <p:spPr bwMode="auto">
+            <a:xfrm flipH="1">
+              <a:off x="5577988" y="1516380"/>
+              <a:ext cx="1160" cy="762000"/>
+            </a:xfrm>
+            <a:prstGeom prst="line">
+              <a:avLst/>
+            </a:prstGeom>
+            <a:solidFill>
+              <a:schemeClr val="accent1"/>
+            </a:solidFill>
+            <a:ln w="19050" cap="flat" cmpd="sng" algn="ctr">
+              <a:solidFill>
+                <a:schemeClr val="accent1">
+                  <a:lumMod val="90000"/>
+                </a:schemeClr>
+              </a:solidFill>
+              <a:prstDash val="sysDot"/>
+              <a:round/>
+              <a:headEnd type="none" w="med" len="med"/>
+              <a:tailEnd type="none" w="med" len="med"/>
+            </a:ln>
+            <a:effectLst/>
+          </p:spPr>
+        </p:cxnSp>
+      </p:grpSp>
+      <p:grpSp>
+        <p:nvGrpSpPr>
+          <p:cNvPr id="2" name="Group 1"/>
+          <p:cNvGrpSpPr/>
+          <p:nvPr/>
+        </p:nvGrpSpPr>
+        <p:grpSpPr>
+          <a:xfrm>
+            <a:off x="3200400" y="4648200"/>
+            <a:ext cx="137160" cy="304800"/>
+            <a:chOff x="3200400" y="3962400"/>
+            <a:chExt cx="137160" cy="304800"/>
+          </a:xfrm>
+        </p:grpSpPr>
+        <p:sp>
+          <p:nvSpPr>
+            <p:cNvPr id="16" name="Oval 15"/>
+            <p:cNvSpPr/>
+            <p:nvPr/>
+          </p:nvSpPr>
+          <p:spPr bwMode="auto">
+            <a:xfrm>
+              <a:off x="3200400" y="4130040"/>
+              <a:ext cx="137160" cy="137160"/>
+            </a:xfrm>
+            <a:prstGeom prst="ellipse">
+              <a:avLst/>
+            </a:prstGeom>
+            <a:solidFill>
+              <a:srgbClr val="FF0000"/>
+            </a:solidFill>
+            <a:ln w="9525" cap="flat" cmpd="sng" algn="ctr">
+              <a:noFill/>
+              <a:prstDash val="solid"/>
+              <a:round/>
+              <a:headEnd type="none" w="med" len="med"/>
+              <a:tailEnd type="none" w="med" len="med"/>
+            </a:ln>
+            <a:effectLst/>
+          </p:spPr>
+          <p:txBody>
+            <a:bodyPr vert="horz" wrap="square" lIns="91440" tIns="45720" rIns="91440" bIns="45720" numCol="1" rtlCol="0" anchor="t" anchorCtr="0" compatLnSpc="1">
+              <a:prstTxWarp prst="textNoShape">
+                <a:avLst/>
+              </a:prstTxWarp>
+            </a:bodyPr>
+            <a:lstStyle/>
+            <a:p>
+              <a:pPr marL="0" marR="0" indent="0" algn="l" defTabSz="914400" rtl="0" eaLnBrk="1" fontAlgn="base" latinLnBrk="0" hangingPunct="1">
+                <a:lnSpc>
+                  <a:spcPct val="100000"/>
+                </a:lnSpc>
+                <a:spcBef>
+                  <a:spcPct val="0"/>
+                </a:spcBef>
+                <a:spcAft>
+                  <a:spcPct val="0"/>
+                </a:spcAft>
+                <a:buClrTx/>
+                <a:buSzTx/>
+                <a:buFontTx/>
+                <a:buNone/>
+                <a:tabLst/>
+              </a:pPr>
+              <a:endParaRPr kumimoji="0" lang="en-US" sz="2800" b="1" i="0" u="none" strike="noStrike" cap="none" normalizeH="0" baseline="0" smtClean="0">
+                <a:ln>
+                  <a:noFill/>
+                </a:ln>
+                <a:solidFill>
+                  <a:schemeClr val="tx1"/>
+                </a:solidFill>
+                <a:effectLst/>
+                <a:latin typeface="Arial" charset="0"/>
+              </a:endParaRPr>
+            </a:p>
+          </p:txBody>
+        </p:sp>
+        <p:cxnSp>
+          <p:nvCxnSpPr>
+            <p:cNvPr id="49" name="Straight Connector 48"/>
+            <p:cNvCxnSpPr/>
+            <p:nvPr/>
+          </p:nvCxnSpPr>
+          <p:spPr bwMode="auto">
+            <a:xfrm>
+              <a:off x="3268980" y="3962400"/>
+              <a:ext cx="0" cy="190500"/>
+            </a:xfrm>
+            <a:prstGeom prst="line">
+              <a:avLst/>
+            </a:prstGeom>
+            <a:solidFill>
+              <a:schemeClr val="accent1"/>
+            </a:solidFill>
+            <a:ln w="19050" cap="flat" cmpd="sng" algn="ctr">
+              <a:solidFill>
+                <a:srgbClr val="FF0000"/>
+              </a:solidFill>
+              <a:prstDash val="sysDot"/>
+              <a:round/>
+              <a:headEnd type="none" w="med" len="med"/>
+              <a:tailEnd type="none" w="med" len="med"/>
+            </a:ln>
+            <a:effectLst/>
+          </p:spPr>
+        </p:cxnSp>
+      </p:grpSp>
+      <p:grpSp>
+        <p:nvGrpSpPr>
+          <p:cNvPr id="3" name="Group 2"/>
+          <p:cNvGrpSpPr/>
+          <p:nvPr/>
+        </p:nvGrpSpPr>
+        <p:grpSpPr>
+          <a:xfrm>
+            <a:off x="4055690" y="4036345"/>
+            <a:ext cx="137160" cy="992855"/>
+            <a:chOff x="4055690" y="3350545"/>
+            <a:chExt cx="137160" cy="992855"/>
+          </a:xfrm>
+        </p:grpSpPr>
+        <p:sp>
+          <p:nvSpPr>
+            <p:cNvPr id="17" name="Oval 16"/>
+            <p:cNvSpPr/>
+            <p:nvPr/>
+          </p:nvSpPr>
+          <p:spPr bwMode="auto">
+            <a:xfrm>
+              <a:off x="4055690" y="4206240"/>
+              <a:ext cx="137160" cy="137160"/>
+            </a:xfrm>
+            <a:prstGeom prst="ellipse">
+              <a:avLst/>
+            </a:prstGeom>
+            <a:solidFill>
+              <a:srgbClr val="FF0000"/>
+            </a:solidFill>
+            <a:ln w="9525" cap="flat" cmpd="sng" algn="ctr">
+              <a:noFill/>
+              <a:prstDash val="solid"/>
+              <a:round/>
+              <a:headEnd type="none" w="med" len="med"/>
+              <a:tailEnd type="none" w="med" len="med"/>
+            </a:ln>
+            <a:effectLst/>
+          </p:spPr>
+          <p:txBody>
+            <a:bodyPr vert="horz" wrap="square" lIns="91440" tIns="45720" rIns="91440" bIns="45720" numCol="1" rtlCol="0" anchor="t" anchorCtr="0" compatLnSpc="1">
+              <a:prstTxWarp prst="textNoShape">
+                <a:avLst/>
+              </a:prstTxWarp>
+            </a:bodyPr>
+            <a:lstStyle/>
+            <a:p>
+              <a:pPr marL="0" marR="0" indent="0" algn="l" defTabSz="914400" rtl="0" eaLnBrk="1" fontAlgn="base" latinLnBrk="0" hangingPunct="1">
+                <a:lnSpc>
+                  <a:spcPct val="100000"/>
+                </a:lnSpc>
+                <a:spcBef>
+                  <a:spcPct val="0"/>
+                </a:spcBef>
+                <a:spcAft>
+                  <a:spcPct val="0"/>
+                </a:spcAft>
+                <a:buClrTx/>
+                <a:buSzTx/>
+                <a:buFontTx/>
+                <a:buNone/>
+                <a:tabLst/>
+              </a:pPr>
+              <a:endParaRPr kumimoji="0" lang="en-US" sz="2800" b="1" i="0" u="none" strike="noStrike" cap="none" normalizeH="0" baseline="0" smtClean="0">
+                <a:ln>
+                  <a:noFill/>
+                </a:ln>
+                <a:solidFill>
+                  <a:schemeClr val="tx1"/>
+                </a:solidFill>
+                <a:effectLst/>
+                <a:latin typeface="Arial" charset="0"/>
+              </a:endParaRPr>
+            </a:p>
+          </p:txBody>
+        </p:sp>
+        <p:cxnSp>
+          <p:nvCxnSpPr>
+            <p:cNvPr id="51" name="Straight Connector 50"/>
+            <p:cNvCxnSpPr/>
+            <p:nvPr/>
+          </p:nvCxnSpPr>
+          <p:spPr bwMode="auto">
+            <a:xfrm>
+              <a:off x="4124270" y="3350545"/>
+              <a:ext cx="0" cy="916655"/>
+            </a:xfrm>
+            <a:prstGeom prst="line">
+              <a:avLst/>
+            </a:prstGeom>
+            <a:solidFill>
+              <a:schemeClr val="accent1"/>
+            </a:solidFill>
+            <a:ln w="19050" cap="flat" cmpd="sng" algn="ctr">
+              <a:solidFill>
+                <a:srgbClr val="FF0000"/>
+              </a:solidFill>
+              <a:prstDash val="sysDot"/>
+              <a:round/>
+              <a:headEnd type="none" w="med" len="med"/>
+              <a:tailEnd type="none" w="med" len="med"/>
+            </a:ln>
+            <a:effectLst/>
+          </p:spPr>
+        </p:cxnSp>
+      </p:grpSp>
+      <p:grpSp>
+        <p:nvGrpSpPr>
+          <p:cNvPr id="6" name="Group 5"/>
+          <p:cNvGrpSpPr/>
+          <p:nvPr/>
+        </p:nvGrpSpPr>
+        <p:grpSpPr>
+          <a:xfrm>
+            <a:off x="4474790" y="3733800"/>
+            <a:ext cx="137160" cy="289560"/>
+            <a:chOff x="4474790" y="3048000"/>
+            <a:chExt cx="137160" cy="289560"/>
+          </a:xfrm>
+        </p:grpSpPr>
+        <p:sp>
+          <p:nvSpPr>
+            <p:cNvPr id="18" name="Oval 17"/>
+            <p:cNvSpPr/>
+            <p:nvPr/>
+          </p:nvSpPr>
+          <p:spPr bwMode="auto">
+            <a:xfrm>
+              <a:off x="4474790" y="3200400"/>
+              <a:ext cx="137160" cy="137160"/>
+            </a:xfrm>
+            <a:prstGeom prst="ellipse">
+              <a:avLst/>
+            </a:prstGeom>
+            <a:solidFill>
+              <a:srgbClr val="FF0000"/>
+            </a:solidFill>
+            <a:ln w="9525" cap="flat" cmpd="sng" algn="ctr">
+              <a:noFill/>
+              <a:prstDash val="solid"/>
+              <a:round/>
+              <a:headEnd type="none" w="med" len="med"/>
+              <a:tailEnd type="none" w="med" len="med"/>
+            </a:ln>
+            <a:effectLst/>
+          </p:spPr>
+          <p:txBody>
+            <a:bodyPr vert="horz" wrap="square" lIns="91440" tIns="45720" rIns="91440" bIns="45720" numCol="1" rtlCol="0" anchor="t" anchorCtr="0" compatLnSpc="1">
+              <a:prstTxWarp prst="textNoShape">
+                <a:avLst/>
+              </a:prstTxWarp>
+            </a:bodyPr>
+            <a:lstStyle/>
+            <a:p>
+              <a:pPr marL="0" marR="0" indent="0" algn="l" defTabSz="914400" rtl="0" eaLnBrk="1" fontAlgn="base" latinLnBrk="0" hangingPunct="1">
+                <a:lnSpc>
+                  <a:spcPct val="100000"/>
+                </a:lnSpc>
+                <a:spcBef>
+                  <a:spcPct val="0"/>
+                </a:spcBef>
+                <a:spcAft>
+                  <a:spcPct val="0"/>
+                </a:spcAft>
+                <a:buClrTx/>
+                <a:buSzTx/>
+                <a:buFontTx/>
+                <a:buNone/>
+                <a:tabLst/>
+              </a:pPr>
+              <a:endParaRPr kumimoji="0" lang="en-US" sz="2800" b="1" i="0" u="none" strike="noStrike" cap="none" normalizeH="0" baseline="0" smtClean="0">
+                <a:ln>
+                  <a:noFill/>
+                </a:ln>
+                <a:solidFill>
+                  <a:schemeClr val="tx1"/>
+                </a:solidFill>
+                <a:effectLst/>
+                <a:latin typeface="Arial" charset="0"/>
+              </a:endParaRPr>
+            </a:p>
+          </p:txBody>
+        </p:sp>
+        <p:cxnSp>
+          <p:nvCxnSpPr>
+            <p:cNvPr id="53" name="Straight Connector 52"/>
+            <p:cNvCxnSpPr/>
+            <p:nvPr/>
+          </p:nvCxnSpPr>
+          <p:spPr bwMode="auto">
+            <a:xfrm>
+              <a:off x="4543370" y="3048000"/>
+              <a:ext cx="0" cy="189372"/>
+            </a:xfrm>
+            <a:prstGeom prst="line">
+              <a:avLst/>
+            </a:prstGeom>
+            <a:solidFill>
+              <a:schemeClr val="accent1"/>
+            </a:solidFill>
+            <a:ln w="19050" cap="flat" cmpd="sng" algn="ctr">
+              <a:solidFill>
+                <a:srgbClr val="FF0000"/>
+              </a:solidFill>
+              <a:prstDash val="sysDot"/>
+              <a:round/>
+              <a:headEnd type="none" w="med" len="med"/>
+              <a:tailEnd type="none" w="med" len="med"/>
+            </a:ln>
+            <a:effectLst/>
+          </p:spPr>
+        </p:cxnSp>
+      </p:grpSp>
+      <p:grpSp>
+        <p:nvGrpSpPr>
+          <p:cNvPr id="9" name="Group 8"/>
+          <p:cNvGrpSpPr/>
+          <p:nvPr/>
+        </p:nvGrpSpPr>
+        <p:grpSpPr>
+          <a:xfrm>
+            <a:off x="5196840" y="3185160"/>
+            <a:ext cx="137160" cy="1234440"/>
+            <a:chOff x="5196840" y="2499360"/>
+            <a:chExt cx="137160" cy="1234440"/>
+          </a:xfrm>
+        </p:grpSpPr>
+        <p:sp>
+          <p:nvSpPr>
+            <p:cNvPr id="21" name="Oval 20"/>
+            <p:cNvSpPr/>
+            <p:nvPr/>
+          </p:nvSpPr>
+          <p:spPr bwMode="auto">
+            <a:xfrm>
+              <a:off x="5196840" y="3596640"/>
+              <a:ext cx="137160" cy="137160"/>
+            </a:xfrm>
+            <a:prstGeom prst="ellipse">
+              <a:avLst/>
+            </a:prstGeom>
+            <a:solidFill>
+              <a:srgbClr val="FF0000"/>
+            </a:solidFill>
+            <a:ln w="9525" cap="flat" cmpd="sng" algn="ctr">
+              <a:noFill/>
+              <a:prstDash val="solid"/>
+              <a:round/>
+              <a:headEnd type="none" w="med" len="med"/>
+              <a:tailEnd type="none" w="med" len="med"/>
+            </a:ln>
+            <a:effectLst/>
+          </p:spPr>
+          <p:txBody>
+            <a:bodyPr vert="horz" wrap="square" lIns="91440" tIns="45720" rIns="91440" bIns="45720" numCol="1" rtlCol="0" anchor="t" anchorCtr="0" compatLnSpc="1">
+              <a:prstTxWarp prst="textNoShape">
+                <a:avLst/>
+              </a:prstTxWarp>
+            </a:bodyPr>
+            <a:lstStyle/>
+            <a:p>
+              <a:pPr marL="0" marR="0" indent="0" algn="l" defTabSz="914400" rtl="0" eaLnBrk="1" fontAlgn="base" latinLnBrk="0" hangingPunct="1">
+                <a:lnSpc>
+                  <a:spcPct val="100000"/>
+                </a:lnSpc>
+                <a:spcBef>
+                  <a:spcPct val="0"/>
+                </a:spcBef>
+                <a:spcAft>
+                  <a:spcPct val="0"/>
+                </a:spcAft>
+                <a:buClrTx/>
+                <a:buSzTx/>
+                <a:buFontTx/>
+                <a:buNone/>
+                <a:tabLst/>
+              </a:pPr>
+              <a:endParaRPr kumimoji="0" lang="en-US" sz="2800" b="1" i="0" u="none" strike="noStrike" cap="none" normalizeH="0" baseline="0" smtClean="0">
+                <a:ln>
+                  <a:noFill/>
+                </a:ln>
+                <a:solidFill>
+                  <a:schemeClr val="tx1"/>
+                </a:solidFill>
+                <a:effectLst/>
+                <a:latin typeface="Arial" charset="0"/>
+              </a:endParaRPr>
+            </a:p>
+          </p:txBody>
+        </p:sp>
+        <p:cxnSp>
+          <p:nvCxnSpPr>
+            <p:cNvPr id="55" name="Straight Connector 54"/>
+            <p:cNvCxnSpPr/>
+            <p:nvPr/>
+          </p:nvCxnSpPr>
+          <p:spPr bwMode="auto">
+            <a:xfrm flipH="1">
+              <a:off x="5264730" y="2499360"/>
+              <a:ext cx="690" cy="1163605"/>
+            </a:xfrm>
+            <a:prstGeom prst="line">
+              <a:avLst/>
+            </a:prstGeom>
+            <a:solidFill>
+              <a:schemeClr val="accent1"/>
+            </a:solidFill>
+            <a:ln w="19050" cap="flat" cmpd="sng" algn="ctr">
+              <a:solidFill>
+                <a:srgbClr val="FF0000"/>
+              </a:solidFill>
+              <a:prstDash val="sysDot"/>
+              <a:round/>
+              <a:headEnd type="none" w="med" len="med"/>
+              <a:tailEnd type="none" w="med" len="med"/>
+            </a:ln>
+            <a:effectLst/>
+          </p:spPr>
+        </p:cxnSp>
+      </p:grpSp>
+      <p:grpSp>
+        <p:nvGrpSpPr>
+          <p:cNvPr id="22" name="Group 21"/>
+          <p:cNvGrpSpPr/>
+          <p:nvPr/>
+        </p:nvGrpSpPr>
+        <p:grpSpPr>
+          <a:xfrm>
+            <a:off x="5509408" y="2964180"/>
+            <a:ext cx="137160" cy="686283"/>
+            <a:chOff x="5509408" y="2278380"/>
+            <a:chExt cx="137160" cy="686283"/>
+          </a:xfrm>
+        </p:grpSpPr>
+        <p:sp>
+          <p:nvSpPr>
+            <p:cNvPr id="19" name="Oval 18"/>
+            <p:cNvSpPr/>
+            <p:nvPr/>
+          </p:nvSpPr>
+          <p:spPr bwMode="auto">
+            <a:xfrm>
+              <a:off x="5509408" y="2827503"/>
+              <a:ext cx="137160" cy="137160"/>
+            </a:xfrm>
+            <a:prstGeom prst="ellipse">
+              <a:avLst/>
+            </a:prstGeom>
+            <a:solidFill>
+              <a:srgbClr val="FF0000"/>
+            </a:solidFill>
+            <a:ln w="9525" cap="flat" cmpd="sng" algn="ctr">
+              <a:noFill/>
+              <a:prstDash val="solid"/>
+              <a:round/>
+              <a:headEnd type="none" w="med" len="med"/>
+              <a:tailEnd type="none" w="med" len="med"/>
+            </a:ln>
+            <a:effectLst/>
+          </p:spPr>
+          <p:txBody>
+            <a:bodyPr vert="horz" wrap="square" lIns="91440" tIns="45720" rIns="91440" bIns="45720" numCol="1" rtlCol="0" anchor="t" anchorCtr="0" compatLnSpc="1">
+              <a:prstTxWarp prst="textNoShape">
+                <a:avLst/>
+              </a:prstTxWarp>
+            </a:bodyPr>
+            <a:lstStyle/>
+            <a:p>
+              <a:pPr marL="0" marR="0" indent="0" algn="l" defTabSz="914400" rtl="0" eaLnBrk="1" fontAlgn="base" latinLnBrk="0" hangingPunct="1">
+                <a:lnSpc>
+                  <a:spcPct val="100000"/>
+                </a:lnSpc>
+                <a:spcBef>
+                  <a:spcPct val="0"/>
+                </a:spcBef>
+                <a:spcAft>
+                  <a:spcPct val="0"/>
+                </a:spcAft>
+                <a:buClrTx/>
+                <a:buSzTx/>
+                <a:buFontTx/>
+                <a:buNone/>
+                <a:tabLst/>
+              </a:pPr>
+              <a:endParaRPr kumimoji="0" lang="en-US" sz="2800" b="1" i="0" u="none" strike="noStrike" cap="none" normalizeH="0" baseline="0" smtClean="0">
+                <a:ln>
+                  <a:noFill/>
+                </a:ln>
+                <a:solidFill>
+                  <a:schemeClr val="tx1"/>
+                </a:solidFill>
+                <a:effectLst/>
+                <a:latin typeface="Arial" charset="0"/>
+              </a:endParaRPr>
+            </a:p>
+          </p:txBody>
+        </p:sp>
+        <p:cxnSp>
+          <p:nvCxnSpPr>
+            <p:cNvPr id="57" name="Straight Connector 56"/>
+            <p:cNvCxnSpPr/>
+            <p:nvPr/>
+          </p:nvCxnSpPr>
+          <p:spPr bwMode="auto">
+            <a:xfrm>
+              <a:off x="5567138" y="2278380"/>
+              <a:ext cx="0" cy="624840"/>
+            </a:xfrm>
+            <a:prstGeom prst="line">
+              <a:avLst/>
+            </a:prstGeom>
+            <a:solidFill>
+              <a:schemeClr val="accent1"/>
+            </a:solidFill>
+            <a:ln w="19050" cap="flat" cmpd="sng" algn="ctr">
+              <a:solidFill>
+                <a:srgbClr val="FF0000"/>
+              </a:solidFill>
+              <a:prstDash val="sysDot"/>
+              <a:round/>
+              <a:headEnd type="none" w="med" len="med"/>
+              <a:tailEnd type="none" w="med" len="med"/>
+            </a:ln>
+            <a:effectLst/>
+          </p:spPr>
+        </p:cxnSp>
+      </p:grpSp>
+      <p:grpSp>
+        <p:nvGrpSpPr>
+          <p:cNvPr id="23" name="Group 22"/>
+          <p:cNvGrpSpPr/>
+          <p:nvPr/>
+        </p:nvGrpSpPr>
+        <p:grpSpPr>
+          <a:xfrm>
+            <a:off x="6303590" y="2354580"/>
+            <a:ext cx="137160" cy="678180"/>
+            <a:chOff x="6303590" y="1668780"/>
+            <a:chExt cx="137160" cy="678180"/>
+          </a:xfrm>
+        </p:grpSpPr>
+        <p:sp>
+          <p:nvSpPr>
+            <p:cNvPr id="20" name="Oval 19"/>
+            <p:cNvSpPr/>
+            <p:nvPr/>
+          </p:nvSpPr>
+          <p:spPr bwMode="auto">
+            <a:xfrm>
+              <a:off x="6303590" y="2209800"/>
+              <a:ext cx="137160" cy="137160"/>
+            </a:xfrm>
+            <a:prstGeom prst="ellipse">
+              <a:avLst/>
+            </a:prstGeom>
+            <a:solidFill>
+              <a:srgbClr val="FF0000"/>
+            </a:solidFill>
+            <a:ln w="9525" cap="flat" cmpd="sng" algn="ctr">
+              <a:noFill/>
+              <a:prstDash val="solid"/>
+              <a:round/>
+              <a:headEnd type="none" w="med" len="med"/>
+              <a:tailEnd type="none" w="med" len="med"/>
+            </a:ln>
+            <a:effectLst/>
+          </p:spPr>
+          <p:txBody>
+            <a:bodyPr vert="horz" wrap="square" lIns="91440" tIns="45720" rIns="91440" bIns="45720" numCol="1" rtlCol="0" anchor="t" anchorCtr="0" compatLnSpc="1">
+              <a:prstTxWarp prst="textNoShape">
+                <a:avLst/>
+              </a:prstTxWarp>
+            </a:bodyPr>
+            <a:lstStyle/>
+            <a:p>
+              <a:pPr marL="0" marR="0" indent="0" algn="l" defTabSz="914400" rtl="0" eaLnBrk="1" fontAlgn="base" latinLnBrk="0" hangingPunct="1">
+                <a:lnSpc>
+                  <a:spcPct val="100000"/>
+                </a:lnSpc>
+                <a:spcBef>
+                  <a:spcPct val="0"/>
+                </a:spcBef>
+                <a:spcAft>
+                  <a:spcPct val="0"/>
+                </a:spcAft>
+                <a:buClrTx/>
+                <a:buSzTx/>
+                <a:buFontTx/>
+                <a:buNone/>
+                <a:tabLst/>
+              </a:pPr>
+              <a:endParaRPr kumimoji="0" lang="en-US" sz="2800" b="1" i="0" u="none" strike="noStrike" cap="none" normalizeH="0" baseline="0" smtClean="0">
+                <a:ln>
+                  <a:noFill/>
+                </a:ln>
+                <a:solidFill>
+                  <a:schemeClr val="tx1"/>
+                </a:solidFill>
+                <a:effectLst/>
+                <a:latin typeface="Arial" charset="0"/>
+              </a:endParaRPr>
+            </a:p>
+          </p:txBody>
+        </p:sp>
+        <p:cxnSp>
+          <p:nvCxnSpPr>
+            <p:cNvPr id="58" name="Straight Connector 57"/>
+            <p:cNvCxnSpPr/>
+            <p:nvPr/>
+          </p:nvCxnSpPr>
+          <p:spPr bwMode="auto">
+            <a:xfrm>
+              <a:off x="6372170" y="1668780"/>
+              <a:ext cx="0" cy="624840"/>
+            </a:xfrm>
+            <a:prstGeom prst="line">
+              <a:avLst/>
+            </a:prstGeom>
+            <a:solidFill>
+              <a:schemeClr val="accent1"/>
+            </a:solidFill>
+            <a:ln w="19050" cap="flat" cmpd="sng" algn="ctr">
+              <a:solidFill>
+                <a:srgbClr val="FF0000"/>
+              </a:solidFill>
+              <a:prstDash val="sysDot"/>
+              <a:round/>
+              <a:headEnd type="none" w="med" len="med"/>
+              <a:tailEnd type="none" w="med" len="med"/>
+            </a:ln>
+            <a:effectLst/>
+          </p:spPr>
+        </p:cxnSp>
+      </p:grpSp>
+      <p:sp>
+        <p:nvSpPr>
+          <p:cNvPr id="33" name="Right Arrow 32"/>
+          <p:cNvSpPr/>
+          <p:nvPr/>
+        </p:nvSpPr>
+        <p:spPr bwMode="auto">
+          <a:xfrm>
+            <a:off x="362437" y="4876800"/>
+            <a:ext cx="1524000" cy="152400"/>
+          </a:xfrm>
+          <a:prstGeom prst="rightArrow">
+            <a:avLst/>
+          </a:prstGeom>
+          <a:solidFill>
+            <a:schemeClr val="accent1"/>
+          </a:solidFill>
+          <a:ln w="9525" cap="flat" cmpd="sng" algn="ctr">
+            <a:solidFill>
+              <a:schemeClr val="tx1"/>
+            </a:solidFill>
+            <a:prstDash val="solid"/>
+            <a:round/>
+            <a:headEnd type="none" w="med" len="med"/>
+            <a:tailEnd type="none" w="med" len="med"/>
+          </a:ln>
+          <a:effectLst/>
+        </p:spPr>
+        <p:txBody>
+          <a:bodyPr vert="horz" wrap="square" lIns="91440" tIns="45720" rIns="91440" bIns="45720" numCol="1" rtlCol="0" anchor="t" anchorCtr="0" compatLnSpc="1">
+            <a:prstTxWarp prst="textNoShape">
+              <a:avLst/>
+            </a:prstTxWarp>
+          </a:bodyPr>
+          <a:lstStyle/>
+          <a:p>
+            <a:pPr marL="0" marR="0" indent="0" algn="l" defTabSz="914400" rtl="0" eaLnBrk="1" fontAlgn="base" latinLnBrk="0" hangingPunct="1">
+              <a:lnSpc>
+                <a:spcPct val="100000"/>
+              </a:lnSpc>
+              <a:spcBef>
+                <a:spcPct val="0"/>
+              </a:spcBef>
+              <a:spcAft>
+                <a:spcPct val="0"/>
+              </a:spcAft>
+              <a:buClrTx/>
+              <a:buSzTx/>
+              <a:buFontTx/>
+              <a:buNone/>
+              <a:tabLst/>
+            </a:pPr>
+            <a:endParaRPr kumimoji="0" lang="en-US" sz="2800" b="1" i="0" u="none" strike="noStrike" cap="none" normalizeH="0" baseline="0" smtClean="0">
+              <a:ln>
+                <a:noFill/>
+              </a:ln>
+              <a:solidFill>
+                <a:schemeClr val="tx1"/>
+              </a:solidFill>
+              <a:effectLst/>
+              <a:latin typeface="Arial" charset="0"/>
+            </a:endParaRPr>
+          </a:p>
+        </p:txBody>
+      </p:sp>
+      <p:sp>
+        <p:nvSpPr>
+          <p:cNvPr id="46" name="Right Arrow 45"/>
+          <p:cNvSpPr/>
+          <p:nvPr/>
+        </p:nvSpPr>
+        <p:spPr bwMode="auto">
+          <a:xfrm>
+            <a:off x="381000" y="6172200"/>
+            <a:ext cx="1524000" cy="152400"/>
+          </a:xfrm>
+          <a:prstGeom prst="rightArrow">
+            <a:avLst/>
+          </a:prstGeom>
+          <a:solidFill>
+            <a:srgbClr val="FF0000"/>
+          </a:solidFill>
+          <a:ln w="9525" cap="flat" cmpd="sng" algn="ctr">
+            <a:solidFill>
+              <a:schemeClr val="tx1"/>
+            </a:solidFill>
+            <a:prstDash val="solid"/>
+            <a:round/>
+            <a:headEnd type="none" w="med" len="med"/>
+            <a:tailEnd type="none" w="med" len="med"/>
+          </a:ln>
+          <a:effectLst/>
+        </p:spPr>
+        <p:txBody>
+          <a:bodyPr vert="horz" wrap="square" lIns="91440" tIns="45720" rIns="91440" bIns="45720" numCol="1" rtlCol="0" anchor="t" anchorCtr="0" compatLnSpc="1">
+            <a:prstTxWarp prst="textNoShape">
+              <a:avLst/>
+            </a:prstTxWarp>
+          </a:bodyPr>
+          <a:lstStyle/>
+          <a:p>
+            <a:pPr marL="0" marR="0" indent="0" algn="l" defTabSz="914400" rtl="0" eaLnBrk="1" fontAlgn="base" latinLnBrk="0" hangingPunct="1">
+              <a:lnSpc>
+                <a:spcPct val="100000"/>
+              </a:lnSpc>
+              <a:spcBef>
+                <a:spcPct val="0"/>
+              </a:spcBef>
+              <a:spcAft>
+                <a:spcPct val="0"/>
+              </a:spcAft>
+              <a:buClrTx/>
+              <a:buSzTx/>
+              <a:buFontTx/>
+              <a:buNone/>
+              <a:tabLst/>
+            </a:pPr>
+            <a:endParaRPr kumimoji="0" lang="en-US" sz="2800" b="1" i="0" u="none" strike="noStrike" cap="none" normalizeH="0" baseline="0" smtClean="0">
+              <a:ln>
+                <a:noFill/>
+              </a:ln>
+              <a:solidFill>
+                <a:schemeClr val="tx1"/>
+              </a:solidFill>
+              <a:effectLst/>
+              <a:latin typeface="Arial" charset="0"/>
+            </a:endParaRPr>
+          </a:p>
+        </p:txBody>
+      </p:sp>
+      <p:sp>
+        <p:nvSpPr>
+          <p:cNvPr id="48" name="Rectangle 3"/>
+          <p:cNvSpPr txBox="1">
+            <a:spLocks noChangeArrowheads="1"/>
+          </p:cNvSpPr>
+          <p:nvPr/>
+        </p:nvSpPr>
+        <p:spPr bwMode="auto">
+          <a:xfrm>
+            <a:off x="449580" y="219128"/>
+            <a:ext cx="8686800" cy="739623"/>
+          </a:xfrm>
+          <a:prstGeom prst="rect">
+            <a:avLst/>
+          </a:prstGeom>
+          <a:noFill/>
+          <a:ln w="9525">
+            <a:noFill/>
+            <a:miter lim="800000"/>
+            <a:headEnd/>
+            <a:tailEnd/>
+          </a:ln>
+          <a:effectLst/>
+        </p:spPr>
+        <p:txBody>
+          <a:bodyPr vert="horz" wrap="square" lIns="91440" tIns="45720" rIns="91440" bIns="45720" numCol="1" anchor="t" anchorCtr="0" compatLnSpc="1">
+            <a:prstTxWarp prst="textNoShape">
+              <a:avLst/>
+            </a:prstTxWarp>
+          </a:bodyPr>
+          <a:lstStyle>
+            <a:lvl1pPr marL="342900" indent="-342900" algn="l" rtl="0" fontAlgn="base">
+              <a:spcBef>
+                <a:spcPct val="20000"/>
+              </a:spcBef>
+              <a:spcAft>
+                <a:spcPct val="0"/>
+              </a:spcAft>
+              <a:buChar char="•"/>
+              <a:defRPr sz="3200">
+                <a:solidFill>
+                  <a:schemeClr val="tx1"/>
+                </a:solidFill>
+                <a:latin typeface="+mn-lt"/>
+                <a:ea typeface="+mn-ea"/>
+                <a:cs typeface="+mn-cs"/>
+              </a:defRPr>
+            </a:lvl1pPr>
+            <a:lvl2pPr marL="742950" indent="-285750" algn="l" rtl="0" fontAlgn="base">
+              <a:spcBef>
+                <a:spcPct val="20000"/>
+              </a:spcBef>
+              <a:spcAft>
+                <a:spcPct val="0"/>
+              </a:spcAft>
+              <a:buChar char="–"/>
+              <a:defRPr sz="2800">
+                <a:solidFill>
+                  <a:schemeClr val="tx1"/>
+                </a:solidFill>
+                <a:latin typeface="+mn-lt"/>
+              </a:defRPr>
+            </a:lvl2pPr>
+            <a:lvl3pPr marL="1143000" indent="-228600" algn="l" rtl="0" fontAlgn="base">
+              <a:spcBef>
+                <a:spcPct val="20000"/>
+              </a:spcBef>
+              <a:spcAft>
+                <a:spcPct val="0"/>
+              </a:spcAft>
+              <a:buChar char="•"/>
+              <a:defRPr sz="2400">
+                <a:solidFill>
+                  <a:schemeClr val="tx1"/>
+                </a:solidFill>
+                <a:latin typeface="+mn-lt"/>
+              </a:defRPr>
+            </a:lvl3pPr>
+            <a:lvl4pPr marL="1600200" indent="-228600" algn="l" rtl="0" fontAlgn="base">
+              <a:spcBef>
+                <a:spcPct val="20000"/>
+              </a:spcBef>
+              <a:spcAft>
+                <a:spcPct val="0"/>
+              </a:spcAft>
+              <a:buChar char="–"/>
+              <a:defRPr sz="2000">
+                <a:solidFill>
+                  <a:schemeClr val="tx1"/>
+                </a:solidFill>
+                <a:latin typeface="+mn-lt"/>
+              </a:defRPr>
+            </a:lvl4pPr>
+            <a:lvl5pPr marL="2057400" indent="-228600" algn="l" rtl="0" fontAlgn="base">
+              <a:spcBef>
+                <a:spcPct val="20000"/>
+              </a:spcBef>
+              <a:spcAft>
+                <a:spcPct val="0"/>
+              </a:spcAft>
+              <a:buChar char="»"/>
+              <a:defRPr sz="2000">
+                <a:solidFill>
+                  <a:schemeClr val="tx1"/>
+                </a:solidFill>
+                <a:latin typeface="+mn-lt"/>
+              </a:defRPr>
+            </a:lvl5pPr>
+            <a:lvl6pPr marL="2514600" indent="-228600" algn="l" rtl="0" fontAlgn="base">
+              <a:spcBef>
+                <a:spcPct val="20000"/>
+              </a:spcBef>
+              <a:spcAft>
+                <a:spcPct val="0"/>
+              </a:spcAft>
+              <a:buChar char="»"/>
+              <a:defRPr sz="2000">
+                <a:solidFill>
+                  <a:schemeClr val="tx1"/>
+                </a:solidFill>
+                <a:latin typeface="+mn-lt"/>
+              </a:defRPr>
+            </a:lvl6pPr>
+            <a:lvl7pPr marL="2971800" indent="-228600" algn="l" rtl="0" fontAlgn="base">
+              <a:spcBef>
+                <a:spcPct val="20000"/>
+              </a:spcBef>
+              <a:spcAft>
+                <a:spcPct val="0"/>
+              </a:spcAft>
+              <a:buChar char="»"/>
+              <a:defRPr sz="2000">
+                <a:solidFill>
+                  <a:schemeClr val="tx1"/>
+                </a:solidFill>
+                <a:latin typeface="+mn-lt"/>
+              </a:defRPr>
+            </a:lvl7pPr>
+            <a:lvl8pPr marL="3429000" indent="-228600" algn="l" rtl="0" fontAlgn="base">
+              <a:spcBef>
+                <a:spcPct val="20000"/>
+              </a:spcBef>
+              <a:spcAft>
+                <a:spcPct val="0"/>
+              </a:spcAft>
+              <a:buChar char="»"/>
+              <a:defRPr sz="2000">
+                <a:solidFill>
+                  <a:schemeClr val="tx1"/>
+                </a:solidFill>
+                <a:latin typeface="+mn-lt"/>
+              </a:defRPr>
+            </a:lvl8pPr>
+            <a:lvl9pPr marL="3886200" indent="-228600" algn="l" rtl="0" fontAlgn="base">
+              <a:spcBef>
+                <a:spcPct val="20000"/>
+              </a:spcBef>
+              <a:spcAft>
+                <a:spcPct val="0"/>
+              </a:spcAft>
+              <a:buChar char="»"/>
+              <a:defRPr sz="2000">
+                <a:solidFill>
+                  <a:schemeClr val="tx1"/>
+                </a:solidFill>
+                <a:latin typeface="+mn-lt"/>
+              </a:defRPr>
+            </a:lvl9pPr>
+          </a:lstStyle>
+          <a:p>
+            <a:pPr lvl="1"/>
+            <a:r>
+              <a:rPr lang="en-US" b="0" kern="0" dirty="0" smtClean="0"/>
+              <a:t>Add </a:t>
+            </a:r>
+            <a:r>
+              <a:rPr lang="en-US" b="0" kern="0" dirty="0"/>
+              <a:t>residuals to </a:t>
+            </a:r>
+            <a:r>
+              <a:rPr lang="en-US" b="0" kern="0" dirty="0">
+                <a:solidFill>
+                  <a:srgbClr val="0000FF"/>
+                </a:solidFill>
+              </a:rPr>
+              <a:t>prediction at covariate value</a:t>
+            </a:r>
+            <a:r>
+              <a:rPr lang="en-US" b="0" kern="0" dirty="0" smtClean="0"/>
+              <a:t>.</a:t>
+            </a:r>
+            <a:endParaRPr lang="en-US" b="0" kern="0" dirty="0"/>
+          </a:p>
+        </p:txBody>
+      </p:sp>
+      <p:sp>
+        <p:nvSpPr>
+          <p:cNvPr id="50" name="Rectangle 3"/>
+          <p:cNvSpPr txBox="1">
+            <a:spLocks noChangeArrowheads="1"/>
+          </p:cNvSpPr>
+          <p:nvPr/>
+        </p:nvSpPr>
+        <p:spPr bwMode="auto">
+          <a:xfrm>
+            <a:off x="457200" y="762000"/>
+            <a:ext cx="8686800" cy="739623"/>
+          </a:xfrm>
+          <a:prstGeom prst="rect">
+            <a:avLst/>
+          </a:prstGeom>
+          <a:noFill/>
+          <a:ln w="9525">
+            <a:noFill/>
+            <a:miter lim="800000"/>
+            <a:headEnd/>
+            <a:tailEnd/>
+          </a:ln>
+          <a:effectLst/>
+        </p:spPr>
+        <p:txBody>
+          <a:bodyPr vert="horz" wrap="square" lIns="91440" tIns="45720" rIns="91440" bIns="45720" numCol="1" anchor="t" anchorCtr="0" compatLnSpc="1">
+            <a:prstTxWarp prst="textNoShape">
+              <a:avLst/>
+            </a:prstTxWarp>
+          </a:bodyPr>
+          <a:lstStyle>
+            <a:lvl1pPr marL="342900" indent="-342900" algn="l" rtl="0" fontAlgn="base">
+              <a:spcBef>
+                <a:spcPct val="20000"/>
+              </a:spcBef>
+              <a:spcAft>
+                <a:spcPct val="0"/>
+              </a:spcAft>
+              <a:buChar char="•"/>
+              <a:defRPr sz="3200">
+                <a:solidFill>
+                  <a:schemeClr val="tx1"/>
+                </a:solidFill>
+                <a:latin typeface="+mn-lt"/>
+                <a:ea typeface="+mn-ea"/>
+                <a:cs typeface="+mn-cs"/>
+              </a:defRPr>
+            </a:lvl1pPr>
+            <a:lvl2pPr marL="742950" indent="-285750" algn="l" rtl="0" fontAlgn="base">
+              <a:spcBef>
+                <a:spcPct val="20000"/>
+              </a:spcBef>
+              <a:spcAft>
+                <a:spcPct val="0"/>
+              </a:spcAft>
+              <a:buChar char="–"/>
+              <a:defRPr sz="2800">
+                <a:solidFill>
+                  <a:schemeClr val="tx1"/>
+                </a:solidFill>
+                <a:latin typeface="+mn-lt"/>
+              </a:defRPr>
+            </a:lvl2pPr>
+            <a:lvl3pPr marL="1143000" indent="-228600" algn="l" rtl="0" fontAlgn="base">
+              <a:spcBef>
+                <a:spcPct val="20000"/>
+              </a:spcBef>
+              <a:spcAft>
+                <a:spcPct val="0"/>
+              </a:spcAft>
+              <a:buChar char="•"/>
+              <a:defRPr sz="2400">
+                <a:solidFill>
+                  <a:schemeClr val="tx1"/>
+                </a:solidFill>
+                <a:latin typeface="+mn-lt"/>
+              </a:defRPr>
+            </a:lvl3pPr>
+            <a:lvl4pPr marL="1600200" indent="-228600" algn="l" rtl="0" fontAlgn="base">
+              <a:spcBef>
+                <a:spcPct val="20000"/>
+              </a:spcBef>
+              <a:spcAft>
+                <a:spcPct val="0"/>
+              </a:spcAft>
+              <a:buChar char="–"/>
+              <a:defRPr sz="2000">
+                <a:solidFill>
+                  <a:schemeClr val="tx1"/>
+                </a:solidFill>
+                <a:latin typeface="+mn-lt"/>
+              </a:defRPr>
+            </a:lvl4pPr>
+            <a:lvl5pPr marL="2057400" indent="-228600" algn="l" rtl="0" fontAlgn="base">
+              <a:spcBef>
+                <a:spcPct val="20000"/>
+              </a:spcBef>
+              <a:spcAft>
+                <a:spcPct val="0"/>
+              </a:spcAft>
+              <a:buChar char="»"/>
+              <a:defRPr sz="2000">
+                <a:solidFill>
+                  <a:schemeClr val="tx1"/>
+                </a:solidFill>
+                <a:latin typeface="+mn-lt"/>
+              </a:defRPr>
+            </a:lvl5pPr>
+            <a:lvl6pPr marL="2514600" indent="-228600" algn="l" rtl="0" fontAlgn="base">
+              <a:spcBef>
+                <a:spcPct val="20000"/>
+              </a:spcBef>
+              <a:spcAft>
+                <a:spcPct val="0"/>
+              </a:spcAft>
+              <a:buChar char="»"/>
+              <a:defRPr sz="2000">
+                <a:solidFill>
+                  <a:schemeClr val="tx1"/>
+                </a:solidFill>
+                <a:latin typeface="+mn-lt"/>
+              </a:defRPr>
+            </a:lvl6pPr>
+            <a:lvl7pPr marL="2971800" indent="-228600" algn="l" rtl="0" fontAlgn="base">
+              <a:spcBef>
+                <a:spcPct val="20000"/>
+              </a:spcBef>
+              <a:spcAft>
+                <a:spcPct val="0"/>
+              </a:spcAft>
+              <a:buChar char="»"/>
+              <a:defRPr sz="2000">
+                <a:solidFill>
+                  <a:schemeClr val="tx1"/>
+                </a:solidFill>
+                <a:latin typeface="+mn-lt"/>
+              </a:defRPr>
+            </a:lvl7pPr>
+            <a:lvl8pPr marL="3429000" indent="-228600" algn="l" rtl="0" fontAlgn="base">
+              <a:spcBef>
+                <a:spcPct val="20000"/>
+              </a:spcBef>
+              <a:spcAft>
+                <a:spcPct val="0"/>
+              </a:spcAft>
+              <a:buChar char="»"/>
+              <a:defRPr sz="2000">
+                <a:solidFill>
+                  <a:schemeClr val="tx1"/>
+                </a:solidFill>
+                <a:latin typeface="+mn-lt"/>
+              </a:defRPr>
+            </a:lvl8pPr>
+            <a:lvl9pPr marL="3886200" indent="-228600" algn="l" rtl="0" fontAlgn="base">
+              <a:spcBef>
+                <a:spcPct val="20000"/>
+              </a:spcBef>
+              <a:spcAft>
+                <a:spcPct val="0"/>
+              </a:spcAft>
+              <a:buChar char="»"/>
+              <a:defRPr sz="2000">
+                <a:solidFill>
+                  <a:schemeClr val="tx1"/>
+                </a:solidFill>
+                <a:latin typeface="+mn-lt"/>
+              </a:defRPr>
+            </a:lvl9pPr>
+          </a:lstStyle>
+          <a:p>
+            <a:pPr lvl="1"/>
+            <a:r>
+              <a:rPr lang="en-US" b="0" kern="0" dirty="0" smtClean="0"/>
+              <a:t>A one-way ANOVA on adjusted values.</a:t>
+            </a:r>
+            <a:endParaRPr lang="en-US" b="0" kern="0" dirty="0"/>
+          </a:p>
+        </p:txBody>
+      </p:sp>
+      <p:sp>
+        <p:nvSpPr>
+          <p:cNvPr id="52" name="Right Arrow 51"/>
+          <p:cNvSpPr/>
+          <p:nvPr/>
+        </p:nvSpPr>
+        <p:spPr bwMode="auto">
+          <a:xfrm>
+            <a:off x="381000" y="5562600"/>
+            <a:ext cx="1524000" cy="152400"/>
+          </a:xfrm>
+          <a:prstGeom prst="rightArrow">
+            <a:avLst/>
+          </a:prstGeom>
+          <a:solidFill>
+            <a:srgbClr val="0000FF"/>
+          </a:solidFill>
+          <a:ln w="9525" cap="flat" cmpd="sng" algn="ctr">
+            <a:solidFill>
+              <a:schemeClr val="tx1"/>
+            </a:solidFill>
+            <a:prstDash val="solid"/>
+            <a:round/>
+            <a:headEnd type="none" w="med" len="med"/>
+            <a:tailEnd type="none" w="med" len="med"/>
+          </a:ln>
+          <a:effectLst/>
+        </p:spPr>
+        <p:txBody>
+          <a:bodyPr vert="horz" wrap="square" lIns="91440" tIns="45720" rIns="91440" bIns="45720" numCol="1" rtlCol="0" anchor="t" anchorCtr="0" compatLnSpc="1">
+            <a:prstTxWarp prst="textNoShape">
+              <a:avLst/>
+            </a:prstTxWarp>
+          </a:bodyPr>
+          <a:lstStyle/>
+          <a:p>
+            <a:pPr marL="0" marR="0" indent="0" algn="l" defTabSz="914400" rtl="0" eaLnBrk="1" fontAlgn="base" latinLnBrk="0" hangingPunct="1">
+              <a:lnSpc>
+                <a:spcPct val="100000"/>
+              </a:lnSpc>
+              <a:spcBef>
+                <a:spcPct val="0"/>
+              </a:spcBef>
+              <a:spcAft>
+                <a:spcPct val="0"/>
+              </a:spcAft>
+              <a:buClrTx/>
+              <a:buSzTx/>
+              <a:buFontTx/>
+              <a:buNone/>
+              <a:tabLst/>
+            </a:pPr>
+            <a:endParaRPr kumimoji="0" lang="en-US" sz="2800" b="1" i="0" u="none" strike="noStrike" cap="none" normalizeH="0" baseline="0" smtClean="0">
+              <a:ln>
+                <a:noFill/>
+              </a:ln>
+              <a:solidFill>
+                <a:schemeClr val="tx1"/>
+              </a:solidFill>
+              <a:effectLst/>
+              <a:latin typeface="Arial" charset="0"/>
+            </a:endParaRPr>
+          </a:p>
+        </p:txBody>
+      </p:sp>
+      <p:sp>
+        <p:nvSpPr>
+          <p:cNvPr id="34" name="TextBox 33"/>
+          <p:cNvSpPr txBox="1"/>
+          <p:nvPr/>
+        </p:nvSpPr>
+        <p:spPr>
+          <a:xfrm>
+            <a:off x="1752600" y="6324600"/>
+            <a:ext cx="385042" cy="523220"/>
+          </a:xfrm>
+          <a:prstGeom prst="rect">
+            <a:avLst/>
+          </a:prstGeom>
+          <a:noFill/>
+        </p:spPr>
+        <p:txBody>
+          <a:bodyPr wrap="none" rtlCol="0">
+            <a:spAutoFit/>
+          </a:bodyPr>
+          <a:lstStyle/>
+          <a:p>
+            <a:r>
+              <a:rPr lang="en-US" dirty="0" smtClean="0"/>
+              <a:t>0</a:t>
+            </a:r>
+            <a:endParaRPr lang="en-US" dirty="0"/>
+          </a:p>
+        </p:txBody>
+      </p:sp>
+    </p:spTree>
+    <p:extLst>
+      <p:ext uri="{BB962C8B-B14F-4D97-AF65-F5344CB8AC3E}">
+        <p14:creationId xmlns:p14="http://schemas.microsoft.com/office/powerpoint/2010/main" val="451377129"/>
+      </p:ext>
+    </p:extLst>
+  </p:cSld>
+  <p:clrMapOvr>
+    <a:masterClrMapping/>
+  </p:clrMapOvr>
+  <p:timing>
+    <p:tnLst>
+      <p:par>
+        <p:cTn id="1" dur="indefinite" restart="never" nodeType="tmRoot">
+          <p:childTnLst>
+            <p:seq concurrent="1" nextAc="seek">
+              <p:cTn id="2" dur="indefinite" nodeType="mainSeq">
+                <p:childTnLst>
+                  <p:par>
+                    <p:cTn id="3" fill="hold">
+                      <p:stCondLst>
+                        <p:cond delay="indefinite"/>
+                      </p:stCondLst>
+                      <p:childTnLst>
+                        <p:par>
+                          <p:cTn id="4" fill="hold">
+                            <p:stCondLst>
+                              <p:cond delay="0"/>
+                            </p:stCondLst>
+                            <p:childTnLst>
+                              <p:par>
+                                <p:cTn id="5" presetID="42" presetClass="path" presetSubtype="0" accel="50000" decel="50000" fill="hold" nodeType="clickEffect">
+                                  <p:stCondLst>
+                                    <p:cond delay="0"/>
+                                  </p:stCondLst>
+                                  <p:childTnLst>
+                                    <p:animMotion origin="layout" path="M 4.72222E-6 0 L -0.14914 0.14444 " pathEditMode="relative" rAng="0" ptsTypes="AA">
+                                      <p:cBhvr>
+                                        <p:cTn id="6" dur="500" fill="hold"/>
+                                        <p:tgtEl>
+                                          <p:spTgt spid="2"/>
+                                        </p:tgtEl>
+                                        <p:attrNameLst>
+                                          <p:attrName>ppt_x</p:attrName>
+                                          <p:attrName>ppt_y</p:attrName>
+                                        </p:attrNameLst>
+                                      </p:cBhvr>
+                                      <p:rCtr x="-7465" y="7222"/>
+                                    </p:animMotion>
+                                  </p:childTnLst>
+                                </p:cTn>
+                              </p:par>
+                            </p:childTnLst>
+                          </p:cTn>
+                        </p:par>
+                        <p:par>
+                          <p:cTn id="7" fill="hold">
+                            <p:stCondLst>
+                              <p:cond delay="500"/>
+                            </p:stCondLst>
+                            <p:childTnLst>
+                              <p:par>
+                                <p:cTn id="8" presetID="42" presetClass="path" presetSubtype="0" accel="50000" decel="50000" fill="hold" nodeType="afterEffect">
+                                  <p:stCondLst>
+                                    <p:cond delay="0"/>
+                                  </p:stCondLst>
+                                  <p:childTnLst>
+                                    <p:animMotion origin="layout" path="M -1.66667E-6 3.7037E-7 L -0.24271 0.22917 " pathEditMode="relative" rAng="0" ptsTypes="AA">
+                                      <p:cBhvr>
+                                        <p:cTn id="9" dur="500" fill="hold"/>
+                                        <p:tgtEl>
+                                          <p:spTgt spid="3"/>
+                                        </p:tgtEl>
+                                        <p:attrNameLst>
+                                          <p:attrName>ppt_x</p:attrName>
+                                          <p:attrName>ppt_y</p:attrName>
+                                        </p:attrNameLst>
+                                      </p:cBhvr>
+                                      <p:rCtr x="-12135" y="11458"/>
+                                    </p:animMotion>
+                                  </p:childTnLst>
+                                </p:cTn>
+                              </p:par>
+                              <p:par>
+                                <p:cTn id="10" presetID="10" presetClass="exit" presetSubtype="0" fill="hold" grpId="0" nodeType="withEffect">
+                                  <p:stCondLst>
+                                    <p:cond delay="0"/>
+                                  </p:stCondLst>
+                                  <p:childTnLst>
+                                    <p:animEffect transition="out" filter="fade">
+                                      <p:cBhvr>
+                                        <p:cTn id="11" dur="500"/>
+                                        <p:tgtEl>
+                                          <p:spTgt spid="34"/>
+                                        </p:tgtEl>
+                                      </p:cBhvr>
+                                    </p:animEffect>
+                                    <p:set>
+                                      <p:cBhvr>
+                                        <p:cTn id="12" dur="1" fill="hold">
+                                          <p:stCondLst>
+                                            <p:cond delay="499"/>
+                                          </p:stCondLst>
+                                        </p:cTn>
+                                        <p:tgtEl>
+                                          <p:spTgt spid="34"/>
+                                        </p:tgtEl>
+                                        <p:attrNameLst>
+                                          <p:attrName>style.visibility</p:attrName>
+                                        </p:attrNameLst>
+                                      </p:cBhvr>
+                                      <p:to>
+                                        <p:strVal val="hidden"/>
+                                      </p:to>
+                                    </p:set>
+                                  </p:childTnLst>
+                                </p:cTn>
+                              </p:par>
+                            </p:childTnLst>
+                          </p:cTn>
+                        </p:par>
+                        <p:par>
+                          <p:cTn id="13" fill="hold">
+                            <p:stCondLst>
+                              <p:cond delay="1000"/>
+                            </p:stCondLst>
+                            <p:childTnLst>
+                              <p:par>
+                                <p:cTn id="14" presetID="42" presetClass="path" presetSubtype="0" accel="50000" decel="50000" fill="hold" nodeType="afterEffect">
+                                  <p:stCondLst>
+                                    <p:cond delay="0"/>
+                                  </p:stCondLst>
+                                  <p:childTnLst>
+                                    <p:animMotion origin="layout" path="M 5E-6 7.40741E-7 L -0.28855 0.27893 " pathEditMode="relative" rAng="0" ptsTypes="AA">
+                                      <p:cBhvr>
+                                        <p:cTn id="15" dur="500" fill="hold"/>
+                                        <p:tgtEl>
+                                          <p:spTgt spid="6"/>
+                                        </p:tgtEl>
+                                        <p:attrNameLst>
+                                          <p:attrName>ppt_x</p:attrName>
+                                          <p:attrName>ppt_y</p:attrName>
+                                        </p:attrNameLst>
+                                      </p:cBhvr>
+                                      <p:rCtr x="-14427" y="13935"/>
+                                    </p:animMotion>
+                                  </p:childTnLst>
+                                </p:cTn>
+                              </p:par>
+                            </p:childTnLst>
+                          </p:cTn>
+                        </p:par>
+                        <p:par>
+                          <p:cTn id="16" fill="hold">
+                            <p:stCondLst>
+                              <p:cond delay="1500"/>
+                            </p:stCondLst>
+                            <p:childTnLst>
+                              <p:par>
+                                <p:cTn id="17" presetID="42" presetClass="path" presetSubtype="0" accel="50000" decel="50000" fill="hold" nodeType="afterEffect">
+                                  <p:stCondLst>
+                                    <p:cond delay="0"/>
+                                  </p:stCondLst>
+                                  <p:childTnLst>
+                                    <p:animMotion origin="layout" path="M 1.94444E-6 1.85185E-6 L -0.36754 0.35671 " pathEditMode="relative" rAng="0" ptsTypes="AA">
+                                      <p:cBhvr>
+                                        <p:cTn id="18" dur="500" fill="hold"/>
+                                        <p:tgtEl>
+                                          <p:spTgt spid="9"/>
+                                        </p:tgtEl>
+                                        <p:attrNameLst>
+                                          <p:attrName>ppt_x</p:attrName>
+                                          <p:attrName>ppt_y</p:attrName>
+                                        </p:attrNameLst>
+                                      </p:cBhvr>
+                                      <p:rCtr x="-18385" y="17824"/>
+                                    </p:animMotion>
+                                  </p:childTnLst>
+                                </p:cTn>
+                              </p:par>
+                            </p:childTnLst>
+                          </p:cTn>
+                        </p:par>
+                        <p:par>
+                          <p:cTn id="19" fill="hold">
+                            <p:stCondLst>
+                              <p:cond delay="2000"/>
+                            </p:stCondLst>
+                            <p:childTnLst>
+                              <p:par>
+                                <p:cTn id="20" presetID="42" presetClass="path" presetSubtype="0" accel="50000" decel="50000" fill="hold" nodeType="afterEffect">
+                                  <p:stCondLst>
+                                    <p:cond delay="0"/>
+                                  </p:stCondLst>
+                                  <p:childTnLst>
+                                    <p:animMotion origin="layout" path="M 4.16667E-6 4.07407E-6 L -0.40157 0.38217 " pathEditMode="relative" rAng="0" ptsTypes="AA">
+                                      <p:cBhvr>
+                                        <p:cTn id="21" dur="500" fill="hold"/>
+                                        <p:tgtEl>
+                                          <p:spTgt spid="22"/>
+                                        </p:tgtEl>
+                                        <p:attrNameLst>
+                                          <p:attrName>ppt_x</p:attrName>
+                                          <p:attrName>ppt_y</p:attrName>
+                                        </p:attrNameLst>
+                                      </p:cBhvr>
+                                      <p:rCtr x="-20087" y="19097"/>
+                                    </p:animMotion>
+                                  </p:childTnLst>
+                                </p:cTn>
+                              </p:par>
+                            </p:childTnLst>
+                          </p:cTn>
+                        </p:par>
+                        <p:par>
+                          <p:cTn id="22" fill="hold">
+                            <p:stCondLst>
+                              <p:cond delay="2500"/>
+                            </p:stCondLst>
+                            <p:childTnLst>
+                              <p:par>
+                                <p:cTn id="23" presetID="42" presetClass="path" presetSubtype="0" accel="50000" decel="50000" fill="hold" nodeType="afterEffect">
+                                  <p:stCondLst>
+                                    <p:cond delay="0"/>
+                                  </p:stCondLst>
+                                  <p:childTnLst>
+                                    <p:animMotion origin="layout" path="M 5E-6 -2.59259E-6 L -0.48855 0.46297 " pathEditMode="relative" rAng="0" ptsTypes="AA">
+                                      <p:cBhvr>
+                                        <p:cTn id="24" dur="500" fill="hold"/>
+                                        <p:tgtEl>
+                                          <p:spTgt spid="23"/>
+                                        </p:tgtEl>
+                                        <p:attrNameLst>
+                                          <p:attrName>ppt_x</p:attrName>
+                                          <p:attrName>ppt_y</p:attrName>
+                                        </p:attrNameLst>
+                                      </p:cBhvr>
+                                      <p:rCtr x="-24427" y="23148"/>
+                                    </p:animMotion>
+                                  </p:childTnLst>
+                                </p:cTn>
+                              </p:par>
+                            </p:childTnLst>
+                          </p:cTn>
+                        </p:par>
+                        <p:par>
+                          <p:cTn id="25" fill="hold">
+                            <p:stCondLst>
+                              <p:cond delay="3000"/>
+                            </p:stCondLst>
+                            <p:childTnLst>
+                              <p:par>
+                                <p:cTn id="26" presetID="42" presetClass="path" presetSubtype="0" accel="50000" decel="50000" fill="hold" nodeType="afterEffect">
+                                  <p:stCondLst>
+                                    <p:cond delay="0"/>
+                                  </p:stCondLst>
+                                  <p:childTnLst>
+                                    <p:animMotion origin="layout" path="M -1.66667E-6 -3.7037E-7 L -0.12569 0.12454 " pathEditMode="relative" rAng="0" ptsTypes="AA">
+                                      <p:cBhvr>
+                                        <p:cTn id="27" dur="500" fill="hold"/>
+                                        <p:tgtEl>
+                                          <p:spTgt spid="32"/>
+                                        </p:tgtEl>
+                                        <p:attrNameLst>
+                                          <p:attrName>ppt_x</p:attrName>
+                                          <p:attrName>ppt_y</p:attrName>
+                                        </p:attrNameLst>
+                                      </p:cBhvr>
+                                      <p:rCtr x="-6285" y="6227"/>
+                                    </p:animMotion>
+                                  </p:childTnLst>
+                                </p:cTn>
+                              </p:par>
+                            </p:childTnLst>
+                          </p:cTn>
+                        </p:par>
+                        <p:par>
+                          <p:cTn id="28" fill="hold">
+                            <p:stCondLst>
+                              <p:cond delay="3500"/>
+                            </p:stCondLst>
+                            <p:childTnLst>
+                              <p:par>
+                                <p:cTn id="29" presetID="42" presetClass="path" presetSubtype="0" accel="50000" decel="50000" fill="hold" nodeType="afterEffect">
+                                  <p:stCondLst>
+                                    <p:cond delay="0"/>
+                                  </p:stCondLst>
+                                  <p:childTnLst>
+                                    <p:animMotion origin="layout" path="M 2.77778E-6 1.48148E-6 L -0.17327 0.16852 " pathEditMode="relative" rAng="0" ptsTypes="AA">
+                                      <p:cBhvr>
+                                        <p:cTn id="30" dur="500" fill="hold"/>
+                                        <p:tgtEl>
+                                          <p:spTgt spid="31"/>
+                                        </p:tgtEl>
+                                        <p:attrNameLst>
+                                          <p:attrName>ppt_x</p:attrName>
+                                          <p:attrName>ppt_y</p:attrName>
+                                        </p:attrNameLst>
+                                      </p:cBhvr>
+                                      <p:rCtr x="-8663" y="8426"/>
+                                    </p:animMotion>
+                                  </p:childTnLst>
+                                </p:cTn>
+                              </p:par>
+                            </p:childTnLst>
+                          </p:cTn>
+                        </p:par>
+                        <p:par>
+                          <p:cTn id="31" fill="hold">
+                            <p:stCondLst>
+                              <p:cond delay="4000"/>
+                            </p:stCondLst>
+                            <p:childTnLst>
+                              <p:par>
+                                <p:cTn id="32" presetID="42" presetClass="path" presetSubtype="0" accel="50000" decel="50000" fill="hold" nodeType="afterEffect">
+                                  <p:stCondLst>
+                                    <p:cond delay="0"/>
+                                  </p:stCondLst>
+                                  <p:childTnLst>
+                                    <p:animMotion origin="layout" path="M -1.66667E-6 3.33333E-6 L -0.24271 0.23333 " pathEditMode="relative" rAng="0" ptsTypes="AA">
+                                      <p:cBhvr>
+                                        <p:cTn id="33" dur="500" fill="hold"/>
+                                        <p:tgtEl>
+                                          <p:spTgt spid="30"/>
+                                        </p:tgtEl>
+                                        <p:attrNameLst>
+                                          <p:attrName>ppt_x</p:attrName>
+                                          <p:attrName>ppt_y</p:attrName>
+                                        </p:attrNameLst>
+                                      </p:cBhvr>
+                                      <p:rCtr x="-12135" y="11667"/>
+                                    </p:animMotion>
+                                  </p:childTnLst>
+                                </p:cTn>
+                              </p:par>
+                            </p:childTnLst>
+                          </p:cTn>
+                        </p:par>
+                        <p:par>
+                          <p:cTn id="34" fill="hold">
+                            <p:stCondLst>
+                              <p:cond delay="4500"/>
+                            </p:stCondLst>
+                            <p:childTnLst>
+                              <p:par>
+                                <p:cTn id="35" presetID="42" presetClass="path" presetSubtype="0" accel="50000" decel="50000" fill="hold" nodeType="afterEffect">
+                                  <p:stCondLst>
+                                    <p:cond delay="0"/>
+                                  </p:stCondLst>
+                                  <p:childTnLst>
+                                    <p:animMotion origin="layout" path="M 3.33333E-6 -7.40741E-7 L -0.30834 0.29398 " pathEditMode="relative" rAng="0" ptsTypes="AA">
+                                      <p:cBhvr>
+                                        <p:cTn id="36" dur="500" fill="hold"/>
+                                        <p:tgtEl>
+                                          <p:spTgt spid="28"/>
+                                        </p:tgtEl>
+                                        <p:attrNameLst>
+                                          <p:attrName>ppt_x</p:attrName>
+                                          <p:attrName>ppt_y</p:attrName>
+                                        </p:attrNameLst>
+                                      </p:cBhvr>
+                                      <p:rCtr x="-15417" y="14699"/>
+                                    </p:animMotion>
+                                  </p:childTnLst>
+                                </p:cTn>
+                              </p:par>
+                            </p:childTnLst>
+                          </p:cTn>
+                        </p:par>
+                        <p:par>
+                          <p:cTn id="37" fill="hold">
+                            <p:stCondLst>
+                              <p:cond delay="5000"/>
+                            </p:stCondLst>
+                            <p:childTnLst>
+                              <p:par>
+                                <p:cTn id="38" presetID="42" presetClass="path" presetSubtype="0" accel="50000" decel="50000" fill="hold" nodeType="afterEffect">
+                                  <p:stCondLst>
+                                    <p:cond delay="0"/>
+                                  </p:stCondLst>
+                                  <p:childTnLst>
+                                    <p:animMotion origin="layout" path="M 4.72222E-6 -3.7037E-7 L -0.32535 0.31343 " pathEditMode="relative" rAng="0" ptsTypes="AA">
+                                      <p:cBhvr>
+                                        <p:cTn id="39" dur="500" fill="hold"/>
+                                        <p:tgtEl>
+                                          <p:spTgt spid="29"/>
+                                        </p:tgtEl>
+                                        <p:attrNameLst>
+                                          <p:attrName>ppt_x</p:attrName>
+                                          <p:attrName>ppt_y</p:attrName>
+                                        </p:attrNameLst>
+                                      </p:cBhvr>
+                                      <p:rCtr x="-16267" y="15671"/>
+                                    </p:animMotion>
+                                  </p:childTnLst>
+                                </p:cTn>
+                              </p:par>
+                            </p:childTnLst>
+                          </p:cTn>
+                        </p:par>
+                        <p:par>
+                          <p:cTn id="40" fill="hold">
+                            <p:stCondLst>
+                              <p:cond delay="5500"/>
+                            </p:stCondLst>
+                            <p:childTnLst>
+                              <p:par>
+                                <p:cTn id="41" presetID="42" presetClass="path" presetSubtype="0" accel="50000" decel="50000" fill="hold" nodeType="afterEffect">
+                                  <p:stCondLst>
+                                    <p:cond delay="0"/>
+                                  </p:stCondLst>
+                                  <p:childTnLst>
+                                    <p:animMotion origin="layout" path="M -3.05556E-6 2.22222E-6 L -0.40191 0.37291 " pathEditMode="relative" rAng="0" ptsTypes="AA">
+                                      <p:cBhvr>
+                                        <p:cTn id="42" dur="500" fill="hold"/>
+                                        <p:tgtEl>
+                                          <p:spTgt spid="24"/>
+                                        </p:tgtEl>
+                                        <p:attrNameLst>
+                                          <p:attrName>ppt_x</p:attrName>
+                                          <p:attrName>ppt_y</p:attrName>
+                                        </p:attrNameLst>
+                                      </p:cBhvr>
+                                      <p:rCtr x="-20104" y="18634"/>
+                                    </p:animMotion>
+                                  </p:childTnLst>
+                                </p:cTn>
+                              </p:par>
+                            </p:childTnLst>
+                          </p:cTn>
+                        </p:par>
+                      </p:childTnLst>
+                    </p:cTn>
+                  </p:par>
+                  <p:par>
+                    <p:cTn id="43" fill="hold">
+                      <p:stCondLst>
+                        <p:cond delay="indefinite"/>
+                      </p:stCondLst>
+                      <p:childTnLst>
+                        <p:par>
+                          <p:cTn id="44" fill="hold">
+                            <p:stCondLst>
+                              <p:cond delay="0"/>
+                            </p:stCondLst>
+                            <p:childTnLst>
+                              <p:par>
+                                <p:cTn id="45" presetID="1" presetClass="entr" presetSubtype="0" fill="hold" grpId="0" nodeType="clickEffect">
+                                  <p:stCondLst>
+                                    <p:cond delay="0"/>
+                                  </p:stCondLst>
+                                  <p:childTnLst>
+                                    <p:set>
+                                      <p:cBhvr>
+                                        <p:cTn id="46" dur="1" fill="hold">
+                                          <p:stCondLst>
+                                            <p:cond delay="0"/>
+                                          </p:stCondLst>
+                                        </p:cTn>
+                                        <p:tgtEl>
+                                          <p:spTgt spid="50"/>
+                                        </p:tgtEl>
+                                        <p:attrNameLst>
+                                          <p:attrName>style.visibility</p:attrName>
+                                        </p:attrNameLst>
+                                      </p:cBhvr>
+                                      <p:to>
+                                        <p:strVal val="visible"/>
+                                      </p:to>
+                                    </p:set>
+                                  </p:childTnLst>
+                                </p:cTn>
+                              </p:par>
+                            </p:childTnLst>
+                          </p:cTn>
+                        </p:par>
+                        <p:par>
+                          <p:cTn id="47" fill="hold">
+                            <p:stCondLst>
+                              <p:cond delay="0"/>
+                            </p:stCondLst>
+                            <p:childTnLst>
+                              <p:par>
+                                <p:cTn id="48" presetID="22" presetClass="entr" presetSubtype="8" fill="hold" grpId="0" nodeType="afterEffect">
+                                  <p:stCondLst>
+                                    <p:cond delay="0"/>
+                                  </p:stCondLst>
+                                  <p:childTnLst>
+                                    <p:set>
+                                      <p:cBhvr>
+                                        <p:cTn id="49" dur="1" fill="hold">
+                                          <p:stCondLst>
+                                            <p:cond delay="0"/>
+                                          </p:stCondLst>
+                                        </p:cTn>
+                                        <p:tgtEl>
+                                          <p:spTgt spid="33"/>
+                                        </p:tgtEl>
+                                        <p:attrNameLst>
+                                          <p:attrName>style.visibility</p:attrName>
+                                        </p:attrNameLst>
+                                      </p:cBhvr>
+                                      <p:to>
+                                        <p:strVal val="visible"/>
+                                      </p:to>
+                                    </p:set>
+                                    <p:animEffect transition="in" filter="wipe(left)">
+                                      <p:cBhvr>
+                                        <p:cTn id="50" dur="500"/>
+                                        <p:tgtEl>
+                                          <p:spTgt spid="33"/>
+                                        </p:tgtEl>
+                                      </p:cBhvr>
+                                    </p:animEffect>
+                                  </p:childTnLst>
+                                </p:cTn>
+                              </p:par>
+                              <p:par>
+                                <p:cTn id="51" presetID="22" presetClass="entr" presetSubtype="8" fill="hold" grpId="0" nodeType="withEffect">
+                                  <p:stCondLst>
+                                    <p:cond delay="0"/>
+                                  </p:stCondLst>
+                                  <p:childTnLst>
+                                    <p:set>
+                                      <p:cBhvr>
+                                        <p:cTn id="52" dur="1" fill="hold">
+                                          <p:stCondLst>
+                                            <p:cond delay="0"/>
+                                          </p:stCondLst>
+                                        </p:cTn>
+                                        <p:tgtEl>
+                                          <p:spTgt spid="46"/>
+                                        </p:tgtEl>
+                                        <p:attrNameLst>
+                                          <p:attrName>style.visibility</p:attrName>
+                                        </p:attrNameLst>
+                                      </p:cBhvr>
+                                      <p:to>
+                                        <p:strVal val="visible"/>
+                                      </p:to>
+                                    </p:set>
+                                    <p:animEffect transition="in" filter="wipe(left)">
+                                      <p:cBhvr>
+                                        <p:cTn id="53" dur="500"/>
+                                        <p:tgtEl>
+                                          <p:spTgt spid="46"/>
+                                        </p:tgtEl>
+                                      </p:cBhvr>
+                                    </p:animEffect>
+                                  </p:childTnLst>
+                                </p:cTn>
+                              </p:par>
+                            </p:childTnLst>
+                          </p:cTn>
+                        </p:par>
+                      </p:childTnLst>
+                    </p:cTn>
+                  </p:par>
+                </p:childTnLst>
+              </p:cTn>
+              <p:prevCondLst>
+                <p:cond evt="onPrev" delay="0">
+                  <p:tgtEl>
+                    <p:sldTgt/>
+                  </p:tgtEl>
+                </p:cond>
+              </p:prevCondLst>
+              <p:nextCondLst>
+                <p:cond evt="onNext" delay="0">
+                  <p:tgtEl>
+                    <p:sldTgt/>
+                  </p:tgtEl>
+                </p:cond>
+              </p:nextCondLst>
+            </p:seq>
+          </p:childTnLst>
+        </p:cTn>
+      </p:par>
+    </p:tnLst>
+    <p:bldLst>
+      <p:bldP spid="33" grpId="0" animBg="1"/>
+      <p:bldP spid="46" grpId="0" animBg="1"/>
+      <p:bldP spid="50" grpId="0"/>
+      <p:bldP spid="34" grpId="0"/>
+    </p:bldLst>
+  </p:timing>
+</p:sld>
+</file>
+
+<file path=ppt/slides/slide27.xml><?xml version="1.0" encoding="utf-8"?>
+<p:sld xmlns:a="http://schemas.openxmlformats.org/drawingml/2006/main" xmlns:r="http://schemas.openxmlformats.org/officeDocument/2006/relationships" xmlns:p="http://schemas.openxmlformats.org/presentationml/2006/main">
+  <p:cSld>
+    <p:spTree>
+      <p:nvGrpSpPr>
+        <p:cNvPr id="1" name=""/>
+        <p:cNvGrpSpPr/>
+        <p:nvPr/>
+      </p:nvGrpSpPr>
+      <p:grpSpPr>
+        <a:xfrm>
+          <a:off x="0" y="0"/>
+          <a:ext cx="0" cy="0"/>
+          <a:chOff x="0" y="0"/>
+          <a:chExt cx="0" cy="0"/>
+        </a:xfrm>
+      </p:grpSpPr>
+      <p:sp>
+        <p:nvSpPr>
+          <p:cNvPr id="4" name="Footer Placeholder 3"/>
+          <p:cNvSpPr>
+            <a:spLocks noGrp="1"/>
+          </p:cNvSpPr>
+          <p:nvPr>
+            <p:ph type="ftr" sz="quarter" idx="10"/>
+          </p:nvPr>
+        </p:nvSpPr>
+        <p:spPr/>
+        <p:txBody>
+          <a:bodyPr/>
+          <a:lstStyle/>
+          <a:p>
+            <a:r>
+              <a:rPr lang="en-US" smtClean="0"/>
+              <a:t>One-Way IVR</a:t>
+            </a:r>
+            <a:endParaRPr lang="en-US"/>
+          </a:p>
+        </p:txBody>
+      </p:sp>
+      <p:sp>
+        <p:nvSpPr>
+          <p:cNvPr id="5" name="Slide Number Placeholder 4"/>
+          <p:cNvSpPr>
+            <a:spLocks noGrp="1"/>
+          </p:cNvSpPr>
+          <p:nvPr>
+            <p:ph type="sldNum" sz="quarter" idx="11"/>
+          </p:nvPr>
+        </p:nvSpPr>
+        <p:spPr/>
+        <p:txBody>
+          <a:bodyPr/>
+          <a:lstStyle/>
+          <a:p>
+            <a:fld id="{32B39ADD-4258-43C1-B408-3269BEAB59D0}" type="slidenum">
+              <a:rPr lang="en-US" smtClean="0"/>
+              <a:pPr/>
+              <a:t>27</a:t>
+            </a:fld>
+            <a:endParaRPr lang="en-US"/>
+          </a:p>
+        </p:txBody>
+      </p:sp>
+      <p:cxnSp>
+        <p:nvCxnSpPr>
+          <p:cNvPr id="7" name="Straight Connector 6"/>
+          <p:cNvCxnSpPr/>
+          <p:nvPr/>
+        </p:nvCxnSpPr>
+        <p:spPr bwMode="auto">
+          <a:xfrm>
+            <a:off x="1905000" y="1752600"/>
+            <a:ext cx="0" cy="4572000"/>
+          </a:xfrm>
+          <a:prstGeom prst="line">
+            <a:avLst/>
+          </a:prstGeom>
+          <a:solidFill>
+            <a:schemeClr val="accent1"/>
+          </a:solidFill>
+          <a:ln w="44450" cap="flat" cmpd="sng" algn="ctr">
+            <a:solidFill>
+              <a:schemeClr val="tx1"/>
+            </a:solidFill>
+            <a:prstDash val="solid"/>
+            <a:round/>
+            <a:headEnd type="none" w="med" len="med"/>
+            <a:tailEnd type="none" w="med" len="med"/>
+          </a:ln>
+          <a:effectLst/>
+        </p:spPr>
+      </p:cxnSp>
+      <p:cxnSp>
+        <p:nvCxnSpPr>
+          <p:cNvPr id="8" name="Straight Connector 7"/>
+          <p:cNvCxnSpPr/>
+          <p:nvPr/>
+        </p:nvCxnSpPr>
+        <p:spPr bwMode="auto">
+          <a:xfrm flipH="1">
+            <a:off x="1905000" y="6248400"/>
+            <a:ext cx="4754880" cy="76200"/>
+          </a:xfrm>
+          <a:prstGeom prst="line">
+            <a:avLst/>
+          </a:prstGeom>
+          <a:solidFill>
+            <a:schemeClr val="accent1"/>
+          </a:solidFill>
+          <a:ln w="44450" cap="flat" cmpd="sng" algn="ctr">
+            <a:solidFill>
+              <a:schemeClr val="tx1"/>
+            </a:solidFill>
+            <a:prstDash val="solid"/>
+            <a:round/>
+            <a:headEnd type="none" w="med" len="med"/>
+            <a:tailEnd type="none" w="med" len="med"/>
+          </a:ln>
+          <a:effectLst/>
+        </p:spPr>
+      </p:cxnSp>
+      <p:cxnSp>
+        <p:nvCxnSpPr>
+          <p:cNvPr id="25" name="Straight Connector 24"/>
+          <p:cNvCxnSpPr/>
+          <p:nvPr/>
+        </p:nvCxnSpPr>
+        <p:spPr bwMode="auto">
+          <a:xfrm flipV="1">
+            <a:off x="1905000" y="2286000"/>
+            <a:ext cx="4566230" cy="3352800"/>
+          </a:xfrm>
+          <a:prstGeom prst="line">
+            <a:avLst/>
+          </a:prstGeom>
+          <a:solidFill>
+            <a:schemeClr val="accent1"/>
+          </a:solidFill>
+          <a:ln w="28575" cap="flat" cmpd="sng" algn="ctr">
+            <a:solidFill>
+              <a:schemeClr val="tx1"/>
+            </a:solidFill>
+            <a:prstDash val="solid"/>
+            <a:round/>
+            <a:headEnd type="none" w="med" len="med"/>
+            <a:tailEnd type="none" w="med" len="med"/>
+          </a:ln>
+          <a:effectLst/>
+        </p:spPr>
+      </p:cxnSp>
+      <p:cxnSp>
+        <p:nvCxnSpPr>
+          <p:cNvPr id="26" name="Straight Connector 25"/>
+          <p:cNvCxnSpPr/>
+          <p:nvPr/>
+        </p:nvCxnSpPr>
+        <p:spPr bwMode="auto">
+          <a:xfrm flipV="1">
+            <a:off x="1905000" y="2895600"/>
+            <a:ext cx="4642430" cy="3352800"/>
+          </a:xfrm>
+          <a:prstGeom prst="line">
+            <a:avLst/>
+          </a:prstGeom>
+          <a:solidFill>
+            <a:schemeClr val="accent1"/>
+          </a:solidFill>
+          <a:ln w="28575" cap="flat" cmpd="sng" algn="ctr">
+            <a:solidFill>
+              <a:srgbClr val="FF0000"/>
+            </a:solidFill>
+            <a:prstDash val="dash"/>
+            <a:round/>
+            <a:headEnd type="none" w="med" len="med"/>
+            <a:tailEnd type="none" w="med" len="med"/>
+          </a:ln>
+          <a:effectLst/>
+        </p:spPr>
+      </p:cxnSp>
+      <p:cxnSp>
+        <p:nvCxnSpPr>
+          <p:cNvPr id="27" name="Straight Connector 26"/>
+          <p:cNvCxnSpPr/>
+          <p:nvPr/>
+        </p:nvCxnSpPr>
+        <p:spPr bwMode="auto">
+          <a:xfrm flipV="1">
+            <a:off x="1905000" y="1676400"/>
+            <a:ext cx="4490030" cy="3276600"/>
+          </a:xfrm>
+          <a:prstGeom prst="line">
+            <a:avLst/>
+          </a:prstGeom>
+          <a:solidFill>
+            <a:schemeClr val="accent1"/>
+          </a:solidFill>
+          <a:ln w="28575" cap="flat" cmpd="sng" algn="ctr">
+            <a:solidFill>
+              <a:schemeClr val="accent1">
+                <a:lumMod val="90000"/>
+              </a:schemeClr>
+            </a:solidFill>
+            <a:prstDash val="dash"/>
+            <a:round/>
+            <a:headEnd type="none" w="med" len="med"/>
+            <a:tailEnd type="none" w="med" len="med"/>
+          </a:ln>
+          <a:effectLst/>
+        </p:spPr>
+      </p:cxnSp>
+      <p:grpSp>
+        <p:nvGrpSpPr>
+          <p:cNvPr id="32" name="Group 31"/>
+          <p:cNvGrpSpPr/>
+          <p:nvPr/>
+        </p:nvGrpSpPr>
+        <p:grpSpPr>
+          <a:xfrm>
+            <a:off x="2969840" y="4036345"/>
+            <a:ext cx="137160" cy="779495"/>
+            <a:chOff x="2969840" y="3350545"/>
+            <a:chExt cx="137160" cy="779495"/>
+          </a:xfrm>
+        </p:grpSpPr>
+        <p:sp>
+          <p:nvSpPr>
+            <p:cNvPr id="15" name="Oval 14"/>
+            <p:cNvSpPr/>
+            <p:nvPr/>
+          </p:nvSpPr>
+          <p:spPr bwMode="auto">
+            <a:xfrm>
+              <a:off x="2969840" y="3350545"/>
+              <a:ext cx="137160" cy="137160"/>
+            </a:xfrm>
+            <a:prstGeom prst="ellipse">
+              <a:avLst/>
+            </a:prstGeom>
+            <a:solidFill>
+              <a:schemeClr val="accent1"/>
+            </a:solidFill>
+            <a:ln w="9525" cap="flat" cmpd="sng" algn="ctr">
+              <a:noFill/>
+              <a:prstDash val="solid"/>
+              <a:round/>
+              <a:headEnd type="none" w="med" len="med"/>
+              <a:tailEnd type="none" w="med" len="med"/>
+            </a:ln>
+            <a:effectLst/>
+          </p:spPr>
+          <p:txBody>
+            <a:bodyPr vert="horz" wrap="square" lIns="91440" tIns="45720" rIns="91440" bIns="45720" numCol="1" rtlCol="0" anchor="t" anchorCtr="0" compatLnSpc="1">
+              <a:prstTxWarp prst="textNoShape">
+                <a:avLst/>
+              </a:prstTxWarp>
+            </a:bodyPr>
+            <a:lstStyle/>
+            <a:p>
+              <a:pPr marL="0" marR="0" indent="0" algn="l" defTabSz="914400" rtl="0" eaLnBrk="1" fontAlgn="base" latinLnBrk="0" hangingPunct="1">
+                <a:lnSpc>
+                  <a:spcPct val="100000"/>
+                </a:lnSpc>
+                <a:spcBef>
+                  <a:spcPct val="0"/>
+                </a:spcBef>
+                <a:spcAft>
+                  <a:spcPct val="0"/>
+                </a:spcAft>
+                <a:buClrTx/>
+                <a:buSzTx/>
+                <a:buFontTx/>
+                <a:buNone/>
+                <a:tabLst/>
+              </a:pPr>
+              <a:endParaRPr kumimoji="0" lang="en-US" sz="2800" b="1" i="0" u="none" strike="noStrike" cap="none" normalizeH="0" baseline="0" smtClean="0">
+                <a:ln>
+                  <a:noFill/>
+                </a:ln>
+                <a:solidFill>
+                  <a:schemeClr val="tx1"/>
+                </a:solidFill>
+                <a:effectLst/>
+                <a:latin typeface="Arial" charset="0"/>
+              </a:endParaRPr>
+            </a:p>
+          </p:txBody>
+        </p:sp>
+        <p:cxnSp>
+          <p:nvCxnSpPr>
+            <p:cNvPr id="38" name="Straight Connector 37"/>
+            <p:cNvCxnSpPr/>
+            <p:nvPr/>
+          </p:nvCxnSpPr>
+          <p:spPr bwMode="auto">
+            <a:xfrm flipH="1">
+              <a:off x="3038420" y="3436620"/>
+              <a:ext cx="5660" cy="693420"/>
+            </a:xfrm>
+            <a:prstGeom prst="line">
+              <a:avLst/>
+            </a:prstGeom>
+            <a:solidFill>
+              <a:schemeClr val="accent1"/>
+            </a:solidFill>
+            <a:ln w="19050" cap="flat" cmpd="sng" algn="ctr">
+              <a:solidFill>
+                <a:schemeClr val="accent1">
+                  <a:lumMod val="90000"/>
+                </a:schemeClr>
+              </a:solidFill>
+              <a:prstDash val="sysDot"/>
+              <a:round/>
+              <a:headEnd type="none" w="med" len="med"/>
+              <a:tailEnd type="none" w="med" len="med"/>
+            </a:ln>
+            <a:effectLst/>
+          </p:spPr>
+        </p:cxnSp>
+      </p:grpSp>
+      <p:grpSp>
+        <p:nvGrpSpPr>
+          <p:cNvPr id="31" name="Group 30"/>
+          <p:cNvGrpSpPr/>
+          <p:nvPr/>
+        </p:nvGrpSpPr>
+        <p:grpSpPr>
+          <a:xfrm>
+            <a:off x="3421529" y="3352800"/>
+            <a:ext cx="137160" cy="1092200"/>
+            <a:chOff x="3421529" y="2667000"/>
+            <a:chExt cx="137160" cy="1092200"/>
+          </a:xfrm>
+        </p:grpSpPr>
+        <p:sp>
+          <p:nvSpPr>
+            <p:cNvPr id="14" name="Oval 13"/>
+            <p:cNvSpPr/>
+            <p:nvPr/>
+          </p:nvSpPr>
+          <p:spPr bwMode="auto">
+            <a:xfrm>
+              <a:off x="3421529" y="2667000"/>
+              <a:ext cx="137160" cy="137160"/>
+            </a:xfrm>
+            <a:prstGeom prst="ellipse">
+              <a:avLst/>
+            </a:prstGeom>
+            <a:solidFill>
+              <a:schemeClr val="accent1"/>
+            </a:solidFill>
+            <a:ln w="9525" cap="flat" cmpd="sng" algn="ctr">
+              <a:noFill/>
+              <a:prstDash val="solid"/>
+              <a:round/>
+              <a:headEnd type="none" w="med" len="med"/>
+              <a:tailEnd type="none" w="med" len="med"/>
+            </a:ln>
+            <a:effectLst/>
+          </p:spPr>
+          <p:txBody>
+            <a:bodyPr vert="horz" wrap="square" lIns="91440" tIns="45720" rIns="91440" bIns="45720" numCol="1" rtlCol="0" anchor="t" anchorCtr="0" compatLnSpc="1">
+              <a:prstTxWarp prst="textNoShape">
+                <a:avLst/>
+              </a:prstTxWarp>
+            </a:bodyPr>
+            <a:lstStyle/>
+            <a:p>
+              <a:pPr marL="0" marR="0" indent="0" algn="l" defTabSz="914400" rtl="0" eaLnBrk="1" fontAlgn="base" latinLnBrk="0" hangingPunct="1">
+                <a:lnSpc>
+                  <a:spcPct val="100000"/>
+                </a:lnSpc>
+                <a:spcBef>
+                  <a:spcPct val="0"/>
+                </a:spcBef>
+                <a:spcAft>
+                  <a:spcPct val="0"/>
+                </a:spcAft>
+                <a:buClrTx/>
+                <a:buSzTx/>
+                <a:buFontTx/>
+                <a:buNone/>
+                <a:tabLst/>
+              </a:pPr>
+              <a:endParaRPr kumimoji="0" lang="en-US" sz="2800" b="1" i="0" u="none" strike="noStrike" cap="none" normalizeH="0" baseline="0" smtClean="0">
+                <a:ln>
+                  <a:noFill/>
+                </a:ln>
+                <a:solidFill>
+                  <a:schemeClr val="tx1"/>
+                </a:solidFill>
+                <a:effectLst/>
+                <a:latin typeface="Arial" charset="0"/>
+              </a:endParaRPr>
+            </a:p>
+          </p:txBody>
+        </p:sp>
+        <p:cxnSp>
+          <p:nvCxnSpPr>
+            <p:cNvPr id="39" name="Straight Connector 38"/>
+            <p:cNvCxnSpPr/>
+            <p:nvPr/>
+          </p:nvCxnSpPr>
+          <p:spPr bwMode="auto">
+            <a:xfrm flipH="1">
+              <a:off x="3479949" y="2738120"/>
+              <a:ext cx="15091" cy="1021080"/>
+            </a:xfrm>
+            <a:prstGeom prst="line">
+              <a:avLst/>
+            </a:prstGeom>
+            <a:solidFill>
+              <a:schemeClr val="accent1"/>
+            </a:solidFill>
+            <a:ln w="19050" cap="flat" cmpd="sng" algn="ctr">
+              <a:solidFill>
+                <a:schemeClr val="accent1">
+                  <a:lumMod val="90000"/>
+                </a:schemeClr>
+              </a:solidFill>
+              <a:prstDash val="sysDot"/>
+              <a:round/>
+              <a:headEnd type="none" w="med" len="med"/>
+              <a:tailEnd type="none" w="med" len="med"/>
+            </a:ln>
+            <a:effectLst/>
+          </p:spPr>
+        </p:cxnSp>
+      </p:grpSp>
+      <p:grpSp>
+        <p:nvGrpSpPr>
+          <p:cNvPr id="30" name="Group 29"/>
+          <p:cNvGrpSpPr/>
+          <p:nvPr/>
+        </p:nvGrpSpPr>
+        <p:grpSpPr>
+          <a:xfrm>
+            <a:off x="4055690" y="3749040"/>
+            <a:ext cx="137160" cy="274320"/>
+            <a:chOff x="4055690" y="3063240"/>
+            <a:chExt cx="137160" cy="274320"/>
+          </a:xfrm>
+        </p:grpSpPr>
+        <p:sp>
+          <p:nvSpPr>
+            <p:cNvPr id="13" name="Oval 12"/>
+            <p:cNvSpPr/>
+            <p:nvPr/>
+          </p:nvSpPr>
+          <p:spPr bwMode="auto">
+            <a:xfrm>
+              <a:off x="4055690" y="3063240"/>
+              <a:ext cx="137160" cy="137160"/>
+            </a:xfrm>
+            <a:prstGeom prst="ellipse">
+              <a:avLst/>
+            </a:prstGeom>
+            <a:solidFill>
+              <a:schemeClr val="accent1"/>
+            </a:solidFill>
+            <a:ln w="9525" cap="flat" cmpd="sng" algn="ctr">
+              <a:noFill/>
+              <a:prstDash val="solid"/>
+              <a:round/>
+              <a:headEnd type="none" w="med" len="med"/>
+              <a:tailEnd type="none" w="med" len="med"/>
+            </a:ln>
+            <a:effectLst/>
+          </p:spPr>
+          <p:txBody>
+            <a:bodyPr vert="horz" wrap="square" lIns="91440" tIns="45720" rIns="91440" bIns="45720" numCol="1" rtlCol="0" anchor="t" anchorCtr="0" compatLnSpc="1">
+              <a:prstTxWarp prst="textNoShape">
+                <a:avLst/>
+              </a:prstTxWarp>
+            </a:bodyPr>
+            <a:lstStyle/>
+            <a:p>
+              <a:pPr marL="0" marR="0" indent="0" algn="l" defTabSz="914400" rtl="0" eaLnBrk="1" fontAlgn="base" latinLnBrk="0" hangingPunct="1">
+                <a:lnSpc>
+                  <a:spcPct val="100000"/>
+                </a:lnSpc>
+                <a:spcBef>
+                  <a:spcPct val="0"/>
+                </a:spcBef>
+                <a:spcAft>
+                  <a:spcPct val="0"/>
+                </a:spcAft>
+                <a:buClrTx/>
+                <a:buSzTx/>
+                <a:buFontTx/>
+                <a:buNone/>
+                <a:tabLst/>
+              </a:pPr>
+              <a:endParaRPr kumimoji="0" lang="en-US" sz="2800" b="1" i="0" u="none" strike="noStrike" cap="none" normalizeH="0" baseline="0" smtClean="0">
+                <a:ln>
+                  <a:noFill/>
+                </a:ln>
+                <a:solidFill>
+                  <a:schemeClr val="tx1"/>
+                </a:solidFill>
+                <a:effectLst/>
+                <a:latin typeface="Arial" charset="0"/>
+              </a:endParaRPr>
+            </a:p>
+          </p:txBody>
+        </p:sp>
+        <p:cxnSp>
+          <p:nvCxnSpPr>
+            <p:cNvPr id="41" name="Straight Connector 40"/>
+            <p:cNvCxnSpPr/>
+            <p:nvPr/>
+          </p:nvCxnSpPr>
+          <p:spPr bwMode="auto">
+            <a:xfrm>
+              <a:off x="4124270" y="3137185"/>
+              <a:ext cx="0" cy="200375"/>
+            </a:xfrm>
+            <a:prstGeom prst="line">
+              <a:avLst/>
+            </a:prstGeom>
+            <a:solidFill>
+              <a:schemeClr val="accent1"/>
+            </a:solidFill>
+            <a:ln w="19050" cap="flat" cmpd="sng" algn="ctr">
+              <a:solidFill>
+                <a:schemeClr val="accent1">
+                  <a:lumMod val="90000"/>
+                </a:schemeClr>
+              </a:solidFill>
+              <a:prstDash val="sysDot"/>
+              <a:round/>
+              <a:headEnd type="none" w="med" len="med"/>
+              <a:tailEnd type="none" w="med" len="med"/>
+            </a:ln>
+            <a:effectLst/>
+          </p:spPr>
+        </p:cxnSp>
+      </p:grpSp>
+      <p:grpSp>
+        <p:nvGrpSpPr>
+          <p:cNvPr id="29" name="Group 28"/>
+          <p:cNvGrpSpPr/>
+          <p:nvPr/>
+        </p:nvGrpSpPr>
+        <p:grpSpPr>
+          <a:xfrm>
+            <a:off x="4800600" y="3048000"/>
+            <a:ext cx="137160" cy="441960"/>
+            <a:chOff x="4800600" y="2362200"/>
+            <a:chExt cx="137160" cy="441960"/>
+          </a:xfrm>
+        </p:grpSpPr>
+        <p:sp>
+          <p:nvSpPr>
+            <p:cNvPr id="12" name="Oval 11"/>
+            <p:cNvSpPr/>
+            <p:nvPr/>
+          </p:nvSpPr>
+          <p:spPr bwMode="auto">
+            <a:xfrm>
+              <a:off x="4800600" y="2362200"/>
+              <a:ext cx="137160" cy="137160"/>
+            </a:xfrm>
+            <a:prstGeom prst="ellipse">
+              <a:avLst/>
+            </a:prstGeom>
+            <a:solidFill>
+              <a:schemeClr val="accent1"/>
+            </a:solidFill>
+            <a:ln w="9525" cap="flat" cmpd="sng" algn="ctr">
+              <a:noFill/>
+              <a:prstDash val="solid"/>
+              <a:round/>
+              <a:headEnd type="none" w="med" len="med"/>
+              <a:tailEnd type="none" w="med" len="med"/>
+            </a:ln>
+            <a:effectLst/>
+          </p:spPr>
+          <p:txBody>
+            <a:bodyPr vert="horz" wrap="square" lIns="91440" tIns="45720" rIns="91440" bIns="45720" numCol="1" rtlCol="0" anchor="t" anchorCtr="0" compatLnSpc="1">
+              <a:prstTxWarp prst="textNoShape">
+                <a:avLst/>
+              </a:prstTxWarp>
+            </a:bodyPr>
+            <a:lstStyle/>
+            <a:p>
+              <a:pPr marL="0" marR="0" indent="0" algn="l" defTabSz="914400" rtl="0" eaLnBrk="1" fontAlgn="base" latinLnBrk="0" hangingPunct="1">
+                <a:lnSpc>
+                  <a:spcPct val="100000"/>
+                </a:lnSpc>
+                <a:spcBef>
+                  <a:spcPct val="0"/>
+                </a:spcBef>
+                <a:spcAft>
+                  <a:spcPct val="0"/>
+                </a:spcAft>
+                <a:buClrTx/>
+                <a:buSzTx/>
+                <a:buFontTx/>
+                <a:buNone/>
+                <a:tabLst/>
+              </a:pPr>
+              <a:endParaRPr kumimoji="0" lang="en-US" sz="2800" b="1" i="0" u="none" strike="noStrike" cap="none" normalizeH="0" baseline="0" smtClean="0">
+                <a:ln>
+                  <a:noFill/>
+                </a:ln>
+                <a:solidFill>
+                  <a:schemeClr val="tx1"/>
+                </a:solidFill>
+                <a:effectLst/>
+                <a:latin typeface="Arial" charset="0"/>
+              </a:endParaRPr>
+            </a:p>
+          </p:txBody>
+        </p:sp>
+        <p:cxnSp>
+          <p:nvCxnSpPr>
+            <p:cNvPr id="43" name="Straight Connector 42"/>
+            <p:cNvCxnSpPr/>
+            <p:nvPr/>
+          </p:nvCxnSpPr>
+          <p:spPr bwMode="auto">
+            <a:xfrm>
+              <a:off x="4869180" y="2430780"/>
+              <a:ext cx="0" cy="373380"/>
+            </a:xfrm>
+            <a:prstGeom prst="line">
+              <a:avLst/>
+            </a:prstGeom>
+            <a:solidFill>
+              <a:schemeClr val="accent1"/>
+            </a:solidFill>
+            <a:ln w="19050" cap="flat" cmpd="sng" algn="ctr">
+              <a:solidFill>
+                <a:schemeClr val="accent1">
+                  <a:lumMod val="90000"/>
+                </a:schemeClr>
+              </a:solidFill>
+              <a:prstDash val="sysDot"/>
+              <a:round/>
+              <a:headEnd type="none" w="med" len="med"/>
+              <a:tailEnd type="none" w="med" len="med"/>
+            </a:ln>
+            <a:effectLst/>
+          </p:spPr>
+        </p:cxnSp>
+      </p:grpSp>
+      <p:grpSp>
+        <p:nvGrpSpPr>
+          <p:cNvPr id="28" name="Group 27"/>
+          <p:cNvGrpSpPr/>
+          <p:nvPr/>
+        </p:nvGrpSpPr>
+        <p:grpSpPr>
+          <a:xfrm>
+            <a:off x="4655820" y="2293620"/>
+            <a:ext cx="137160" cy="1288263"/>
+            <a:chOff x="4655820" y="1607820"/>
+            <a:chExt cx="137160" cy="1288263"/>
+          </a:xfrm>
+        </p:grpSpPr>
+        <p:sp>
+          <p:nvSpPr>
+            <p:cNvPr id="11" name="Oval 10"/>
+            <p:cNvSpPr/>
+            <p:nvPr/>
+          </p:nvSpPr>
+          <p:spPr bwMode="auto">
+            <a:xfrm>
+              <a:off x="4655820" y="1607820"/>
+              <a:ext cx="137160" cy="137160"/>
+            </a:xfrm>
+            <a:prstGeom prst="ellipse">
+              <a:avLst/>
+            </a:prstGeom>
+            <a:solidFill>
+              <a:schemeClr val="accent1"/>
+            </a:solidFill>
+            <a:ln w="9525" cap="flat" cmpd="sng" algn="ctr">
+              <a:noFill/>
+              <a:prstDash val="solid"/>
+              <a:round/>
+              <a:headEnd type="none" w="med" len="med"/>
+              <a:tailEnd type="none" w="med" len="med"/>
+            </a:ln>
+            <a:effectLst/>
+          </p:spPr>
+          <p:txBody>
+            <a:bodyPr vert="horz" wrap="square" lIns="91440" tIns="45720" rIns="91440" bIns="45720" numCol="1" rtlCol="0" anchor="t" anchorCtr="0" compatLnSpc="1">
+              <a:prstTxWarp prst="textNoShape">
+                <a:avLst/>
+              </a:prstTxWarp>
+            </a:bodyPr>
+            <a:lstStyle/>
+            <a:p>
+              <a:pPr marL="0" marR="0" indent="0" algn="l" defTabSz="914400" rtl="0" eaLnBrk="1" fontAlgn="base" latinLnBrk="0" hangingPunct="1">
+                <a:lnSpc>
+                  <a:spcPct val="100000"/>
+                </a:lnSpc>
+                <a:spcBef>
+                  <a:spcPct val="0"/>
+                </a:spcBef>
+                <a:spcAft>
+                  <a:spcPct val="0"/>
+                </a:spcAft>
+                <a:buClrTx/>
+                <a:buSzTx/>
+                <a:buFontTx/>
+                <a:buNone/>
+                <a:tabLst/>
+              </a:pPr>
+              <a:endParaRPr kumimoji="0" lang="en-US" sz="2800" b="1" i="0" u="none" strike="noStrike" cap="none" normalizeH="0" baseline="0" smtClean="0">
+                <a:ln>
+                  <a:noFill/>
+                </a:ln>
+                <a:solidFill>
+                  <a:schemeClr val="tx1"/>
+                </a:solidFill>
+                <a:effectLst/>
+                <a:latin typeface="Arial" charset="0"/>
+              </a:endParaRPr>
+            </a:p>
+          </p:txBody>
+        </p:sp>
+        <p:cxnSp>
+          <p:nvCxnSpPr>
+            <p:cNvPr id="45" name="Straight Connector 44"/>
+            <p:cNvCxnSpPr/>
+            <p:nvPr/>
+          </p:nvCxnSpPr>
+          <p:spPr bwMode="auto">
+            <a:xfrm>
+              <a:off x="4724400" y="1668780"/>
+              <a:ext cx="9470" cy="1227303"/>
+            </a:xfrm>
+            <a:prstGeom prst="line">
+              <a:avLst/>
+            </a:prstGeom>
+            <a:solidFill>
+              <a:schemeClr val="accent1"/>
+            </a:solidFill>
+            <a:ln w="19050" cap="flat" cmpd="sng" algn="ctr">
+              <a:solidFill>
+                <a:schemeClr val="accent1">
+                  <a:lumMod val="90000"/>
+                </a:schemeClr>
+              </a:solidFill>
+              <a:prstDash val="sysDot"/>
+              <a:round/>
+              <a:headEnd type="none" w="med" len="med"/>
+              <a:tailEnd type="none" w="med" len="med"/>
+            </a:ln>
+            <a:effectLst/>
+          </p:spPr>
+        </p:cxnSp>
+      </p:grpSp>
+      <p:grpSp>
+        <p:nvGrpSpPr>
+          <p:cNvPr id="24" name="Group 23"/>
+          <p:cNvGrpSpPr/>
+          <p:nvPr/>
+        </p:nvGrpSpPr>
+        <p:grpSpPr>
+          <a:xfrm>
+            <a:off x="5512145" y="2133600"/>
+            <a:ext cx="137160" cy="830580"/>
+            <a:chOff x="5512145" y="1447800"/>
+            <a:chExt cx="137160" cy="830580"/>
+          </a:xfrm>
+        </p:grpSpPr>
+        <p:sp>
+          <p:nvSpPr>
+            <p:cNvPr id="10" name="Oval 9"/>
+            <p:cNvSpPr/>
+            <p:nvPr/>
+          </p:nvSpPr>
+          <p:spPr bwMode="auto">
+            <a:xfrm>
+              <a:off x="5512145" y="1447800"/>
+              <a:ext cx="137160" cy="137160"/>
+            </a:xfrm>
+            <a:prstGeom prst="ellipse">
+              <a:avLst/>
+            </a:prstGeom>
+            <a:solidFill>
+              <a:schemeClr val="accent1"/>
+            </a:solidFill>
+            <a:ln w="9525" cap="flat" cmpd="sng" algn="ctr">
+              <a:noFill/>
+              <a:prstDash val="solid"/>
+              <a:round/>
+              <a:headEnd type="none" w="med" len="med"/>
+              <a:tailEnd type="none" w="med" len="med"/>
+            </a:ln>
+            <a:effectLst/>
+          </p:spPr>
+          <p:txBody>
+            <a:bodyPr vert="horz" wrap="square" lIns="91440" tIns="45720" rIns="91440" bIns="45720" numCol="1" rtlCol="0" anchor="t" anchorCtr="0" compatLnSpc="1">
+              <a:prstTxWarp prst="textNoShape">
+                <a:avLst/>
+              </a:prstTxWarp>
+            </a:bodyPr>
+            <a:lstStyle/>
+            <a:p>
+              <a:pPr marL="0" marR="0" indent="0" algn="l" defTabSz="914400" rtl="0" eaLnBrk="1" fontAlgn="base" latinLnBrk="0" hangingPunct="1">
+                <a:lnSpc>
+                  <a:spcPct val="100000"/>
+                </a:lnSpc>
+                <a:spcBef>
+                  <a:spcPct val="0"/>
+                </a:spcBef>
+                <a:spcAft>
+                  <a:spcPct val="0"/>
+                </a:spcAft>
+                <a:buClrTx/>
+                <a:buSzTx/>
+                <a:buFontTx/>
+                <a:buNone/>
+                <a:tabLst/>
+              </a:pPr>
+              <a:endParaRPr kumimoji="0" lang="en-US" sz="2800" b="1" i="0" u="none" strike="noStrike" cap="none" normalizeH="0" baseline="0" smtClean="0">
+                <a:ln>
+                  <a:noFill/>
+                </a:ln>
+                <a:solidFill>
+                  <a:schemeClr val="tx1"/>
+                </a:solidFill>
+                <a:effectLst/>
+                <a:latin typeface="Arial" charset="0"/>
+              </a:endParaRPr>
+            </a:p>
+          </p:txBody>
+        </p:sp>
+        <p:cxnSp>
+          <p:nvCxnSpPr>
+            <p:cNvPr id="47" name="Straight Connector 46"/>
+            <p:cNvCxnSpPr/>
+            <p:nvPr/>
+          </p:nvCxnSpPr>
+          <p:spPr bwMode="auto">
+            <a:xfrm flipH="1">
+              <a:off x="5577988" y="1516380"/>
+              <a:ext cx="1160" cy="762000"/>
+            </a:xfrm>
+            <a:prstGeom prst="line">
+              <a:avLst/>
+            </a:prstGeom>
+            <a:solidFill>
+              <a:schemeClr val="accent1"/>
+            </a:solidFill>
+            <a:ln w="19050" cap="flat" cmpd="sng" algn="ctr">
+              <a:solidFill>
+                <a:schemeClr val="accent1">
+                  <a:lumMod val="90000"/>
+                </a:schemeClr>
+              </a:solidFill>
+              <a:prstDash val="sysDot"/>
+              <a:round/>
+              <a:headEnd type="none" w="med" len="med"/>
+              <a:tailEnd type="none" w="med" len="med"/>
+            </a:ln>
+            <a:effectLst/>
+          </p:spPr>
+        </p:cxnSp>
+      </p:grpSp>
+      <p:grpSp>
+        <p:nvGrpSpPr>
+          <p:cNvPr id="2" name="Group 1"/>
+          <p:cNvGrpSpPr/>
+          <p:nvPr/>
+        </p:nvGrpSpPr>
+        <p:grpSpPr>
+          <a:xfrm>
+            <a:off x="3200400" y="4648200"/>
+            <a:ext cx="137160" cy="304800"/>
+            <a:chOff x="3200400" y="3962400"/>
+            <a:chExt cx="137160" cy="304800"/>
+          </a:xfrm>
+        </p:grpSpPr>
+        <p:sp>
+          <p:nvSpPr>
+            <p:cNvPr id="16" name="Oval 15"/>
+            <p:cNvSpPr/>
+            <p:nvPr/>
+          </p:nvSpPr>
+          <p:spPr bwMode="auto">
+            <a:xfrm>
+              <a:off x="3200400" y="4130040"/>
+              <a:ext cx="137160" cy="137160"/>
+            </a:xfrm>
+            <a:prstGeom prst="ellipse">
+              <a:avLst/>
+            </a:prstGeom>
+            <a:solidFill>
+              <a:srgbClr val="FF0000"/>
+            </a:solidFill>
+            <a:ln w="9525" cap="flat" cmpd="sng" algn="ctr">
+              <a:noFill/>
+              <a:prstDash val="solid"/>
+              <a:round/>
+              <a:headEnd type="none" w="med" len="med"/>
+              <a:tailEnd type="none" w="med" len="med"/>
+            </a:ln>
+            <a:effectLst/>
+          </p:spPr>
+          <p:txBody>
+            <a:bodyPr vert="horz" wrap="square" lIns="91440" tIns="45720" rIns="91440" bIns="45720" numCol="1" rtlCol="0" anchor="t" anchorCtr="0" compatLnSpc="1">
+              <a:prstTxWarp prst="textNoShape">
+                <a:avLst/>
+              </a:prstTxWarp>
+            </a:bodyPr>
+            <a:lstStyle/>
+            <a:p>
+              <a:pPr marL="0" marR="0" indent="0" algn="l" defTabSz="914400" rtl="0" eaLnBrk="1" fontAlgn="base" latinLnBrk="0" hangingPunct="1">
+                <a:lnSpc>
+                  <a:spcPct val="100000"/>
+                </a:lnSpc>
+                <a:spcBef>
+                  <a:spcPct val="0"/>
+                </a:spcBef>
+                <a:spcAft>
+                  <a:spcPct val="0"/>
+                </a:spcAft>
+                <a:buClrTx/>
+                <a:buSzTx/>
+                <a:buFontTx/>
+                <a:buNone/>
+                <a:tabLst/>
+              </a:pPr>
+              <a:endParaRPr kumimoji="0" lang="en-US" sz="2800" b="1" i="0" u="none" strike="noStrike" cap="none" normalizeH="0" baseline="0" smtClean="0">
+                <a:ln>
+                  <a:noFill/>
+                </a:ln>
+                <a:solidFill>
+                  <a:schemeClr val="tx1"/>
+                </a:solidFill>
+                <a:effectLst/>
+                <a:latin typeface="Arial" charset="0"/>
+              </a:endParaRPr>
+            </a:p>
+          </p:txBody>
+        </p:sp>
+        <p:cxnSp>
+          <p:nvCxnSpPr>
+            <p:cNvPr id="49" name="Straight Connector 48"/>
+            <p:cNvCxnSpPr/>
+            <p:nvPr/>
+          </p:nvCxnSpPr>
+          <p:spPr bwMode="auto">
+            <a:xfrm>
+              <a:off x="3268980" y="3962400"/>
+              <a:ext cx="0" cy="190500"/>
+            </a:xfrm>
+            <a:prstGeom prst="line">
+              <a:avLst/>
+            </a:prstGeom>
+            <a:solidFill>
+              <a:schemeClr val="accent1"/>
+            </a:solidFill>
+            <a:ln w="19050" cap="flat" cmpd="sng" algn="ctr">
+              <a:solidFill>
+                <a:srgbClr val="FF0000"/>
+              </a:solidFill>
+              <a:prstDash val="sysDot"/>
+              <a:round/>
+              <a:headEnd type="none" w="med" len="med"/>
+              <a:tailEnd type="none" w="med" len="med"/>
+            </a:ln>
+            <a:effectLst/>
+          </p:spPr>
+        </p:cxnSp>
+      </p:grpSp>
+      <p:grpSp>
+        <p:nvGrpSpPr>
+          <p:cNvPr id="3" name="Group 2"/>
+          <p:cNvGrpSpPr/>
+          <p:nvPr/>
+        </p:nvGrpSpPr>
+        <p:grpSpPr>
+          <a:xfrm>
+            <a:off x="4055690" y="4036345"/>
+            <a:ext cx="137160" cy="992855"/>
+            <a:chOff x="4055690" y="3350545"/>
+            <a:chExt cx="137160" cy="992855"/>
+          </a:xfrm>
+        </p:grpSpPr>
+        <p:sp>
+          <p:nvSpPr>
+            <p:cNvPr id="17" name="Oval 16"/>
+            <p:cNvSpPr/>
+            <p:nvPr/>
+          </p:nvSpPr>
+          <p:spPr bwMode="auto">
+            <a:xfrm>
+              <a:off x="4055690" y="4206240"/>
+              <a:ext cx="137160" cy="137160"/>
+            </a:xfrm>
+            <a:prstGeom prst="ellipse">
+              <a:avLst/>
+            </a:prstGeom>
+            <a:solidFill>
+              <a:srgbClr val="FF0000"/>
+            </a:solidFill>
+            <a:ln w="9525" cap="flat" cmpd="sng" algn="ctr">
+              <a:noFill/>
+              <a:prstDash val="solid"/>
+              <a:round/>
+              <a:headEnd type="none" w="med" len="med"/>
+              <a:tailEnd type="none" w="med" len="med"/>
+            </a:ln>
+            <a:effectLst/>
+          </p:spPr>
+          <p:txBody>
+            <a:bodyPr vert="horz" wrap="square" lIns="91440" tIns="45720" rIns="91440" bIns="45720" numCol="1" rtlCol="0" anchor="t" anchorCtr="0" compatLnSpc="1">
+              <a:prstTxWarp prst="textNoShape">
+                <a:avLst/>
+              </a:prstTxWarp>
+            </a:bodyPr>
+            <a:lstStyle/>
+            <a:p>
+              <a:pPr marL="0" marR="0" indent="0" algn="l" defTabSz="914400" rtl="0" eaLnBrk="1" fontAlgn="base" latinLnBrk="0" hangingPunct="1">
+                <a:lnSpc>
+                  <a:spcPct val="100000"/>
+                </a:lnSpc>
+                <a:spcBef>
+                  <a:spcPct val="0"/>
+                </a:spcBef>
+                <a:spcAft>
+                  <a:spcPct val="0"/>
+                </a:spcAft>
+                <a:buClrTx/>
+                <a:buSzTx/>
+                <a:buFontTx/>
+                <a:buNone/>
+                <a:tabLst/>
+              </a:pPr>
+              <a:endParaRPr kumimoji="0" lang="en-US" sz="2800" b="1" i="0" u="none" strike="noStrike" cap="none" normalizeH="0" baseline="0" smtClean="0">
+                <a:ln>
+                  <a:noFill/>
+                </a:ln>
+                <a:solidFill>
+                  <a:schemeClr val="tx1"/>
+                </a:solidFill>
+                <a:effectLst/>
+                <a:latin typeface="Arial" charset="0"/>
+              </a:endParaRPr>
+            </a:p>
+          </p:txBody>
+        </p:sp>
+        <p:cxnSp>
+          <p:nvCxnSpPr>
+            <p:cNvPr id="51" name="Straight Connector 50"/>
+            <p:cNvCxnSpPr/>
+            <p:nvPr/>
+          </p:nvCxnSpPr>
+          <p:spPr bwMode="auto">
+            <a:xfrm>
+              <a:off x="4124270" y="3350545"/>
+              <a:ext cx="0" cy="916655"/>
+            </a:xfrm>
+            <a:prstGeom prst="line">
+              <a:avLst/>
+            </a:prstGeom>
+            <a:solidFill>
+              <a:schemeClr val="accent1"/>
+            </a:solidFill>
+            <a:ln w="19050" cap="flat" cmpd="sng" algn="ctr">
+              <a:solidFill>
+                <a:srgbClr val="FF0000"/>
+              </a:solidFill>
+              <a:prstDash val="sysDot"/>
+              <a:round/>
+              <a:headEnd type="none" w="med" len="med"/>
+              <a:tailEnd type="none" w="med" len="med"/>
+            </a:ln>
+            <a:effectLst/>
+          </p:spPr>
+        </p:cxnSp>
+      </p:grpSp>
+      <p:grpSp>
+        <p:nvGrpSpPr>
+          <p:cNvPr id="6" name="Group 5"/>
+          <p:cNvGrpSpPr/>
+          <p:nvPr/>
+        </p:nvGrpSpPr>
+        <p:grpSpPr>
+          <a:xfrm>
+            <a:off x="4474790" y="3733800"/>
+            <a:ext cx="137160" cy="289560"/>
+            <a:chOff x="4474790" y="3048000"/>
+            <a:chExt cx="137160" cy="289560"/>
+          </a:xfrm>
+        </p:grpSpPr>
+        <p:sp>
+          <p:nvSpPr>
+            <p:cNvPr id="18" name="Oval 17"/>
+            <p:cNvSpPr/>
+            <p:nvPr/>
+          </p:nvSpPr>
+          <p:spPr bwMode="auto">
+            <a:xfrm>
+              <a:off x="4474790" y="3200400"/>
+              <a:ext cx="137160" cy="137160"/>
+            </a:xfrm>
+            <a:prstGeom prst="ellipse">
+              <a:avLst/>
+            </a:prstGeom>
+            <a:solidFill>
+              <a:srgbClr val="FF0000"/>
+            </a:solidFill>
+            <a:ln w="9525" cap="flat" cmpd="sng" algn="ctr">
+              <a:noFill/>
+              <a:prstDash val="solid"/>
+              <a:round/>
+              <a:headEnd type="none" w="med" len="med"/>
+              <a:tailEnd type="none" w="med" len="med"/>
+            </a:ln>
+            <a:effectLst/>
+          </p:spPr>
+          <p:txBody>
+            <a:bodyPr vert="horz" wrap="square" lIns="91440" tIns="45720" rIns="91440" bIns="45720" numCol="1" rtlCol="0" anchor="t" anchorCtr="0" compatLnSpc="1">
+              <a:prstTxWarp prst="textNoShape">
+                <a:avLst/>
+              </a:prstTxWarp>
+            </a:bodyPr>
+            <a:lstStyle/>
+            <a:p>
+              <a:pPr marL="0" marR="0" indent="0" algn="l" defTabSz="914400" rtl="0" eaLnBrk="1" fontAlgn="base" latinLnBrk="0" hangingPunct="1">
+                <a:lnSpc>
+                  <a:spcPct val="100000"/>
+                </a:lnSpc>
+                <a:spcBef>
+                  <a:spcPct val="0"/>
+                </a:spcBef>
+                <a:spcAft>
+                  <a:spcPct val="0"/>
+                </a:spcAft>
+                <a:buClrTx/>
+                <a:buSzTx/>
+                <a:buFontTx/>
+                <a:buNone/>
+                <a:tabLst/>
+              </a:pPr>
+              <a:endParaRPr kumimoji="0" lang="en-US" sz="2800" b="1" i="0" u="none" strike="noStrike" cap="none" normalizeH="0" baseline="0" smtClean="0">
+                <a:ln>
+                  <a:noFill/>
+                </a:ln>
+                <a:solidFill>
+                  <a:schemeClr val="tx1"/>
+                </a:solidFill>
+                <a:effectLst/>
+                <a:latin typeface="Arial" charset="0"/>
+              </a:endParaRPr>
+            </a:p>
+          </p:txBody>
+        </p:sp>
+        <p:cxnSp>
+          <p:nvCxnSpPr>
+            <p:cNvPr id="53" name="Straight Connector 52"/>
+            <p:cNvCxnSpPr/>
+            <p:nvPr/>
+          </p:nvCxnSpPr>
+          <p:spPr bwMode="auto">
+            <a:xfrm>
+              <a:off x="4543370" y="3048000"/>
+              <a:ext cx="0" cy="189372"/>
+            </a:xfrm>
+            <a:prstGeom prst="line">
+              <a:avLst/>
+            </a:prstGeom>
+            <a:solidFill>
+              <a:schemeClr val="accent1"/>
+            </a:solidFill>
+            <a:ln w="19050" cap="flat" cmpd="sng" algn="ctr">
+              <a:solidFill>
+                <a:srgbClr val="FF0000"/>
+              </a:solidFill>
+              <a:prstDash val="sysDot"/>
+              <a:round/>
+              <a:headEnd type="none" w="med" len="med"/>
+              <a:tailEnd type="none" w="med" len="med"/>
+            </a:ln>
+            <a:effectLst/>
+          </p:spPr>
+        </p:cxnSp>
+      </p:grpSp>
+      <p:grpSp>
+        <p:nvGrpSpPr>
+          <p:cNvPr id="9" name="Group 8"/>
+          <p:cNvGrpSpPr/>
+          <p:nvPr/>
+        </p:nvGrpSpPr>
+        <p:grpSpPr>
+          <a:xfrm>
+            <a:off x="5196840" y="3185160"/>
+            <a:ext cx="137160" cy="1234440"/>
+            <a:chOff x="5196840" y="2499360"/>
+            <a:chExt cx="137160" cy="1234440"/>
+          </a:xfrm>
+        </p:grpSpPr>
+        <p:sp>
+          <p:nvSpPr>
+            <p:cNvPr id="21" name="Oval 20"/>
+            <p:cNvSpPr/>
+            <p:nvPr/>
+          </p:nvSpPr>
+          <p:spPr bwMode="auto">
+            <a:xfrm>
+              <a:off x="5196840" y="3596640"/>
+              <a:ext cx="137160" cy="137160"/>
+            </a:xfrm>
+            <a:prstGeom prst="ellipse">
+              <a:avLst/>
+            </a:prstGeom>
+            <a:solidFill>
+              <a:srgbClr val="FF0000"/>
+            </a:solidFill>
+            <a:ln w="9525" cap="flat" cmpd="sng" algn="ctr">
+              <a:noFill/>
+              <a:prstDash val="solid"/>
+              <a:round/>
+              <a:headEnd type="none" w="med" len="med"/>
+              <a:tailEnd type="none" w="med" len="med"/>
+            </a:ln>
+            <a:effectLst/>
+          </p:spPr>
+          <p:txBody>
+            <a:bodyPr vert="horz" wrap="square" lIns="91440" tIns="45720" rIns="91440" bIns="45720" numCol="1" rtlCol="0" anchor="t" anchorCtr="0" compatLnSpc="1">
+              <a:prstTxWarp prst="textNoShape">
+                <a:avLst/>
+              </a:prstTxWarp>
+            </a:bodyPr>
+            <a:lstStyle/>
+            <a:p>
+              <a:pPr marL="0" marR="0" indent="0" algn="l" defTabSz="914400" rtl="0" eaLnBrk="1" fontAlgn="base" latinLnBrk="0" hangingPunct="1">
+                <a:lnSpc>
+                  <a:spcPct val="100000"/>
+                </a:lnSpc>
+                <a:spcBef>
+                  <a:spcPct val="0"/>
+                </a:spcBef>
+                <a:spcAft>
+                  <a:spcPct val="0"/>
+                </a:spcAft>
+                <a:buClrTx/>
+                <a:buSzTx/>
+                <a:buFontTx/>
+                <a:buNone/>
+                <a:tabLst/>
+              </a:pPr>
+              <a:endParaRPr kumimoji="0" lang="en-US" sz="2800" b="1" i="0" u="none" strike="noStrike" cap="none" normalizeH="0" baseline="0" smtClean="0">
+                <a:ln>
+                  <a:noFill/>
+                </a:ln>
+                <a:solidFill>
+                  <a:schemeClr val="tx1"/>
+                </a:solidFill>
+                <a:effectLst/>
+                <a:latin typeface="Arial" charset="0"/>
+              </a:endParaRPr>
+            </a:p>
+          </p:txBody>
+        </p:sp>
+        <p:cxnSp>
+          <p:nvCxnSpPr>
+            <p:cNvPr id="55" name="Straight Connector 54"/>
+            <p:cNvCxnSpPr/>
+            <p:nvPr/>
+          </p:nvCxnSpPr>
+          <p:spPr bwMode="auto">
+            <a:xfrm flipH="1">
+              <a:off x="5264730" y="2499360"/>
+              <a:ext cx="690" cy="1163605"/>
+            </a:xfrm>
+            <a:prstGeom prst="line">
+              <a:avLst/>
+            </a:prstGeom>
+            <a:solidFill>
+              <a:schemeClr val="accent1"/>
+            </a:solidFill>
+            <a:ln w="19050" cap="flat" cmpd="sng" algn="ctr">
+              <a:solidFill>
+                <a:srgbClr val="FF0000"/>
+              </a:solidFill>
+              <a:prstDash val="sysDot"/>
+              <a:round/>
+              <a:headEnd type="none" w="med" len="med"/>
+              <a:tailEnd type="none" w="med" len="med"/>
+            </a:ln>
+            <a:effectLst/>
+          </p:spPr>
+        </p:cxnSp>
+      </p:grpSp>
+      <p:grpSp>
+        <p:nvGrpSpPr>
+          <p:cNvPr id="22" name="Group 21"/>
+          <p:cNvGrpSpPr/>
+          <p:nvPr/>
+        </p:nvGrpSpPr>
+        <p:grpSpPr>
+          <a:xfrm>
+            <a:off x="5509408" y="2964180"/>
+            <a:ext cx="137160" cy="686283"/>
+            <a:chOff x="5509408" y="2278380"/>
+            <a:chExt cx="137160" cy="686283"/>
+          </a:xfrm>
+        </p:grpSpPr>
+        <p:sp>
+          <p:nvSpPr>
+            <p:cNvPr id="19" name="Oval 18"/>
+            <p:cNvSpPr/>
+            <p:nvPr/>
+          </p:nvSpPr>
+          <p:spPr bwMode="auto">
+            <a:xfrm>
+              <a:off x="5509408" y="2827503"/>
+              <a:ext cx="137160" cy="137160"/>
+            </a:xfrm>
+            <a:prstGeom prst="ellipse">
+              <a:avLst/>
+            </a:prstGeom>
+            <a:solidFill>
+              <a:srgbClr val="FF0000"/>
+            </a:solidFill>
+            <a:ln w="9525" cap="flat" cmpd="sng" algn="ctr">
+              <a:noFill/>
+              <a:prstDash val="solid"/>
+              <a:round/>
+              <a:headEnd type="none" w="med" len="med"/>
+              <a:tailEnd type="none" w="med" len="med"/>
+            </a:ln>
+            <a:effectLst/>
+          </p:spPr>
+          <p:txBody>
+            <a:bodyPr vert="horz" wrap="square" lIns="91440" tIns="45720" rIns="91440" bIns="45720" numCol="1" rtlCol="0" anchor="t" anchorCtr="0" compatLnSpc="1">
+              <a:prstTxWarp prst="textNoShape">
+                <a:avLst/>
+              </a:prstTxWarp>
+            </a:bodyPr>
+            <a:lstStyle/>
+            <a:p>
+              <a:pPr marL="0" marR="0" indent="0" algn="l" defTabSz="914400" rtl="0" eaLnBrk="1" fontAlgn="base" latinLnBrk="0" hangingPunct="1">
+                <a:lnSpc>
+                  <a:spcPct val="100000"/>
+                </a:lnSpc>
+                <a:spcBef>
+                  <a:spcPct val="0"/>
+                </a:spcBef>
+                <a:spcAft>
+                  <a:spcPct val="0"/>
+                </a:spcAft>
+                <a:buClrTx/>
+                <a:buSzTx/>
+                <a:buFontTx/>
+                <a:buNone/>
+                <a:tabLst/>
+              </a:pPr>
+              <a:endParaRPr kumimoji="0" lang="en-US" sz="2800" b="1" i="0" u="none" strike="noStrike" cap="none" normalizeH="0" baseline="0" smtClean="0">
+                <a:ln>
+                  <a:noFill/>
+                </a:ln>
+                <a:solidFill>
+                  <a:schemeClr val="tx1"/>
+                </a:solidFill>
+                <a:effectLst/>
+                <a:latin typeface="Arial" charset="0"/>
+              </a:endParaRPr>
+            </a:p>
+          </p:txBody>
+        </p:sp>
+        <p:cxnSp>
+          <p:nvCxnSpPr>
+            <p:cNvPr id="57" name="Straight Connector 56"/>
+            <p:cNvCxnSpPr/>
+            <p:nvPr/>
+          </p:nvCxnSpPr>
+          <p:spPr bwMode="auto">
+            <a:xfrm>
+              <a:off x="5567138" y="2278380"/>
+              <a:ext cx="0" cy="624840"/>
+            </a:xfrm>
+            <a:prstGeom prst="line">
+              <a:avLst/>
+            </a:prstGeom>
+            <a:solidFill>
+              <a:schemeClr val="accent1"/>
+            </a:solidFill>
+            <a:ln w="19050" cap="flat" cmpd="sng" algn="ctr">
+              <a:solidFill>
+                <a:srgbClr val="FF0000"/>
+              </a:solidFill>
+              <a:prstDash val="sysDot"/>
+              <a:round/>
+              <a:headEnd type="none" w="med" len="med"/>
+              <a:tailEnd type="none" w="med" len="med"/>
+            </a:ln>
+            <a:effectLst/>
+          </p:spPr>
+        </p:cxnSp>
+      </p:grpSp>
+      <p:grpSp>
+        <p:nvGrpSpPr>
+          <p:cNvPr id="23" name="Group 22"/>
+          <p:cNvGrpSpPr/>
+          <p:nvPr/>
+        </p:nvGrpSpPr>
+        <p:grpSpPr>
+          <a:xfrm>
+            <a:off x="6303590" y="2354580"/>
+            <a:ext cx="137160" cy="678180"/>
+            <a:chOff x="6303590" y="1668780"/>
+            <a:chExt cx="137160" cy="678180"/>
+          </a:xfrm>
+        </p:grpSpPr>
+        <p:sp>
+          <p:nvSpPr>
+            <p:cNvPr id="20" name="Oval 19"/>
+            <p:cNvSpPr/>
+            <p:nvPr/>
+          </p:nvSpPr>
+          <p:spPr bwMode="auto">
+            <a:xfrm>
+              <a:off x="6303590" y="2209800"/>
+              <a:ext cx="137160" cy="137160"/>
+            </a:xfrm>
+            <a:prstGeom prst="ellipse">
+              <a:avLst/>
+            </a:prstGeom>
+            <a:solidFill>
+              <a:srgbClr val="FF0000"/>
+            </a:solidFill>
+            <a:ln w="9525" cap="flat" cmpd="sng" algn="ctr">
+              <a:noFill/>
+              <a:prstDash val="solid"/>
+              <a:round/>
+              <a:headEnd type="none" w="med" len="med"/>
+              <a:tailEnd type="none" w="med" len="med"/>
+            </a:ln>
+            <a:effectLst/>
+          </p:spPr>
+          <p:txBody>
+            <a:bodyPr vert="horz" wrap="square" lIns="91440" tIns="45720" rIns="91440" bIns="45720" numCol="1" rtlCol="0" anchor="t" anchorCtr="0" compatLnSpc="1">
+              <a:prstTxWarp prst="textNoShape">
+                <a:avLst/>
+              </a:prstTxWarp>
+            </a:bodyPr>
+            <a:lstStyle/>
+            <a:p>
+              <a:pPr marL="0" marR="0" indent="0" algn="l" defTabSz="914400" rtl="0" eaLnBrk="1" fontAlgn="base" latinLnBrk="0" hangingPunct="1">
+                <a:lnSpc>
+                  <a:spcPct val="100000"/>
+                </a:lnSpc>
+                <a:spcBef>
+                  <a:spcPct val="0"/>
+                </a:spcBef>
+                <a:spcAft>
+                  <a:spcPct val="0"/>
+                </a:spcAft>
+                <a:buClrTx/>
+                <a:buSzTx/>
+                <a:buFontTx/>
+                <a:buNone/>
+                <a:tabLst/>
+              </a:pPr>
+              <a:endParaRPr kumimoji="0" lang="en-US" sz="2800" b="1" i="0" u="none" strike="noStrike" cap="none" normalizeH="0" baseline="0" smtClean="0">
+                <a:ln>
+                  <a:noFill/>
+                </a:ln>
+                <a:solidFill>
+                  <a:schemeClr val="tx1"/>
+                </a:solidFill>
+                <a:effectLst/>
+                <a:latin typeface="Arial" charset="0"/>
+              </a:endParaRPr>
+            </a:p>
+          </p:txBody>
+        </p:sp>
+        <p:cxnSp>
+          <p:nvCxnSpPr>
+            <p:cNvPr id="58" name="Straight Connector 57"/>
+            <p:cNvCxnSpPr/>
+            <p:nvPr/>
+          </p:nvCxnSpPr>
+          <p:spPr bwMode="auto">
+            <a:xfrm>
+              <a:off x="6372170" y="1668780"/>
+              <a:ext cx="0" cy="624840"/>
+            </a:xfrm>
+            <a:prstGeom prst="line">
+              <a:avLst/>
+            </a:prstGeom>
+            <a:solidFill>
+              <a:schemeClr val="accent1"/>
+            </a:solidFill>
+            <a:ln w="19050" cap="flat" cmpd="sng" algn="ctr">
+              <a:solidFill>
+                <a:srgbClr val="FF0000"/>
+              </a:solidFill>
+              <a:prstDash val="sysDot"/>
+              <a:round/>
+              <a:headEnd type="none" w="med" len="med"/>
+              <a:tailEnd type="none" w="med" len="med"/>
+            </a:ln>
+            <a:effectLst/>
+          </p:spPr>
+        </p:cxnSp>
+      </p:grpSp>
+      <p:sp>
+        <p:nvSpPr>
+          <p:cNvPr id="33" name="Right Arrow 32"/>
+          <p:cNvSpPr/>
+          <p:nvPr/>
+        </p:nvSpPr>
+        <p:spPr bwMode="auto">
+          <a:xfrm>
+            <a:off x="2998526" y="2990850"/>
+            <a:ext cx="1524000" cy="152400"/>
+          </a:xfrm>
+          <a:prstGeom prst="rightArrow">
+            <a:avLst/>
+          </a:prstGeom>
+          <a:solidFill>
+            <a:schemeClr val="accent1"/>
+          </a:solidFill>
+          <a:ln w="9525" cap="flat" cmpd="sng" algn="ctr">
+            <a:solidFill>
+              <a:schemeClr val="tx1"/>
+            </a:solidFill>
+            <a:prstDash val="solid"/>
+            <a:round/>
+            <a:headEnd type="none" w="med" len="med"/>
+            <a:tailEnd type="none" w="med" len="med"/>
+          </a:ln>
+          <a:effectLst/>
+        </p:spPr>
+        <p:txBody>
+          <a:bodyPr vert="horz" wrap="square" lIns="91440" tIns="45720" rIns="91440" bIns="45720" numCol="1" rtlCol="0" anchor="t" anchorCtr="0" compatLnSpc="1">
+            <a:prstTxWarp prst="textNoShape">
+              <a:avLst/>
+            </a:prstTxWarp>
+          </a:bodyPr>
+          <a:lstStyle/>
+          <a:p>
+            <a:pPr marL="0" marR="0" indent="0" algn="l" defTabSz="914400" rtl="0" eaLnBrk="1" fontAlgn="base" latinLnBrk="0" hangingPunct="1">
+              <a:lnSpc>
+                <a:spcPct val="100000"/>
+              </a:lnSpc>
+              <a:spcBef>
+                <a:spcPct val="0"/>
+              </a:spcBef>
+              <a:spcAft>
+                <a:spcPct val="0"/>
+              </a:spcAft>
+              <a:buClrTx/>
+              <a:buSzTx/>
+              <a:buFontTx/>
+              <a:buNone/>
+              <a:tabLst/>
+            </a:pPr>
+            <a:endParaRPr kumimoji="0" lang="en-US" sz="2800" b="1" i="0" u="none" strike="noStrike" cap="none" normalizeH="0" baseline="0" smtClean="0">
+              <a:ln>
+                <a:noFill/>
+              </a:ln>
+              <a:solidFill>
+                <a:schemeClr val="tx1"/>
+              </a:solidFill>
+              <a:effectLst/>
+              <a:latin typeface="Arial" charset="0"/>
+            </a:endParaRPr>
+          </a:p>
+        </p:txBody>
+      </p:sp>
+      <p:sp>
+        <p:nvSpPr>
+          <p:cNvPr id="46" name="Right Arrow 45"/>
+          <p:cNvSpPr/>
+          <p:nvPr/>
+        </p:nvSpPr>
+        <p:spPr bwMode="auto">
+          <a:xfrm>
+            <a:off x="3017089" y="4286250"/>
+            <a:ext cx="1524000" cy="152400"/>
+          </a:xfrm>
+          <a:prstGeom prst="rightArrow">
+            <a:avLst/>
+          </a:prstGeom>
+          <a:solidFill>
+            <a:srgbClr val="FF0000"/>
+          </a:solidFill>
+          <a:ln w="9525" cap="flat" cmpd="sng" algn="ctr">
+            <a:solidFill>
+              <a:schemeClr val="tx1"/>
+            </a:solidFill>
+            <a:prstDash val="solid"/>
+            <a:round/>
+            <a:headEnd type="none" w="med" len="med"/>
+            <a:tailEnd type="none" w="med" len="med"/>
+          </a:ln>
+          <a:effectLst/>
+        </p:spPr>
+        <p:txBody>
+          <a:bodyPr vert="horz" wrap="square" lIns="91440" tIns="45720" rIns="91440" bIns="45720" numCol="1" rtlCol="0" anchor="t" anchorCtr="0" compatLnSpc="1">
+            <a:prstTxWarp prst="textNoShape">
+              <a:avLst/>
+            </a:prstTxWarp>
+          </a:bodyPr>
+          <a:lstStyle/>
+          <a:p>
+            <a:pPr marL="0" marR="0" indent="0" algn="l" defTabSz="914400" rtl="0" eaLnBrk="1" fontAlgn="base" latinLnBrk="0" hangingPunct="1">
+              <a:lnSpc>
+                <a:spcPct val="100000"/>
+              </a:lnSpc>
+              <a:spcBef>
+                <a:spcPct val="0"/>
+              </a:spcBef>
+              <a:spcAft>
+                <a:spcPct val="0"/>
+              </a:spcAft>
+              <a:buClrTx/>
+              <a:buSzTx/>
+              <a:buFontTx/>
+              <a:buNone/>
+              <a:tabLst/>
+            </a:pPr>
+            <a:endParaRPr kumimoji="0" lang="en-US" sz="2800" b="1" i="0" u="none" strike="noStrike" cap="none" normalizeH="0" baseline="0" smtClean="0">
+              <a:ln>
+                <a:noFill/>
+              </a:ln>
+              <a:solidFill>
+                <a:schemeClr val="tx1"/>
+              </a:solidFill>
+              <a:effectLst/>
+              <a:latin typeface="Arial" charset="0"/>
+            </a:endParaRPr>
+          </a:p>
+        </p:txBody>
+      </p:sp>
+      <p:cxnSp>
+        <p:nvCxnSpPr>
+          <p:cNvPr id="50" name="Straight Connector 49"/>
+          <p:cNvCxnSpPr/>
+          <p:nvPr/>
+        </p:nvCxnSpPr>
+        <p:spPr bwMode="auto">
+          <a:xfrm>
+            <a:off x="4552950" y="1695450"/>
+            <a:ext cx="0" cy="4572000"/>
+          </a:xfrm>
+          <a:prstGeom prst="line">
+            <a:avLst/>
+          </a:prstGeom>
+          <a:solidFill>
+            <a:schemeClr val="accent1"/>
+          </a:solidFill>
+          <a:ln w="22225" cap="flat" cmpd="sng" algn="ctr">
+            <a:solidFill>
+              <a:schemeClr val="tx1"/>
+            </a:solidFill>
+            <a:prstDash val="sysDash"/>
+            <a:round/>
+            <a:headEnd type="none" w="med" len="med"/>
+            <a:tailEnd type="none" w="med" len="med"/>
+          </a:ln>
+          <a:effectLst/>
+        </p:spPr>
+      </p:cxnSp>
+      <p:sp>
+        <p:nvSpPr>
+          <p:cNvPr id="52" name="Rectangle 3"/>
+          <p:cNvSpPr txBox="1">
+            <a:spLocks noChangeArrowheads="1"/>
+          </p:cNvSpPr>
+          <p:nvPr/>
+        </p:nvSpPr>
+        <p:spPr bwMode="auto">
+          <a:xfrm>
+            <a:off x="449580" y="219128"/>
+            <a:ext cx="8686800" cy="739623"/>
+          </a:xfrm>
+          <a:prstGeom prst="rect">
+            <a:avLst/>
+          </a:prstGeom>
+          <a:noFill/>
+          <a:ln w="9525">
+            <a:noFill/>
+            <a:miter lim="800000"/>
+            <a:headEnd/>
+            <a:tailEnd/>
+          </a:ln>
+          <a:effectLst/>
+        </p:spPr>
+        <p:txBody>
+          <a:bodyPr vert="horz" wrap="square" lIns="91440" tIns="45720" rIns="91440" bIns="45720" numCol="1" anchor="t" anchorCtr="0" compatLnSpc="1">
+            <a:prstTxWarp prst="textNoShape">
+              <a:avLst/>
+            </a:prstTxWarp>
+          </a:bodyPr>
+          <a:lstStyle>
+            <a:lvl1pPr marL="342900" indent="-342900" algn="l" rtl="0" fontAlgn="base">
+              <a:spcBef>
+                <a:spcPct val="20000"/>
+              </a:spcBef>
+              <a:spcAft>
+                <a:spcPct val="0"/>
+              </a:spcAft>
+              <a:buChar char="•"/>
+              <a:defRPr sz="3200">
+                <a:solidFill>
+                  <a:schemeClr val="tx1"/>
+                </a:solidFill>
+                <a:latin typeface="+mn-lt"/>
+                <a:ea typeface="+mn-ea"/>
+                <a:cs typeface="+mn-cs"/>
+              </a:defRPr>
+            </a:lvl1pPr>
+            <a:lvl2pPr marL="742950" indent="-285750" algn="l" rtl="0" fontAlgn="base">
+              <a:spcBef>
+                <a:spcPct val="20000"/>
+              </a:spcBef>
+              <a:spcAft>
+                <a:spcPct val="0"/>
+              </a:spcAft>
+              <a:buChar char="–"/>
+              <a:defRPr sz="2800">
+                <a:solidFill>
+                  <a:schemeClr val="tx1"/>
+                </a:solidFill>
+                <a:latin typeface="+mn-lt"/>
+              </a:defRPr>
+            </a:lvl2pPr>
+            <a:lvl3pPr marL="1143000" indent="-228600" algn="l" rtl="0" fontAlgn="base">
+              <a:spcBef>
+                <a:spcPct val="20000"/>
+              </a:spcBef>
+              <a:spcAft>
+                <a:spcPct val="0"/>
+              </a:spcAft>
+              <a:buChar char="•"/>
+              <a:defRPr sz="2400">
+                <a:solidFill>
+                  <a:schemeClr val="tx1"/>
+                </a:solidFill>
+                <a:latin typeface="+mn-lt"/>
+              </a:defRPr>
+            </a:lvl3pPr>
+            <a:lvl4pPr marL="1600200" indent="-228600" algn="l" rtl="0" fontAlgn="base">
+              <a:spcBef>
+                <a:spcPct val="20000"/>
+              </a:spcBef>
+              <a:spcAft>
+                <a:spcPct val="0"/>
+              </a:spcAft>
+              <a:buChar char="–"/>
+              <a:defRPr sz="2000">
+                <a:solidFill>
+                  <a:schemeClr val="tx1"/>
+                </a:solidFill>
+                <a:latin typeface="+mn-lt"/>
+              </a:defRPr>
+            </a:lvl4pPr>
+            <a:lvl5pPr marL="2057400" indent="-228600" algn="l" rtl="0" fontAlgn="base">
+              <a:spcBef>
+                <a:spcPct val="20000"/>
+              </a:spcBef>
+              <a:spcAft>
+                <a:spcPct val="0"/>
+              </a:spcAft>
+              <a:buChar char="»"/>
+              <a:defRPr sz="2000">
+                <a:solidFill>
+                  <a:schemeClr val="tx1"/>
+                </a:solidFill>
+                <a:latin typeface="+mn-lt"/>
+              </a:defRPr>
+            </a:lvl5pPr>
+            <a:lvl6pPr marL="2514600" indent="-228600" algn="l" rtl="0" fontAlgn="base">
+              <a:spcBef>
+                <a:spcPct val="20000"/>
+              </a:spcBef>
+              <a:spcAft>
+                <a:spcPct val="0"/>
+              </a:spcAft>
+              <a:buChar char="»"/>
+              <a:defRPr sz="2000">
+                <a:solidFill>
+                  <a:schemeClr val="tx1"/>
+                </a:solidFill>
+                <a:latin typeface="+mn-lt"/>
+              </a:defRPr>
+            </a:lvl6pPr>
+            <a:lvl7pPr marL="2971800" indent="-228600" algn="l" rtl="0" fontAlgn="base">
+              <a:spcBef>
+                <a:spcPct val="20000"/>
+              </a:spcBef>
+              <a:spcAft>
+                <a:spcPct val="0"/>
+              </a:spcAft>
+              <a:buChar char="»"/>
+              <a:defRPr sz="2000">
+                <a:solidFill>
+                  <a:schemeClr val="tx1"/>
+                </a:solidFill>
+                <a:latin typeface="+mn-lt"/>
+              </a:defRPr>
+            </a:lvl7pPr>
+            <a:lvl8pPr marL="3429000" indent="-228600" algn="l" rtl="0" fontAlgn="base">
+              <a:spcBef>
+                <a:spcPct val="20000"/>
+              </a:spcBef>
+              <a:spcAft>
+                <a:spcPct val="0"/>
+              </a:spcAft>
+              <a:buChar char="»"/>
+              <a:defRPr sz="2000">
+                <a:solidFill>
+                  <a:schemeClr val="tx1"/>
+                </a:solidFill>
+                <a:latin typeface="+mn-lt"/>
+              </a:defRPr>
+            </a:lvl8pPr>
+            <a:lvl9pPr marL="3886200" indent="-228600" algn="l" rtl="0" fontAlgn="base">
+              <a:spcBef>
+                <a:spcPct val="20000"/>
+              </a:spcBef>
+              <a:spcAft>
+                <a:spcPct val="0"/>
+              </a:spcAft>
+              <a:buChar char="»"/>
+              <a:defRPr sz="2000">
+                <a:solidFill>
+                  <a:schemeClr val="tx1"/>
+                </a:solidFill>
+                <a:latin typeface="+mn-lt"/>
+              </a:defRPr>
+            </a:lvl9pPr>
+          </a:lstStyle>
+          <a:p>
+            <a:pPr lvl="1"/>
+            <a:r>
+              <a:rPr lang="en-US" b="0" kern="0" dirty="0" smtClean="0"/>
+              <a:t>Add </a:t>
+            </a:r>
+            <a:r>
+              <a:rPr lang="en-US" b="0" kern="0" dirty="0"/>
+              <a:t>residuals to </a:t>
+            </a:r>
+            <a:r>
+              <a:rPr lang="en-US" b="0" kern="0" dirty="0">
+                <a:solidFill>
+                  <a:srgbClr val="0000FF"/>
+                </a:solidFill>
+              </a:rPr>
+              <a:t>prediction at covariate value</a:t>
+            </a:r>
+            <a:r>
+              <a:rPr lang="en-US" b="0" kern="0" dirty="0" smtClean="0"/>
+              <a:t>.</a:t>
+            </a:r>
+            <a:endParaRPr lang="en-US" b="0" kern="0" dirty="0"/>
+          </a:p>
+        </p:txBody>
+      </p:sp>
+      <p:sp>
+        <p:nvSpPr>
+          <p:cNvPr id="54" name="Rectangle 3"/>
+          <p:cNvSpPr txBox="1">
+            <a:spLocks noChangeArrowheads="1"/>
+          </p:cNvSpPr>
+          <p:nvPr/>
+        </p:nvSpPr>
+        <p:spPr bwMode="auto">
+          <a:xfrm>
+            <a:off x="457200" y="762000"/>
+            <a:ext cx="8686800" cy="739623"/>
+          </a:xfrm>
+          <a:prstGeom prst="rect">
+            <a:avLst/>
+          </a:prstGeom>
+          <a:noFill/>
+          <a:ln w="9525">
+            <a:noFill/>
+            <a:miter lim="800000"/>
+            <a:headEnd/>
+            <a:tailEnd/>
+          </a:ln>
+          <a:effectLst/>
+        </p:spPr>
+        <p:txBody>
+          <a:bodyPr vert="horz" wrap="square" lIns="91440" tIns="45720" rIns="91440" bIns="45720" numCol="1" anchor="t" anchorCtr="0" compatLnSpc="1">
+            <a:prstTxWarp prst="textNoShape">
+              <a:avLst/>
+            </a:prstTxWarp>
+          </a:bodyPr>
+          <a:lstStyle>
+            <a:lvl1pPr marL="342900" indent="-342900" algn="l" rtl="0" fontAlgn="base">
+              <a:spcBef>
+                <a:spcPct val="20000"/>
+              </a:spcBef>
+              <a:spcAft>
+                <a:spcPct val="0"/>
+              </a:spcAft>
+              <a:buChar char="•"/>
+              <a:defRPr sz="3200">
+                <a:solidFill>
+                  <a:schemeClr val="tx1"/>
+                </a:solidFill>
+                <a:latin typeface="+mn-lt"/>
+                <a:ea typeface="+mn-ea"/>
+                <a:cs typeface="+mn-cs"/>
+              </a:defRPr>
+            </a:lvl1pPr>
+            <a:lvl2pPr marL="742950" indent="-285750" algn="l" rtl="0" fontAlgn="base">
+              <a:spcBef>
+                <a:spcPct val="20000"/>
+              </a:spcBef>
+              <a:spcAft>
+                <a:spcPct val="0"/>
+              </a:spcAft>
+              <a:buChar char="–"/>
+              <a:defRPr sz="2800">
+                <a:solidFill>
+                  <a:schemeClr val="tx1"/>
+                </a:solidFill>
+                <a:latin typeface="+mn-lt"/>
+              </a:defRPr>
+            </a:lvl2pPr>
+            <a:lvl3pPr marL="1143000" indent="-228600" algn="l" rtl="0" fontAlgn="base">
+              <a:spcBef>
+                <a:spcPct val="20000"/>
+              </a:spcBef>
+              <a:spcAft>
+                <a:spcPct val="0"/>
+              </a:spcAft>
+              <a:buChar char="•"/>
+              <a:defRPr sz="2400">
+                <a:solidFill>
+                  <a:schemeClr val="tx1"/>
+                </a:solidFill>
+                <a:latin typeface="+mn-lt"/>
+              </a:defRPr>
+            </a:lvl3pPr>
+            <a:lvl4pPr marL="1600200" indent="-228600" algn="l" rtl="0" fontAlgn="base">
+              <a:spcBef>
+                <a:spcPct val="20000"/>
+              </a:spcBef>
+              <a:spcAft>
+                <a:spcPct val="0"/>
+              </a:spcAft>
+              <a:buChar char="–"/>
+              <a:defRPr sz="2000">
+                <a:solidFill>
+                  <a:schemeClr val="tx1"/>
+                </a:solidFill>
+                <a:latin typeface="+mn-lt"/>
+              </a:defRPr>
+            </a:lvl4pPr>
+            <a:lvl5pPr marL="2057400" indent="-228600" algn="l" rtl="0" fontAlgn="base">
+              <a:spcBef>
+                <a:spcPct val="20000"/>
+              </a:spcBef>
+              <a:spcAft>
+                <a:spcPct val="0"/>
+              </a:spcAft>
+              <a:buChar char="»"/>
+              <a:defRPr sz="2000">
+                <a:solidFill>
+                  <a:schemeClr val="tx1"/>
+                </a:solidFill>
+                <a:latin typeface="+mn-lt"/>
+              </a:defRPr>
+            </a:lvl5pPr>
+            <a:lvl6pPr marL="2514600" indent="-228600" algn="l" rtl="0" fontAlgn="base">
+              <a:spcBef>
+                <a:spcPct val="20000"/>
+              </a:spcBef>
+              <a:spcAft>
+                <a:spcPct val="0"/>
+              </a:spcAft>
+              <a:buChar char="»"/>
+              <a:defRPr sz="2000">
+                <a:solidFill>
+                  <a:schemeClr val="tx1"/>
+                </a:solidFill>
+                <a:latin typeface="+mn-lt"/>
+              </a:defRPr>
+            </a:lvl6pPr>
+            <a:lvl7pPr marL="2971800" indent="-228600" algn="l" rtl="0" fontAlgn="base">
+              <a:spcBef>
+                <a:spcPct val="20000"/>
+              </a:spcBef>
+              <a:spcAft>
+                <a:spcPct val="0"/>
+              </a:spcAft>
+              <a:buChar char="»"/>
+              <a:defRPr sz="2000">
+                <a:solidFill>
+                  <a:schemeClr val="tx1"/>
+                </a:solidFill>
+                <a:latin typeface="+mn-lt"/>
+              </a:defRPr>
+            </a:lvl7pPr>
+            <a:lvl8pPr marL="3429000" indent="-228600" algn="l" rtl="0" fontAlgn="base">
+              <a:spcBef>
+                <a:spcPct val="20000"/>
+              </a:spcBef>
+              <a:spcAft>
+                <a:spcPct val="0"/>
+              </a:spcAft>
+              <a:buChar char="»"/>
+              <a:defRPr sz="2000">
+                <a:solidFill>
+                  <a:schemeClr val="tx1"/>
+                </a:solidFill>
+                <a:latin typeface="+mn-lt"/>
+              </a:defRPr>
+            </a:lvl8pPr>
+            <a:lvl9pPr marL="3886200" indent="-228600" algn="l" rtl="0" fontAlgn="base">
+              <a:spcBef>
+                <a:spcPct val="20000"/>
+              </a:spcBef>
+              <a:spcAft>
+                <a:spcPct val="0"/>
+              </a:spcAft>
+              <a:buChar char="»"/>
+              <a:defRPr sz="2000">
+                <a:solidFill>
+                  <a:schemeClr val="tx1"/>
+                </a:solidFill>
+                <a:latin typeface="+mn-lt"/>
+              </a:defRPr>
+            </a:lvl9pPr>
+          </a:lstStyle>
+          <a:p>
+            <a:pPr lvl="1"/>
+            <a:r>
+              <a:rPr lang="en-US" b="0" kern="0" dirty="0" smtClean="0"/>
+              <a:t>A one-way ANOVA on adjusted values.</a:t>
+            </a:r>
+            <a:endParaRPr lang="en-US" b="0" kern="0" dirty="0"/>
+          </a:p>
+        </p:txBody>
+      </p:sp>
+      <p:sp>
+        <p:nvSpPr>
+          <p:cNvPr id="56" name="Right Arrow 55"/>
+          <p:cNvSpPr/>
+          <p:nvPr/>
+        </p:nvSpPr>
+        <p:spPr bwMode="auto">
+          <a:xfrm>
+            <a:off x="3009791" y="3639328"/>
+            <a:ext cx="1524000" cy="152400"/>
+          </a:xfrm>
+          <a:prstGeom prst="rightArrow">
+            <a:avLst/>
+          </a:prstGeom>
+          <a:solidFill>
+            <a:srgbClr val="0000FF"/>
+          </a:solidFill>
+          <a:ln w="9525" cap="flat" cmpd="sng" algn="ctr">
+            <a:solidFill>
+              <a:schemeClr val="tx1"/>
+            </a:solidFill>
+            <a:prstDash val="solid"/>
+            <a:round/>
+            <a:headEnd type="none" w="med" len="med"/>
+            <a:tailEnd type="none" w="med" len="med"/>
+          </a:ln>
+          <a:effectLst/>
+        </p:spPr>
+        <p:txBody>
+          <a:bodyPr vert="horz" wrap="square" lIns="91440" tIns="45720" rIns="91440" bIns="45720" numCol="1" rtlCol="0" anchor="t" anchorCtr="0" compatLnSpc="1">
+            <a:prstTxWarp prst="textNoShape">
+              <a:avLst/>
+            </a:prstTxWarp>
+          </a:bodyPr>
+          <a:lstStyle/>
+          <a:p>
+            <a:pPr marL="0" marR="0" indent="0" algn="l" defTabSz="914400" rtl="0" eaLnBrk="1" fontAlgn="base" latinLnBrk="0" hangingPunct="1">
+              <a:lnSpc>
+                <a:spcPct val="100000"/>
+              </a:lnSpc>
+              <a:spcBef>
+                <a:spcPct val="0"/>
+              </a:spcBef>
+              <a:spcAft>
+                <a:spcPct val="0"/>
+              </a:spcAft>
+              <a:buClrTx/>
+              <a:buSzTx/>
+              <a:buFontTx/>
+              <a:buNone/>
+              <a:tabLst/>
+            </a:pPr>
+            <a:endParaRPr kumimoji="0" lang="en-US" sz="2800" b="1" i="0" u="none" strike="noStrike" cap="none" normalizeH="0" baseline="0" smtClean="0">
+              <a:ln>
+                <a:noFill/>
+              </a:ln>
+              <a:solidFill>
+                <a:schemeClr val="tx1"/>
+              </a:solidFill>
+              <a:effectLst/>
+              <a:latin typeface="Arial" charset="0"/>
+            </a:endParaRPr>
+          </a:p>
+        </p:txBody>
+      </p:sp>
+      <p:sp>
+        <p:nvSpPr>
+          <p:cNvPr id="59" name="TextBox 58"/>
+          <p:cNvSpPr txBox="1"/>
+          <p:nvPr/>
+        </p:nvSpPr>
+        <p:spPr>
+          <a:xfrm>
+            <a:off x="4191000" y="6324600"/>
+            <a:ext cx="564578" cy="523220"/>
+          </a:xfrm>
+          <a:prstGeom prst="rect">
+            <a:avLst/>
+          </a:prstGeom>
+          <a:noFill/>
+        </p:spPr>
+        <p:txBody>
+          <a:bodyPr wrap="none" rtlCol="0">
+            <a:spAutoFit/>
+          </a:bodyPr>
+          <a:lstStyle/>
+          <a:p>
+            <a:r>
+              <a:rPr lang="en-US" dirty="0" smtClean="0">
+                <a:latin typeface="Symbol" panose="05050102010706020507" pitchFamily="18" charset="2"/>
+              </a:rPr>
+              <a:t>`</a:t>
+            </a:r>
+            <a:r>
+              <a:rPr lang="en-US" dirty="0" smtClean="0"/>
+              <a:t>x</a:t>
+            </a:r>
+            <a:endParaRPr lang="en-US" dirty="0"/>
+          </a:p>
+        </p:txBody>
+      </p:sp>
+    </p:spTree>
+    <p:extLst>
+      <p:ext uri="{BB962C8B-B14F-4D97-AF65-F5344CB8AC3E}">
+        <p14:creationId xmlns:p14="http://schemas.microsoft.com/office/powerpoint/2010/main" val="2392595345"/>
+      </p:ext>
+    </p:extLst>
+  </p:cSld>
+  <p:clrMapOvr>
+    <a:masterClrMapping/>
+  </p:clrMapOvr>
+  <p:timing>
+    <p:tnLst>
+      <p:par>
+        <p:cTn id="1" dur="indefinite" restart="never" nodeType="tmRoot">
+          <p:childTnLst>
+            <p:seq concurrent="1" nextAc="seek">
+              <p:cTn id="2" dur="indefinite" nodeType="mainSeq">
+                <p:childTnLst>
+                  <p:par>
+                    <p:cTn id="3" fill="hold">
+                      <p:stCondLst>
+                        <p:cond delay="indefinite"/>
+                      </p:stCondLst>
+                      <p:childTnLst>
+                        <p:par>
+                          <p:cTn id="4" fill="hold">
+                            <p:stCondLst>
+                              <p:cond delay="0"/>
+                            </p:stCondLst>
+                            <p:childTnLst>
+                              <p:par>
+                                <p:cTn id="5" presetID="42" presetClass="path" presetSubtype="0" accel="50000" decel="50000" fill="hold" nodeType="clickEffect">
+                                  <p:stCondLst>
+                                    <p:cond delay="0"/>
+                                  </p:stCondLst>
+                                  <p:childTnLst>
+                                    <p:animMotion origin="layout" path="M 4.72222E-6 0 L 0.13941 -0.13333 " pathEditMode="relative" rAng="0" ptsTypes="AA">
+                                      <p:cBhvr>
+                                        <p:cTn id="6" dur="2000" fill="hold"/>
+                                        <p:tgtEl>
+                                          <p:spTgt spid="2"/>
+                                        </p:tgtEl>
+                                        <p:attrNameLst>
+                                          <p:attrName>ppt_x</p:attrName>
+                                          <p:attrName>ppt_y</p:attrName>
+                                        </p:attrNameLst>
+                                      </p:cBhvr>
+                                      <p:rCtr x="6962" y="-6667"/>
+                                    </p:animMotion>
+                                  </p:childTnLst>
+                                </p:cTn>
+                              </p:par>
+                              <p:par>
+                                <p:cTn id="7" presetID="42" presetClass="path" presetSubtype="0" accel="50000" decel="50000" fill="hold" nodeType="withEffect">
+                                  <p:stCondLst>
+                                    <p:cond delay="0"/>
+                                  </p:stCondLst>
+                                  <p:childTnLst>
+                                    <p:animMotion origin="layout" path="M -1.66667E-6 3.7037E-7 L 0.04688 -0.04745 " pathEditMode="relative" rAng="0" ptsTypes="AA">
+                                      <p:cBhvr>
+                                        <p:cTn id="8" dur="2000" fill="hold"/>
+                                        <p:tgtEl>
+                                          <p:spTgt spid="3"/>
+                                        </p:tgtEl>
+                                        <p:attrNameLst>
+                                          <p:attrName>ppt_x</p:attrName>
+                                          <p:attrName>ppt_y</p:attrName>
+                                        </p:attrNameLst>
+                                      </p:cBhvr>
+                                      <p:rCtr x="2344" y="-2384"/>
+                                    </p:animMotion>
+                                  </p:childTnLst>
+                                </p:cTn>
+                              </p:par>
+                              <p:par>
+                                <p:cTn id="9" presetID="42" presetClass="path" presetSubtype="0" accel="50000" decel="50000" fill="hold" nodeType="withEffect">
+                                  <p:stCondLst>
+                                    <p:cond delay="0"/>
+                                  </p:stCondLst>
+                                  <p:childTnLst>
+                                    <p:animMotion origin="layout" path="M 1.94444E-6 1.85185E-6 L -0.07899 0.07963 " pathEditMode="relative" rAng="0" ptsTypes="AA">
+                                      <p:cBhvr>
+                                        <p:cTn id="10" dur="2000" fill="hold"/>
+                                        <p:tgtEl>
+                                          <p:spTgt spid="9"/>
+                                        </p:tgtEl>
+                                        <p:attrNameLst>
+                                          <p:attrName>ppt_x</p:attrName>
+                                          <p:attrName>ppt_y</p:attrName>
+                                        </p:attrNameLst>
+                                      </p:cBhvr>
+                                      <p:rCtr x="-3958" y="3981"/>
+                                    </p:animMotion>
+                                  </p:childTnLst>
+                                </p:cTn>
+                              </p:par>
+                              <p:par>
+                                <p:cTn id="11" presetID="42" presetClass="path" presetSubtype="0" accel="50000" decel="50000" fill="hold" nodeType="withEffect">
+                                  <p:stCondLst>
+                                    <p:cond delay="0"/>
+                                  </p:stCondLst>
+                                  <p:childTnLst>
+                                    <p:animMotion origin="layout" path="M 4.16667E-6 4.07407E-6 L -0.11407 0.10995 " pathEditMode="relative" rAng="0" ptsTypes="AA">
+                                      <p:cBhvr>
+                                        <p:cTn id="12" dur="2000" fill="hold"/>
+                                        <p:tgtEl>
+                                          <p:spTgt spid="22"/>
+                                        </p:tgtEl>
+                                        <p:attrNameLst>
+                                          <p:attrName>ppt_x</p:attrName>
+                                          <p:attrName>ppt_y</p:attrName>
+                                        </p:attrNameLst>
+                                      </p:cBhvr>
+                                      <p:rCtr x="-5712" y="5486"/>
+                                    </p:animMotion>
+                                  </p:childTnLst>
+                                </p:cTn>
+                              </p:par>
+                              <p:par>
+                                <p:cTn id="13" presetID="42" presetClass="path" presetSubtype="0" accel="50000" decel="50000" fill="hold" nodeType="withEffect">
+                                  <p:stCondLst>
+                                    <p:cond delay="0"/>
+                                  </p:stCondLst>
+                                  <p:childTnLst>
+                                    <p:animMotion origin="layout" path="M 5E-6 -2.59259E-6 L -0.19896 0.19398 " pathEditMode="relative" rAng="0" ptsTypes="AA">
+                                      <p:cBhvr>
+                                        <p:cTn id="14" dur="2000" fill="hold"/>
+                                        <p:tgtEl>
+                                          <p:spTgt spid="23"/>
+                                        </p:tgtEl>
+                                        <p:attrNameLst>
+                                          <p:attrName>ppt_x</p:attrName>
+                                          <p:attrName>ppt_y</p:attrName>
+                                        </p:attrNameLst>
+                                      </p:cBhvr>
+                                      <p:rCtr x="-9948" y="9699"/>
+                                    </p:animMotion>
+                                  </p:childTnLst>
+                                </p:cTn>
+                              </p:par>
+                              <p:par>
+                                <p:cTn id="15" presetID="42" presetClass="path" presetSubtype="0" accel="50000" decel="50000" fill="hold" nodeType="withEffect">
+                                  <p:stCondLst>
+                                    <p:cond delay="0"/>
+                                  </p:stCondLst>
+                                  <p:childTnLst>
+                                    <p:animMotion origin="layout" path="M -3.05556E-6 2.22222E-6 L -0.11232 0.10741 " pathEditMode="relative" rAng="0" ptsTypes="AA">
+                                      <p:cBhvr>
+                                        <p:cTn id="16" dur="2000" fill="hold"/>
+                                        <p:tgtEl>
+                                          <p:spTgt spid="24"/>
+                                        </p:tgtEl>
+                                        <p:attrNameLst>
+                                          <p:attrName>ppt_x</p:attrName>
+                                          <p:attrName>ppt_y</p:attrName>
+                                        </p:attrNameLst>
+                                      </p:cBhvr>
+                                      <p:rCtr x="-5625" y="5370"/>
+                                    </p:animMotion>
+                                  </p:childTnLst>
+                                </p:cTn>
+                              </p:par>
+                              <p:par>
+                                <p:cTn id="17" presetID="42" presetClass="path" presetSubtype="0" accel="50000" decel="50000" fill="hold" nodeType="withEffect">
+                                  <p:stCondLst>
+                                    <p:cond delay="0"/>
+                                  </p:stCondLst>
+                                  <p:childTnLst>
+                                    <p:animMotion origin="layout" path="M 4.72222E-6 -3.7037E-7 L -0.03455 0.03565 " pathEditMode="relative" rAng="0" ptsTypes="AA">
+                                      <p:cBhvr>
+                                        <p:cTn id="18" dur="2000" fill="hold"/>
+                                        <p:tgtEl>
+                                          <p:spTgt spid="29"/>
+                                        </p:tgtEl>
+                                        <p:attrNameLst>
+                                          <p:attrName>ppt_x</p:attrName>
+                                          <p:attrName>ppt_y</p:attrName>
+                                        </p:attrNameLst>
+                                      </p:cBhvr>
+                                      <p:rCtr x="-1736" y="1782"/>
+                                    </p:animMotion>
+                                  </p:childTnLst>
+                                </p:cTn>
+                              </p:par>
+                              <p:par>
+                                <p:cTn id="19" presetID="42" presetClass="path" presetSubtype="0" accel="50000" decel="50000" fill="hold" nodeType="withEffect">
+                                  <p:stCondLst>
+                                    <p:cond delay="0"/>
+                                  </p:stCondLst>
+                                  <p:childTnLst>
+                                    <p:animMotion origin="layout" path="M -1.66667E-6 3.33333E-6 L 0.04566 -0.04445 " pathEditMode="relative" rAng="0" ptsTypes="AA">
+                                      <p:cBhvr>
+                                        <p:cTn id="20" dur="2000" fill="hold"/>
+                                        <p:tgtEl>
+                                          <p:spTgt spid="30"/>
+                                        </p:tgtEl>
+                                        <p:attrNameLst>
+                                          <p:attrName>ppt_x</p:attrName>
+                                          <p:attrName>ppt_y</p:attrName>
+                                        </p:attrNameLst>
+                                      </p:cBhvr>
+                                      <p:rCtr x="2274" y="-2222"/>
+                                    </p:animMotion>
+                                  </p:childTnLst>
+                                </p:cTn>
+                              </p:par>
+                              <p:par>
+                                <p:cTn id="21" presetID="42" presetClass="path" presetSubtype="0" accel="50000" decel="50000" fill="hold" nodeType="withEffect">
+                                  <p:stCondLst>
+                                    <p:cond delay="0"/>
+                                  </p:stCondLst>
+                                  <p:childTnLst>
+                                    <p:animMotion origin="layout" path="M -1.66667E-6 -3.7037E-7 L 0.16441 -0.1662 " pathEditMode="relative" rAng="0" ptsTypes="AA">
+                                      <p:cBhvr>
+                                        <p:cTn id="22" dur="2000" fill="hold"/>
+                                        <p:tgtEl>
+                                          <p:spTgt spid="32"/>
+                                        </p:tgtEl>
+                                        <p:attrNameLst>
+                                          <p:attrName>ppt_x</p:attrName>
+                                          <p:attrName>ppt_y</p:attrName>
+                                        </p:attrNameLst>
+                                      </p:cBhvr>
+                                      <p:rCtr x="8212" y="-8310"/>
+                                    </p:animMotion>
+                                  </p:childTnLst>
+                                </p:cTn>
+                              </p:par>
+                              <p:par>
+                                <p:cTn id="23" presetID="42" presetClass="path" presetSubtype="0" accel="50000" decel="50000" fill="hold" nodeType="withEffect">
+                                  <p:stCondLst>
+                                    <p:cond delay="0"/>
+                                  </p:stCondLst>
+                                  <p:childTnLst>
+                                    <p:animMotion origin="layout" path="M 2.77778E-6 1.48148E-6 L 0.11632 -0.11921 " pathEditMode="relative" rAng="0" ptsTypes="AA">
+                                      <p:cBhvr>
+                                        <p:cTn id="24" dur="2000" fill="hold"/>
+                                        <p:tgtEl>
+                                          <p:spTgt spid="31"/>
+                                        </p:tgtEl>
+                                        <p:attrNameLst>
+                                          <p:attrName>ppt_x</p:attrName>
+                                          <p:attrName>ppt_y</p:attrName>
+                                        </p:attrNameLst>
+                                      </p:cBhvr>
+                                      <p:rCtr x="5816" y="-5972"/>
+                                    </p:animMotion>
+                                  </p:childTnLst>
+                                </p:cTn>
+                              </p:par>
+                              <p:par>
+                                <p:cTn id="25" presetID="42" presetClass="path" presetSubtype="0" accel="50000" decel="50000" fill="hold" nodeType="withEffect">
+                                  <p:stCondLst>
+                                    <p:cond delay="0"/>
+                                  </p:stCondLst>
+                                  <p:childTnLst>
+                                    <p:animMotion origin="layout" path="M 3.33333E-6 -7.40741E-7 L -0.01875 0.0162 " pathEditMode="relative" rAng="0" ptsTypes="AA">
+                                      <p:cBhvr>
+                                        <p:cTn id="26" dur="2000" fill="hold"/>
+                                        <p:tgtEl>
+                                          <p:spTgt spid="28"/>
+                                        </p:tgtEl>
+                                        <p:attrNameLst>
+                                          <p:attrName>ppt_x</p:attrName>
+                                          <p:attrName>ppt_y</p:attrName>
+                                        </p:attrNameLst>
+                                      </p:cBhvr>
+                                      <p:rCtr x="-938" y="810"/>
+                                    </p:animMotion>
+                                  </p:childTnLst>
+                                </p:cTn>
+                              </p:par>
+                            </p:childTnLst>
+                          </p:cTn>
+                        </p:par>
+                        <p:par>
+                          <p:cTn id="27" fill="hold">
+                            <p:stCondLst>
+                              <p:cond delay="2000"/>
+                            </p:stCondLst>
+                            <p:childTnLst>
+                              <p:par>
+                                <p:cTn id="28" presetID="22" presetClass="entr" presetSubtype="8" fill="hold" grpId="0" nodeType="afterEffect">
+                                  <p:stCondLst>
+                                    <p:cond delay="0"/>
+                                  </p:stCondLst>
+                                  <p:childTnLst>
+                                    <p:set>
+                                      <p:cBhvr>
+                                        <p:cTn id="29" dur="1" fill="hold">
+                                          <p:stCondLst>
+                                            <p:cond delay="0"/>
+                                          </p:stCondLst>
+                                        </p:cTn>
+                                        <p:tgtEl>
+                                          <p:spTgt spid="33"/>
+                                        </p:tgtEl>
+                                        <p:attrNameLst>
+                                          <p:attrName>style.visibility</p:attrName>
+                                        </p:attrNameLst>
+                                      </p:cBhvr>
+                                      <p:to>
+                                        <p:strVal val="visible"/>
+                                      </p:to>
+                                    </p:set>
+                                    <p:animEffect transition="in" filter="wipe(left)">
+                                      <p:cBhvr>
+                                        <p:cTn id="30" dur="500"/>
+                                        <p:tgtEl>
+                                          <p:spTgt spid="33"/>
+                                        </p:tgtEl>
+                                      </p:cBhvr>
+                                    </p:animEffect>
+                                  </p:childTnLst>
+                                </p:cTn>
+                              </p:par>
+                              <p:par>
+                                <p:cTn id="31" presetID="22" presetClass="entr" presetSubtype="8" fill="hold" grpId="0" nodeType="withEffect">
+                                  <p:stCondLst>
+                                    <p:cond delay="0"/>
+                                  </p:stCondLst>
+                                  <p:childTnLst>
+                                    <p:set>
+                                      <p:cBhvr>
+                                        <p:cTn id="32" dur="1" fill="hold">
+                                          <p:stCondLst>
+                                            <p:cond delay="0"/>
+                                          </p:stCondLst>
+                                        </p:cTn>
+                                        <p:tgtEl>
+                                          <p:spTgt spid="46"/>
+                                        </p:tgtEl>
+                                        <p:attrNameLst>
+                                          <p:attrName>style.visibility</p:attrName>
+                                        </p:attrNameLst>
+                                      </p:cBhvr>
+                                      <p:to>
+                                        <p:strVal val="visible"/>
+                                      </p:to>
+                                    </p:set>
+                                    <p:animEffect transition="in" filter="wipe(left)">
+                                      <p:cBhvr>
+                                        <p:cTn id="33" dur="500"/>
+                                        <p:tgtEl>
+                                          <p:spTgt spid="46"/>
+                                        </p:tgtEl>
+                                      </p:cBhvr>
+                                    </p:animEffect>
+                                  </p:childTnLst>
+                                </p:cTn>
+                              </p:par>
+                            </p:childTnLst>
+                          </p:cTn>
+                        </p:par>
+                      </p:childTnLst>
+                    </p:cTn>
+                  </p:par>
+                </p:childTnLst>
+              </p:cTn>
+              <p:prevCondLst>
+                <p:cond evt="onPrev" delay="0">
+                  <p:tgtEl>
+                    <p:sldTgt/>
+                  </p:tgtEl>
+                </p:cond>
+              </p:prevCondLst>
+              <p:nextCondLst>
+                <p:cond evt="onNext" delay="0">
+                  <p:tgtEl>
+                    <p:sldTgt/>
+                  </p:tgtEl>
+                </p:cond>
+              </p:nextCondLst>
+            </p:seq>
+          </p:childTnLst>
+        </p:cTn>
+      </p:par>
+    </p:tnLst>
+    <p:bldLst>
+      <p:bldP spid="33" grpId="0" animBg="1"/>
+      <p:bldP spid="46" grpId="0" animBg="1"/>
+    </p:bldLst>
+  </p:timing>
+</p:sld>
+</file>
+
+<file path=ppt/slides/slide28.xml><?xml version="1.0" encoding="utf-8"?>
+<p:sld xmlns:a="http://schemas.openxmlformats.org/drawingml/2006/main" xmlns:r="http://schemas.openxmlformats.org/officeDocument/2006/relationships" xmlns:p="http://schemas.openxmlformats.org/presentationml/2006/main">
+  <p:cSld>
+    <p:spTree>
+      <p:nvGrpSpPr>
+        <p:cNvPr id="1" name=""/>
+        <p:cNvGrpSpPr/>
+        <p:nvPr/>
+      </p:nvGrpSpPr>
+      <p:grpSpPr>
+        <a:xfrm>
+          <a:off x="0" y="0"/>
+          <a:ext cx="0" cy="0"/>
+          <a:chOff x="0" y="0"/>
+          <a:chExt cx="0" cy="0"/>
+        </a:xfrm>
+      </p:grpSpPr>
+      <p:sp>
+        <p:nvSpPr>
           <p:cNvPr id="2" name="Title 1"/>
           <p:cNvSpPr>
             <a:spLocks noGrp="1"/>
@@ -13601,7 +20916,7 @@
             <a:fld id="{32B39ADD-4258-43C1-B408-3269BEAB59D0}" type="slidenum">
               <a:rPr lang="en-US" smtClean="0"/>
               <a:pPr/>
-              <a:t>25</a:t>
+              <a:t>28</a:t>
             </a:fld>
             <a:endParaRPr lang="en-US"/>
           </a:p>
@@ -13627,7 +20942,7 @@
 </p:sld>
 </file>
 
-<file path=ppt/slides/slide26.xml><?xml version="1.0" encoding="utf-8"?>
+<file path=ppt/slides/slide29.xml><?xml version="1.0" encoding="utf-8"?>
 <p:sld xmlns:a="http://schemas.openxmlformats.org/drawingml/2006/main" xmlns:r="http://schemas.openxmlformats.org/officeDocument/2006/relationships" xmlns:p="http://schemas.openxmlformats.org/presentationml/2006/main">
   <p:cSld>
     <p:spTree>
@@ -13723,7 +21038,7 @@
             <a:fld id="{32B39ADD-4258-43C1-B408-3269BEAB59D0}" type="slidenum">
               <a:rPr lang="en-US" smtClean="0"/>
               <a:pPr/>
-              <a:t>26</a:t>
+              <a:t>29</a:t>
             </a:fld>
             <a:endParaRPr lang="en-US"/>
           </a:p>
@@ -13749,7 +21064,416 @@
 </p:sld>
 </file>
 
-<file path=ppt/slides/slide27.xml><?xml version="1.0" encoding="utf-8"?>
+<file path=ppt/slides/slide3.xml><?xml version="1.0" encoding="utf-8"?>
+<p:sld xmlns:a="http://schemas.openxmlformats.org/drawingml/2006/main" xmlns:r="http://schemas.openxmlformats.org/officeDocument/2006/relationships" xmlns:p="http://schemas.openxmlformats.org/presentationml/2006/main">
+  <p:cSld>
+    <p:spTree>
+      <p:nvGrpSpPr>
+        <p:cNvPr id="1" name=""/>
+        <p:cNvGrpSpPr/>
+        <p:nvPr/>
+      </p:nvGrpSpPr>
+      <p:grpSpPr>
+        <a:xfrm>
+          <a:off x="0" y="0"/>
+          <a:ext cx="0" cy="0"/>
+          <a:chOff x="0" y="0"/>
+          <a:chExt cx="0" cy="0"/>
+        </a:xfrm>
+      </p:grpSpPr>
+      <p:sp>
+        <p:nvSpPr>
+          <p:cNvPr id="4" name="Footer Placeholder 3"/>
+          <p:cNvSpPr>
+            <a:spLocks noGrp="1"/>
+          </p:cNvSpPr>
+          <p:nvPr>
+            <p:ph type="ftr" sz="quarter" idx="10"/>
+          </p:nvPr>
+        </p:nvSpPr>
+        <p:spPr/>
+        <p:txBody>
+          <a:bodyPr/>
+          <a:lstStyle/>
+          <a:p>
+            <a:r>
+              <a:rPr lang="en-US"/>
+              <a:t>One-Way IVR</a:t>
+            </a:r>
+          </a:p>
+        </p:txBody>
+      </p:sp>
+      <p:sp>
+        <p:nvSpPr>
+          <p:cNvPr id="5" name="Slide Number Placeholder 4"/>
+          <p:cNvSpPr>
+            <a:spLocks noGrp="1"/>
+          </p:cNvSpPr>
+          <p:nvPr>
+            <p:ph type="sldNum" sz="quarter" idx="11"/>
+          </p:nvPr>
+        </p:nvSpPr>
+        <p:spPr/>
+        <p:txBody>
+          <a:bodyPr/>
+          <a:lstStyle/>
+          <a:p>
+            <a:fld id="{96702BDE-FDD2-452F-B4A3-CC011DD83A86}" type="slidenum">
+              <a:rPr lang="en-US"/>
+              <a:pPr/>
+              <a:t>3</a:t>
+            </a:fld>
+            <a:endParaRPr lang="en-US"/>
+          </a:p>
+        </p:txBody>
+      </p:sp>
+      <p:sp>
+        <p:nvSpPr>
+          <p:cNvPr id="315394" name="Rectangle 2"/>
+          <p:cNvSpPr>
+            <a:spLocks noGrp="1" noChangeArrowheads="1"/>
+          </p:cNvSpPr>
+          <p:nvPr>
+            <p:ph type="title"/>
+          </p:nvPr>
+        </p:nvSpPr>
+        <p:spPr/>
+        <p:txBody>
+          <a:bodyPr/>
+          <a:lstStyle/>
+          <a:p>
+            <a:r>
+              <a:rPr lang="en-US"/>
+              <a:t>Indicator Variable Regression</a:t>
+            </a:r>
+          </a:p>
+        </p:txBody>
+      </p:sp>
+      <p:sp>
+        <p:nvSpPr>
+          <p:cNvPr id="315395" name="Rectangle 3"/>
+          <p:cNvSpPr>
+            <a:spLocks noGrp="1" noChangeArrowheads="1"/>
+          </p:cNvSpPr>
+          <p:nvPr>
+            <p:ph type="body" idx="1"/>
+          </p:nvPr>
+        </p:nvSpPr>
+        <p:spPr>
+          <a:xfrm>
+            <a:off x="304800" y="1143000"/>
+            <a:ext cx="8686800" cy="5334000"/>
+          </a:xfrm>
+        </p:spPr>
+        <p:txBody>
+          <a:bodyPr/>
+          <a:lstStyle/>
+          <a:p>
+            <a:pPr>
+              <a:lnSpc>
+                <a:spcPct val="90000"/>
+              </a:lnSpc>
+            </a:pPr>
+            <a:r>
+              <a:rPr lang="en-US" dirty="0"/>
+              <a:t>A linear regression </a:t>
+            </a:r>
+            <a:r>
+              <a:rPr lang="en-US" dirty="0" smtClean="0"/>
+              <a:t>with …</a:t>
+            </a:r>
+            <a:endParaRPr lang="en-US" dirty="0"/>
+          </a:p>
+          <a:p>
+            <a:pPr lvl="1">
+              <a:lnSpc>
+                <a:spcPct val="90000"/>
+              </a:lnSpc>
+            </a:pPr>
+            <a:r>
+              <a:rPr lang="en-US" dirty="0"/>
+              <a:t>a quantitative explanatory </a:t>
+            </a:r>
+            <a:r>
+              <a:rPr lang="en-US" dirty="0" smtClean="0"/>
+              <a:t>variable</a:t>
+            </a:r>
+          </a:p>
+          <a:p>
+            <a:pPr lvl="2">
+              <a:lnSpc>
+                <a:spcPct val="90000"/>
+              </a:lnSpc>
+            </a:pPr>
+            <a:r>
+              <a:rPr lang="en-US" dirty="0" smtClean="0"/>
+              <a:t>called </a:t>
+            </a:r>
+            <a:r>
+              <a:rPr lang="en-US" dirty="0"/>
+              <a:t>a covariate.</a:t>
+            </a:r>
+          </a:p>
+          <a:p>
+            <a:pPr lvl="1">
+              <a:lnSpc>
+                <a:spcPct val="90000"/>
+              </a:lnSpc>
+            </a:pPr>
+            <a:r>
+              <a:rPr lang="en-US" dirty="0" smtClean="0"/>
+              <a:t>a factor </a:t>
+            </a:r>
+            <a:r>
+              <a:rPr lang="en-US" dirty="0"/>
+              <a:t>explanatory </a:t>
+            </a:r>
+            <a:r>
+              <a:rPr lang="en-US" dirty="0" smtClean="0"/>
+              <a:t>variable</a:t>
+            </a:r>
+          </a:p>
+          <a:p>
+            <a:pPr lvl="2">
+              <a:lnSpc>
+                <a:spcPct val="90000"/>
+              </a:lnSpc>
+            </a:pPr>
+            <a:r>
+              <a:rPr lang="en-US" dirty="0" smtClean="0"/>
+              <a:t>indicates </a:t>
+            </a:r>
+            <a:r>
+              <a:rPr lang="en-US" dirty="0"/>
+              <a:t>to which </a:t>
+            </a:r>
+            <a:r>
+              <a:rPr lang="en-US" dirty="0" smtClean="0"/>
+              <a:t>group </a:t>
+            </a:r>
+            <a:r>
+              <a:rPr lang="en-US" dirty="0"/>
+              <a:t>an individual belongs.</a:t>
+            </a:r>
+          </a:p>
+          <a:p>
+            <a:pPr>
+              <a:lnSpc>
+                <a:spcPct val="90000"/>
+              </a:lnSpc>
+            </a:pPr>
+            <a:endParaRPr lang="en-US" dirty="0"/>
+          </a:p>
+          <a:p>
+            <a:pPr>
+              <a:lnSpc>
+                <a:spcPct val="90000"/>
+              </a:lnSpc>
+            </a:pPr>
+            <a:r>
+              <a:rPr lang="en-US" dirty="0"/>
+              <a:t>C</a:t>
+            </a:r>
+            <a:r>
+              <a:rPr lang="en-US" dirty="0" smtClean="0"/>
+              <a:t>ombines </a:t>
+            </a:r>
+            <a:r>
+              <a:rPr lang="en-US" dirty="0"/>
+              <a:t>aspects of ANOVA and </a:t>
+            </a:r>
+            <a:r>
+              <a:rPr lang="en-US" dirty="0" smtClean="0"/>
+              <a:t>SLR</a:t>
+            </a:r>
+            <a:endParaRPr lang="en-US" dirty="0"/>
+          </a:p>
+          <a:p>
+            <a:pPr>
+              <a:lnSpc>
+                <a:spcPct val="90000"/>
+              </a:lnSpc>
+            </a:pPr>
+            <a:endParaRPr lang="en-US" dirty="0"/>
+          </a:p>
+          <a:p>
+            <a:pPr>
+              <a:lnSpc>
+                <a:spcPct val="90000"/>
+              </a:lnSpc>
+            </a:pPr>
+            <a:r>
+              <a:rPr lang="en-US" dirty="0"/>
+              <a:t>S</a:t>
+            </a:r>
+            <a:r>
+              <a:rPr lang="en-US" dirty="0" smtClean="0"/>
+              <a:t>pecial case is the </a:t>
+            </a:r>
+            <a:r>
+              <a:rPr lang="en-US" dirty="0" err="1"/>
+              <a:t>ANalysis</a:t>
+            </a:r>
+            <a:r>
+              <a:rPr lang="en-US" dirty="0"/>
+              <a:t> of </a:t>
+            </a:r>
+            <a:r>
+              <a:rPr lang="en-US" dirty="0" err="1"/>
+              <a:t>COVAriance</a:t>
+            </a:r>
+            <a:r>
+              <a:rPr lang="en-US" dirty="0"/>
+              <a:t> (ANCOVA</a:t>
+            </a:r>
+            <a:r>
+              <a:rPr lang="en-US" dirty="0" smtClean="0"/>
+              <a:t>)</a:t>
+            </a:r>
+            <a:endParaRPr lang="en-US" dirty="0"/>
+          </a:p>
+        </p:txBody>
+      </p:sp>
+    </p:spTree>
+  </p:cSld>
+  <p:clrMapOvr>
+    <a:masterClrMapping/>
+  </p:clrMapOvr>
+  <p:timing>
+    <p:tnLst>
+      <p:par>
+        <p:cTn id="1" dur="indefinite" restart="never" nodeType="tmRoot">
+          <p:childTnLst>
+            <p:seq concurrent="1" nextAc="seek">
+              <p:cTn id="2" dur="indefinite" nodeType="mainSeq">
+                <p:childTnLst>
+                  <p:par>
+                    <p:cTn id="3" fill="hold">
+                      <p:stCondLst>
+                        <p:cond delay="indefinite"/>
+                      </p:stCondLst>
+                      <p:childTnLst>
+                        <p:par>
+                          <p:cTn id="4" fill="hold">
+                            <p:stCondLst>
+                              <p:cond delay="0"/>
+                            </p:stCondLst>
+                            <p:childTnLst>
+                              <p:par>
+                                <p:cTn id="5" presetID="1" presetClass="entr" presetSubtype="0" fill="hold" grpId="0" nodeType="clickEffect">
+                                  <p:stCondLst>
+                                    <p:cond delay="0"/>
+                                  </p:stCondLst>
+                                  <p:childTnLst>
+                                    <p:set>
+                                      <p:cBhvr>
+                                        <p:cTn id="6" dur="1" fill="hold">
+                                          <p:stCondLst>
+                                            <p:cond delay="0"/>
+                                          </p:stCondLst>
+                                        </p:cTn>
+                                        <p:tgtEl>
+                                          <p:spTgt spid="315395">
+                                            <p:txEl>
+                                              <p:pRg st="6" end="6"/>
+                                            </p:txEl>
+                                          </p:spTgt>
+                                        </p:tgtEl>
+                                        <p:attrNameLst>
+                                          <p:attrName>style.visibility</p:attrName>
+                                        </p:attrNameLst>
+                                      </p:cBhvr>
+                                      <p:to>
+                                        <p:strVal val="visible"/>
+                                      </p:to>
+                                    </p:set>
+                                  </p:childTnLst>
+                                </p:cTn>
+                              </p:par>
+                            </p:childTnLst>
+                          </p:cTn>
+                        </p:par>
+                      </p:childTnLst>
+                    </p:cTn>
+                  </p:par>
+                  <p:par>
+                    <p:cTn id="7" fill="hold">
+                      <p:stCondLst>
+                        <p:cond delay="indefinite"/>
+                      </p:stCondLst>
+                      <p:childTnLst>
+                        <p:par>
+                          <p:cTn id="8" fill="hold">
+                            <p:stCondLst>
+                              <p:cond delay="0"/>
+                            </p:stCondLst>
+                            <p:childTnLst>
+                              <p:par>
+                                <p:cTn id="9" presetID="1" presetClass="entr" presetSubtype="0" fill="hold" grpId="0" nodeType="clickEffect">
+                                  <p:stCondLst>
+                                    <p:cond delay="0"/>
+                                  </p:stCondLst>
+                                  <p:childTnLst>
+                                    <p:set>
+                                      <p:cBhvr>
+                                        <p:cTn id="10" dur="1" fill="hold">
+                                          <p:stCondLst>
+                                            <p:cond delay="0"/>
+                                          </p:stCondLst>
+                                        </p:cTn>
+                                        <p:tgtEl>
+                                          <p:spTgt spid="315395">
+                                            <p:txEl>
+                                              <p:pRg st="8" end="8"/>
+                                            </p:txEl>
+                                          </p:spTgt>
+                                        </p:tgtEl>
+                                        <p:attrNameLst>
+                                          <p:attrName>style.visibility</p:attrName>
+                                        </p:attrNameLst>
+                                      </p:cBhvr>
+                                      <p:to>
+                                        <p:strVal val="visible"/>
+                                      </p:to>
+                                    </p:set>
+                                  </p:childTnLst>
+                                </p:cTn>
+                              </p:par>
+                            </p:childTnLst>
+                          </p:cTn>
+                        </p:par>
+                      </p:childTnLst>
+                    </p:cTn>
+                  </p:par>
+                </p:childTnLst>
+              </p:cTn>
+              <p:prevCondLst>
+                <p:cond evt="onPrev" delay="0">
+                  <p:tgtEl>
+                    <p:sldTgt/>
+                  </p:tgtEl>
+                </p:cond>
+              </p:prevCondLst>
+              <p:nextCondLst>
+                <p:cond evt="onNext" delay="0">
+                  <p:tgtEl>
+                    <p:sldTgt/>
+                  </p:tgtEl>
+                </p:cond>
+              </p:nextCondLst>
+            </p:seq>
+          </p:childTnLst>
+        </p:cTn>
+      </p:par>
+    </p:tnLst>
+    <p:bldLst>
+      <p:bldP spid="315395" grpId="0" uiExpand="1" build="p"/>
+    </p:bldLst>
+  </p:timing>
+</p:sld>
+</file>
+
+<file path=ppt/slides/slide30.xml><?xml version="1.0" encoding="utf-8"?>
 <p:sld xmlns:a="http://schemas.openxmlformats.org/drawingml/2006/main" xmlns:r="http://schemas.openxmlformats.org/officeDocument/2006/relationships" xmlns:p="http://schemas.openxmlformats.org/presentationml/2006/main">
   <p:cSld>
     <p:spTree>
@@ -13871,7 +21595,7 @@
             <a:fld id="{32B39ADD-4258-43C1-B408-3269BEAB59D0}" type="slidenum">
               <a:rPr lang="en-US" smtClean="0"/>
               <a:pPr/>
-              <a:t>27</a:t>
+              <a:t>30</a:t>
             </a:fld>
             <a:endParaRPr lang="en-US"/>
           </a:p>
@@ -13897,7 +21621,7 @@
 </p:sld>
 </file>
 
-<file path=ppt/slides/slide28.xml><?xml version="1.0" encoding="utf-8"?>
+<file path=ppt/slides/slide31.xml><?xml version="1.0" encoding="utf-8"?>
 <p:sld xmlns:a="http://schemas.openxmlformats.org/drawingml/2006/main" xmlns:r="http://schemas.openxmlformats.org/officeDocument/2006/relationships" xmlns:p="http://schemas.openxmlformats.org/presentationml/2006/main">
   <p:cSld>
     <p:spTree>
@@ -13954,7 +21678,7 @@
             <a:fld id="{B0113F52-6923-4A2B-AFCA-B2116D881E0F}" type="slidenum">
               <a:rPr lang="en-US"/>
               <a:pPr/>
-              <a:t>28</a:t>
+              <a:t>31</a:t>
             </a:fld>
             <a:endParaRPr lang="en-US"/>
           </a:p>
@@ -14280,7 +22004,7 @@
 </p:sld>
 </file>
 
-<file path=ppt/slides/slide29.xml><?xml version="1.0" encoding="utf-8"?>
+<file path=ppt/slides/slide32.xml><?xml version="1.0" encoding="utf-8"?>
 <p:sld xmlns:a="http://schemas.openxmlformats.org/drawingml/2006/main" xmlns:r="http://schemas.openxmlformats.org/officeDocument/2006/relationships" xmlns:p="http://schemas.openxmlformats.org/presentationml/2006/main">
   <p:cSld>
     <p:spTree>
@@ -14337,7 +22061,7 @@
             <a:fld id="{A36058DD-901A-48C6-8E10-18FC5D71E05A}" type="slidenum">
               <a:rPr lang="en-US"/>
               <a:pPr/>
-              <a:t>29</a:t>
+              <a:t>32</a:t>
             </a:fld>
             <a:endParaRPr lang="en-US"/>
           </a:p>
@@ -14761,416 +22485,7 @@
 </p:sld>
 </file>
 
-<file path=ppt/slides/slide3.xml><?xml version="1.0" encoding="utf-8"?>
-<p:sld xmlns:a="http://schemas.openxmlformats.org/drawingml/2006/main" xmlns:r="http://schemas.openxmlformats.org/officeDocument/2006/relationships" xmlns:p="http://schemas.openxmlformats.org/presentationml/2006/main">
-  <p:cSld>
-    <p:spTree>
-      <p:nvGrpSpPr>
-        <p:cNvPr id="1" name=""/>
-        <p:cNvGrpSpPr/>
-        <p:nvPr/>
-      </p:nvGrpSpPr>
-      <p:grpSpPr>
-        <a:xfrm>
-          <a:off x="0" y="0"/>
-          <a:ext cx="0" cy="0"/>
-          <a:chOff x="0" y="0"/>
-          <a:chExt cx="0" cy="0"/>
-        </a:xfrm>
-      </p:grpSpPr>
-      <p:sp>
-        <p:nvSpPr>
-          <p:cNvPr id="4" name="Footer Placeholder 3"/>
-          <p:cNvSpPr>
-            <a:spLocks noGrp="1"/>
-          </p:cNvSpPr>
-          <p:nvPr>
-            <p:ph type="ftr" sz="quarter" idx="10"/>
-          </p:nvPr>
-        </p:nvSpPr>
-        <p:spPr/>
-        <p:txBody>
-          <a:bodyPr/>
-          <a:lstStyle/>
-          <a:p>
-            <a:r>
-              <a:rPr lang="en-US"/>
-              <a:t>One-Way IVR</a:t>
-            </a:r>
-          </a:p>
-        </p:txBody>
-      </p:sp>
-      <p:sp>
-        <p:nvSpPr>
-          <p:cNvPr id="5" name="Slide Number Placeholder 4"/>
-          <p:cNvSpPr>
-            <a:spLocks noGrp="1"/>
-          </p:cNvSpPr>
-          <p:nvPr>
-            <p:ph type="sldNum" sz="quarter" idx="11"/>
-          </p:nvPr>
-        </p:nvSpPr>
-        <p:spPr/>
-        <p:txBody>
-          <a:bodyPr/>
-          <a:lstStyle/>
-          <a:p>
-            <a:fld id="{96702BDE-FDD2-452F-B4A3-CC011DD83A86}" type="slidenum">
-              <a:rPr lang="en-US"/>
-              <a:pPr/>
-              <a:t>3</a:t>
-            </a:fld>
-            <a:endParaRPr lang="en-US"/>
-          </a:p>
-        </p:txBody>
-      </p:sp>
-      <p:sp>
-        <p:nvSpPr>
-          <p:cNvPr id="315394" name="Rectangle 2"/>
-          <p:cNvSpPr>
-            <a:spLocks noGrp="1" noChangeArrowheads="1"/>
-          </p:cNvSpPr>
-          <p:nvPr>
-            <p:ph type="title"/>
-          </p:nvPr>
-        </p:nvSpPr>
-        <p:spPr/>
-        <p:txBody>
-          <a:bodyPr/>
-          <a:lstStyle/>
-          <a:p>
-            <a:r>
-              <a:rPr lang="en-US"/>
-              <a:t>Indicator Variable Regression</a:t>
-            </a:r>
-          </a:p>
-        </p:txBody>
-      </p:sp>
-      <p:sp>
-        <p:nvSpPr>
-          <p:cNvPr id="315395" name="Rectangle 3"/>
-          <p:cNvSpPr>
-            <a:spLocks noGrp="1" noChangeArrowheads="1"/>
-          </p:cNvSpPr>
-          <p:nvPr>
-            <p:ph type="body" idx="1"/>
-          </p:nvPr>
-        </p:nvSpPr>
-        <p:spPr>
-          <a:xfrm>
-            <a:off x="304800" y="1143000"/>
-            <a:ext cx="8686800" cy="5334000"/>
-          </a:xfrm>
-        </p:spPr>
-        <p:txBody>
-          <a:bodyPr/>
-          <a:lstStyle/>
-          <a:p>
-            <a:pPr>
-              <a:lnSpc>
-                <a:spcPct val="90000"/>
-              </a:lnSpc>
-            </a:pPr>
-            <a:r>
-              <a:rPr lang="en-US" dirty="0"/>
-              <a:t>A linear regression </a:t>
-            </a:r>
-            <a:r>
-              <a:rPr lang="en-US" dirty="0" smtClean="0"/>
-              <a:t>with …</a:t>
-            </a:r>
-            <a:endParaRPr lang="en-US" dirty="0"/>
-          </a:p>
-          <a:p>
-            <a:pPr lvl="1">
-              <a:lnSpc>
-                <a:spcPct val="90000"/>
-              </a:lnSpc>
-            </a:pPr>
-            <a:r>
-              <a:rPr lang="en-US" dirty="0"/>
-              <a:t>a quantitative explanatory </a:t>
-            </a:r>
-            <a:r>
-              <a:rPr lang="en-US" dirty="0" smtClean="0"/>
-              <a:t>variable</a:t>
-            </a:r>
-          </a:p>
-          <a:p>
-            <a:pPr lvl="2">
-              <a:lnSpc>
-                <a:spcPct val="90000"/>
-              </a:lnSpc>
-            </a:pPr>
-            <a:r>
-              <a:rPr lang="en-US" dirty="0" smtClean="0"/>
-              <a:t>called </a:t>
-            </a:r>
-            <a:r>
-              <a:rPr lang="en-US" dirty="0"/>
-              <a:t>a covariate.</a:t>
-            </a:r>
-          </a:p>
-          <a:p>
-            <a:pPr lvl="1">
-              <a:lnSpc>
-                <a:spcPct val="90000"/>
-              </a:lnSpc>
-            </a:pPr>
-            <a:r>
-              <a:rPr lang="en-US" dirty="0" smtClean="0"/>
-              <a:t>a factor </a:t>
-            </a:r>
-            <a:r>
-              <a:rPr lang="en-US" dirty="0"/>
-              <a:t>explanatory </a:t>
-            </a:r>
-            <a:r>
-              <a:rPr lang="en-US" dirty="0" smtClean="0"/>
-              <a:t>variable</a:t>
-            </a:r>
-          </a:p>
-          <a:p>
-            <a:pPr lvl="2">
-              <a:lnSpc>
-                <a:spcPct val="90000"/>
-              </a:lnSpc>
-            </a:pPr>
-            <a:r>
-              <a:rPr lang="en-US" dirty="0" smtClean="0"/>
-              <a:t>indicates </a:t>
-            </a:r>
-            <a:r>
-              <a:rPr lang="en-US" dirty="0"/>
-              <a:t>to which </a:t>
-            </a:r>
-            <a:r>
-              <a:rPr lang="en-US" dirty="0" smtClean="0"/>
-              <a:t>group </a:t>
-            </a:r>
-            <a:r>
-              <a:rPr lang="en-US" dirty="0"/>
-              <a:t>an individual belongs.</a:t>
-            </a:r>
-          </a:p>
-          <a:p>
-            <a:pPr>
-              <a:lnSpc>
-                <a:spcPct val="90000"/>
-              </a:lnSpc>
-            </a:pPr>
-            <a:endParaRPr lang="en-US" dirty="0"/>
-          </a:p>
-          <a:p>
-            <a:pPr>
-              <a:lnSpc>
-                <a:spcPct val="90000"/>
-              </a:lnSpc>
-            </a:pPr>
-            <a:r>
-              <a:rPr lang="en-US" dirty="0"/>
-              <a:t>C</a:t>
-            </a:r>
-            <a:r>
-              <a:rPr lang="en-US" dirty="0" smtClean="0"/>
-              <a:t>ombines </a:t>
-            </a:r>
-            <a:r>
-              <a:rPr lang="en-US" dirty="0"/>
-              <a:t>aspects of ANOVA and </a:t>
-            </a:r>
-            <a:r>
-              <a:rPr lang="en-US" dirty="0" smtClean="0"/>
-              <a:t>SLR</a:t>
-            </a:r>
-            <a:endParaRPr lang="en-US" dirty="0"/>
-          </a:p>
-          <a:p>
-            <a:pPr>
-              <a:lnSpc>
-                <a:spcPct val="90000"/>
-              </a:lnSpc>
-            </a:pPr>
-            <a:endParaRPr lang="en-US" dirty="0"/>
-          </a:p>
-          <a:p>
-            <a:pPr>
-              <a:lnSpc>
-                <a:spcPct val="90000"/>
-              </a:lnSpc>
-            </a:pPr>
-            <a:r>
-              <a:rPr lang="en-US" dirty="0"/>
-              <a:t>S</a:t>
-            </a:r>
-            <a:r>
-              <a:rPr lang="en-US" dirty="0" smtClean="0"/>
-              <a:t>pecial case is the </a:t>
-            </a:r>
-            <a:r>
-              <a:rPr lang="en-US" dirty="0" err="1"/>
-              <a:t>ANalysis</a:t>
-            </a:r>
-            <a:r>
-              <a:rPr lang="en-US" dirty="0"/>
-              <a:t> of </a:t>
-            </a:r>
-            <a:r>
-              <a:rPr lang="en-US" dirty="0" err="1"/>
-              <a:t>COVAriance</a:t>
-            </a:r>
-            <a:r>
-              <a:rPr lang="en-US" dirty="0"/>
-              <a:t> (ANCOVA</a:t>
-            </a:r>
-            <a:r>
-              <a:rPr lang="en-US" dirty="0" smtClean="0"/>
-              <a:t>)</a:t>
-            </a:r>
-            <a:endParaRPr lang="en-US" dirty="0"/>
-          </a:p>
-        </p:txBody>
-      </p:sp>
-    </p:spTree>
-  </p:cSld>
-  <p:clrMapOvr>
-    <a:masterClrMapping/>
-  </p:clrMapOvr>
-  <p:timing>
-    <p:tnLst>
-      <p:par>
-        <p:cTn id="1" dur="indefinite" restart="never" nodeType="tmRoot">
-          <p:childTnLst>
-            <p:seq concurrent="1" nextAc="seek">
-              <p:cTn id="2" dur="indefinite" nodeType="mainSeq">
-                <p:childTnLst>
-                  <p:par>
-                    <p:cTn id="3" fill="hold">
-                      <p:stCondLst>
-                        <p:cond delay="indefinite"/>
-                      </p:stCondLst>
-                      <p:childTnLst>
-                        <p:par>
-                          <p:cTn id="4" fill="hold">
-                            <p:stCondLst>
-                              <p:cond delay="0"/>
-                            </p:stCondLst>
-                            <p:childTnLst>
-                              <p:par>
-                                <p:cTn id="5" presetID="1" presetClass="entr" presetSubtype="0" fill="hold" grpId="0" nodeType="clickEffect">
-                                  <p:stCondLst>
-                                    <p:cond delay="0"/>
-                                  </p:stCondLst>
-                                  <p:childTnLst>
-                                    <p:set>
-                                      <p:cBhvr>
-                                        <p:cTn id="6" dur="1" fill="hold">
-                                          <p:stCondLst>
-                                            <p:cond delay="0"/>
-                                          </p:stCondLst>
-                                        </p:cTn>
-                                        <p:tgtEl>
-                                          <p:spTgt spid="315395">
-                                            <p:txEl>
-                                              <p:pRg st="6" end="6"/>
-                                            </p:txEl>
-                                          </p:spTgt>
-                                        </p:tgtEl>
-                                        <p:attrNameLst>
-                                          <p:attrName>style.visibility</p:attrName>
-                                        </p:attrNameLst>
-                                      </p:cBhvr>
-                                      <p:to>
-                                        <p:strVal val="visible"/>
-                                      </p:to>
-                                    </p:set>
-                                  </p:childTnLst>
-                                </p:cTn>
-                              </p:par>
-                            </p:childTnLst>
-                          </p:cTn>
-                        </p:par>
-                      </p:childTnLst>
-                    </p:cTn>
-                  </p:par>
-                  <p:par>
-                    <p:cTn id="7" fill="hold">
-                      <p:stCondLst>
-                        <p:cond delay="indefinite"/>
-                      </p:stCondLst>
-                      <p:childTnLst>
-                        <p:par>
-                          <p:cTn id="8" fill="hold">
-                            <p:stCondLst>
-                              <p:cond delay="0"/>
-                            </p:stCondLst>
-                            <p:childTnLst>
-                              <p:par>
-                                <p:cTn id="9" presetID="1" presetClass="entr" presetSubtype="0" fill="hold" grpId="0" nodeType="clickEffect">
-                                  <p:stCondLst>
-                                    <p:cond delay="0"/>
-                                  </p:stCondLst>
-                                  <p:childTnLst>
-                                    <p:set>
-                                      <p:cBhvr>
-                                        <p:cTn id="10" dur="1" fill="hold">
-                                          <p:stCondLst>
-                                            <p:cond delay="0"/>
-                                          </p:stCondLst>
-                                        </p:cTn>
-                                        <p:tgtEl>
-                                          <p:spTgt spid="315395">
-                                            <p:txEl>
-                                              <p:pRg st="8" end="8"/>
-                                            </p:txEl>
-                                          </p:spTgt>
-                                        </p:tgtEl>
-                                        <p:attrNameLst>
-                                          <p:attrName>style.visibility</p:attrName>
-                                        </p:attrNameLst>
-                                      </p:cBhvr>
-                                      <p:to>
-                                        <p:strVal val="visible"/>
-                                      </p:to>
-                                    </p:set>
-                                  </p:childTnLst>
-                                </p:cTn>
-                              </p:par>
-                            </p:childTnLst>
-                          </p:cTn>
-                        </p:par>
-                      </p:childTnLst>
-                    </p:cTn>
-                  </p:par>
-                </p:childTnLst>
-              </p:cTn>
-              <p:prevCondLst>
-                <p:cond evt="onPrev" delay="0">
-                  <p:tgtEl>
-                    <p:sldTgt/>
-                  </p:tgtEl>
-                </p:cond>
-              </p:prevCondLst>
-              <p:nextCondLst>
-                <p:cond evt="onNext" delay="0">
-                  <p:tgtEl>
-                    <p:sldTgt/>
-                  </p:tgtEl>
-                </p:cond>
-              </p:nextCondLst>
-            </p:seq>
-          </p:childTnLst>
-        </p:cTn>
-      </p:par>
-    </p:tnLst>
-    <p:bldLst>
-      <p:bldP spid="315395" grpId="0" uiExpand="1" build="p"/>
-    </p:bldLst>
-  </p:timing>
-</p:sld>
-</file>
-
-<file path=ppt/slides/slide30.xml><?xml version="1.0" encoding="utf-8"?>
+<file path=ppt/slides/slide33.xml><?xml version="1.0" encoding="utf-8"?>
 <p:sld xmlns:a="http://schemas.openxmlformats.org/drawingml/2006/main" xmlns:r="http://schemas.openxmlformats.org/officeDocument/2006/relationships" xmlns:p="http://schemas.openxmlformats.org/presentationml/2006/main">
   <p:cSld>
     <p:spTree>
@@ -15227,7 +22542,7 @@
             <a:fld id="{B4488DE3-B5FD-4093-AD8E-70D6C7DBA60E}" type="slidenum">
               <a:rPr lang="en-US"/>
               <a:pPr/>
-              <a:t>30</a:t>
+              <a:t>33</a:t>
             </a:fld>
             <a:endParaRPr lang="en-US"/>
           </a:p>
@@ -15559,7 +22874,7 @@
 </p:sld>
 </file>
 
-<file path=ppt/slides/slide31.xml><?xml version="1.0" encoding="utf-8"?>
+<file path=ppt/slides/slide34.xml><?xml version="1.0" encoding="utf-8"?>
 <p:sld xmlns:a="http://schemas.openxmlformats.org/drawingml/2006/main" xmlns:r="http://schemas.openxmlformats.org/officeDocument/2006/relationships" xmlns:p="http://schemas.openxmlformats.org/presentationml/2006/main">
   <p:cSld>
     <p:spTree>
@@ -15616,7 +22931,7 @@
             <a:fld id="{66B695DD-796C-42B5-BF68-8A388B7274C0}" type="slidenum">
               <a:rPr lang="en-US"/>
               <a:pPr/>
-              <a:t>31</a:t>
+              <a:t>34</a:t>
             </a:fld>
             <a:endParaRPr lang="en-US"/>
           </a:p>
@@ -16629,7 +23944,7 @@
 </p:sld>
 </file>
 
-<file path=ppt/slides/slide32.xml><?xml version="1.0" encoding="utf-8"?>
+<file path=ppt/slides/slide35.xml><?xml version="1.0" encoding="utf-8"?>
 <p:sld xmlns:a="http://schemas.openxmlformats.org/drawingml/2006/main" xmlns:r="http://schemas.openxmlformats.org/officeDocument/2006/relationships" xmlns:p="http://schemas.openxmlformats.org/presentationml/2006/main">
   <p:cSld>
     <p:spTree>
@@ -16744,7 +24059,7 @@
             <a:fld id="{51E694B2-2FB9-42E6-ADB0-92C8DE45EE1E}" type="slidenum">
               <a:rPr lang="en-US"/>
               <a:pPr/>
-              <a:t>32</a:t>
+              <a:t>35</a:t>
             </a:fld>
             <a:endParaRPr lang="en-US"/>
           </a:p>
@@ -16831,7 +24146,7 @@
 </p:sld>
 </file>
 
-<file path=ppt/slides/slide33.xml><?xml version="1.0" encoding="utf-8"?>
+<file path=ppt/slides/slide36.xml><?xml version="1.0" encoding="utf-8"?>
 <p:sld xmlns:a="http://schemas.openxmlformats.org/drawingml/2006/main" xmlns:r="http://schemas.openxmlformats.org/officeDocument/2006/relationships" xmlns:p="http://schemas.openxmlformats.org/presentationml/2006/main">
   <p:cSld>
     <p:spTree>
@@ -16953,7 +24268,7 @@
             <a:fld id="{32B39ADD-4258-43C1-B408-3269BEAB59D0}" type="slidenum">
               <a:rPr lang="en-US" smtClean="0"/>
               <a:pPr/>
-              <a:t>33</a:t>
+              <a:t>36</a:t>
             </a:fld>
             <a:endParaRPr lang="en-US"/>
           </a:p>
@@ -16979,7 +24294,7 @@
 </p:sld>
 </file>
 
-<file path=ppt/slides/slide34.xml><?xml version="1.0" encoding="utf-8"?>
+<file path=ppt/slides/slide37.xml><?xml version="1.0" encoding="utf-8"?>
 <p:sld xmlns:a="http://schemas.openxmlformats.org/drawingml/2006/main" xmlns:r="http://schemas.openxmlformats.org/officeDocument/2006/relationships" xmlns:p="http://schemas.openxmlformats.org/presentationml/2006/main">
   <p:cSld>
     <p:spTree>
@@ -17036,7 +24351,7 @@
             <a:fld id="{8A43230D-5F87-4B1B-BD96-F250871C72B0}" type="slidenum">
               <a:rPr lang="en-US"/>
               <a:pPr/>
-              <a:t>34</a:t>
+              <a:t>37</a:t>
             </a:fld>
             <a:endParaRPr lang="en-US"/>
           </a:p>
@@ -17367,7 +24682,7 @@
 </p:sld>
 </file>
 
-<file path=ppt/slides/slide35.xml><?xml version="1.0" encoding="utf-8"?>
+<file path=ppt/slides/slide38.xml><?xml version="1.0" encoding="utf-8"?>
 <p:sld xmlns:a="http://schemas.openxmlformats.org/drawingml/2006/main" xmlns:r="http://schemas.openxmlformats.org/officeDocument/2006/relationships" xmlns:p="http://schemas.openxmlformats.org/presentationml/2006/main">
   <p:cSld>
     <p:spTree>
@@ -17424,7 +24739,7 @@
             <a:fld id="{8ADE2277-2875-48A0-9D97-A4CDA145FBD9}" type="slidenum">
               <a:rPr lang="en-US"/>
               <a:pPr/>
-              <a:t>35</a:t>
+              <a:t>38</a:t>
             </a:fld>
             <a:endParaRPr lang="en-US"/>
           </a:p>
@@ -17847,7 +25162,7 @@
 </p:sld>
 </file>
 
-<file path=ppt/slides/slide36.xml><?xml version="1.0" encoding="utf-8"?>
+<file path=ppt/slides/slide39.xml><?xml version="1.0" encoding="utf-8"?>
 <p:sld xmlns:a="http://schemas.openxmlformats.org/drawingml/2006/main" xmlns:r="http://schemas.openxmlformats.org/officeDocument/2006/relationships" xmlns:p="http://schemas.openxmlformats.org/presentationml/2006/main">
   <p:cSld>
     <p:spTree>
@@ -17904,7 +25219,7 @@
             <a:fld id="{392864CF-D5CD-4613-9E2B-293F2FF7BF8D}" type="slidenum">
               <a:rPr lang="en-US"/>
               <a:pPr/>
-              <a:t>36</a:t>
+              <a:t>39</a:t>
             </a:fld>
             <a:endParaRPr lang="en-US"/>
           </a:p>
@@ -18235,7 +25550,531 @@
 </p:sld>
 </file>
 
-<file path=ppt/slides/slide37.xml><?xml version="1.0" encoding="utf-8"?>
+<file path=ppt/slides/slide4.xml><?xml version="1.0" encoding="utf-8"?>
+<p:sld xmlns:a="http://schemas.openxmlformats.org/drawingml/2006/main" xmlns:r="http://schemas.openxmlformats.org/officeDocument/2006/relationships" xmlns:p="http://schemas.openxmlformats.org/presentationml/2006/main">
+  <p:cSld>
+    <p:spTree>
+      <p:nvGrpSpPr>
+        <p:cNvPr id="1" name=""/>
+        <p:cNvGrpSpPr/>
+        <p:nvPr/>
+      </p:nvGrpSpPr>
+      <p:grpSpPr>
+        <a:xfrm>
+          <a:off x="0" y="0"/>
+          <a:ext cx="0" cy="0"/>
+          <a:chOff x="0" y="0"/>
+          <a:chExt cx="0" cy="0"/>
+        </a:xfrm>
+      </p:grpSpPr>
+      <p:sp>
+        <p:nvSpPr>
+          <p:cNvPr id="4" name="Footer Placeholder 3"/>
+          <p:cNvSpPr>
+            <a:spLocks noGrp="1"/>
+          </p:cNvSpPr>
+          <p:nvPr>
+            <p:ph type="ftr" sz="quarter" idx="10"/>
+          </p:nvPr>
+        </p:nvSpPr>
+        <p:spPr/>
+        <p:txBody>
+          <a:bodyPr/>
+          <a:lstStyle/>
+          <a:p>
+            <a:r>
+              <a:rPr lang="en-US"/>
+              <a:t>One-Way IVR</a:t>
+            </a:r>
+          </a:p>
+        </p:txBody>
+      </p:sp>
+      <p:sp>
+        <p:nvSpPr>
+          <p:cNvPr id="5" name="Slide Number Placeholder 4"/>
+          <p:cNvSpPr>
+            <a:spLocks noGrp="1"/>
+          </p:cNvSpPr>
+          <p:nvPr>
+            <p:ph type="sldNum" sz="quarter" idx="11"/>
+          </p:nvPr>
+        </p:nvSpPr>
+        <p:spPr/>
+        <p:txBody>
+          <a:bodyPr/>
+          <a:lstStyle/>
+          <a:p>
+            <a:fld id="{10BC5D56-416E-40BE-915F-7AAF76F5CA3C}" type="slidenum">
+              <a:rPr lang="en-US"/>
+              <a:pPr/>
+              <a:t>4</a:t>
+            </a:fld>
+            <a:endParaRPr lang="en-US"/>
+          </a:p>
+        </p:txBody>
+      </p:sp>
+      <p:sp>
+        <p:nvSpPr>
+          <p:cNvPr id="306178" name="Rectangle 2"/>
+          <p:cNvSpPr>
+            <a:spLocks noGrp="1" noChangeArrowheads="1"/>
+          </p:cNvSpPr>
+          <p:nvPr>
+            <p:ph type="title"/>
+          </p:nvPr>
+        </p:nvSpPr>
+        <p:spPr>
+          <a:xfrm>
+            <a:off x="457200" y="76200"/>
+            <a:ext cx="8229600" cy="868363"/>
+          </a:xfrm>
+        </p:spPr>
+        <p:txBody>
+          <a:bodyPr/>
+          <a:lstStyle/>
+          <a:p>
+            <a:r>
+              <a:rPr lang="en-US"/>
+              <a:t>Indicator Variables</a:t>
+            </a:r>
+          </a:p>
+        </p:txBody>
+      </p:sp>
+      <p:sp>
+        <p:nvSpPr>
+          <p:cNvPr id="306179" name="Rectangle 3"/>
+          <p:cNvSpPr>
+            <a:spLocks noGrp="1" noChangeArrowheads="1"/>
+          </p:cNvSpPr>
+          <p:nvPr>
+            <p:ph type="body" idx="1"/>
+          </p:nvPr>
+        </p:nvSpPr>
+        <p:spPr>
+          <a:xfrm>
+            <a:off x="152400" y="914400"/>
+            <a:ext cx="8763000" cy="5692775"/>
+          </a:xfrm>
+        </p:spPr>
+        <p:txBody>
+          <a:bodyPr/>
+          <a:lstStyle/>
+          <a:p>
+            <a:r>
+              <a:rPr lang="en-US" dirty="0"/>
+              <a:t>N</a:t>
+            </a:r>
+            <a:r>
+              <a:rPr lang="en-US" dirty="0" smtClean="0"/>
+              <a:t>umerical </a:t>
+            </a:r>
+            <a:r>
+              <a:rPr lang="en-US" dirty="0"/>
+              <a:t>representation of a dichotomous </a:t>
+            </a:r>
+            <a:r>
+              <a:rPr lang="en-US" dirty="0" smtClean="0"/>
+              <a:t>factor variable</a:t>
+            </a:r>
+            <a:endParaRPr lang="en-US" dirty="0">
+              <a:sym typeface="Wingdings" pitchFamily="2" charset="2"/>
+            </a:endParaRPr>
+          </a:p>
+          <a:p>
+            <a:pPr lvl="1"/>
+            <a:r>
+              <a:rPr lang="en-US" dirty="0"/>
+              <a:t>Indicator variable called </a:t>
+            </a:r>
+            <a:r>
+              <a:rPr lang="en-US" b="1" dirty="0" smtClean="0">
+                <a:solidFill>
+                  <a:schemeClr val="accent2"/>
+                </a:solidFill>
+              </a:rPr>
+              <a:t>NB</a:t>
+            </a:r>
+            <a:endParaRPr lang="en-US" b="1" dirty="0">
+              <a:solidFill>
+                <a:schemeClr val="accent2"/>
+              </a:solidFill>
+            </a:endParaRPr>
+          </a:p>
+          <a:p>
+            <a:pPr lvl="2"/>
+            <a:r>
+              <a:rPr lang="en-US" b="1" dirty="0" smtClean="0">
+                <a:solidFill>
+                  <a:schemeClr val="accent2"/>
+                </a:solidFill>
+              </a:rPr>
+              <a:t>NB </a:t>
+            </a:r>
+            <a:r>
+              <a:rPr lang="en-US" b="1" dirty="0">
+                <a:solidFill>
+                  <a:schemeClr val="accent2"/>
+                </a:solidFill>
+              </a:rPr>
+              <a:t>= 1</a:t>
+            </a:r>
+            <a:r>
+              <a:rPr lang="en-US" dirty="0"/>
+              <a:t> if </a:t>
+            </a:r>
+            <a:r>
+              <a:rPr lang="en-US" dirty="0" smtClean="0"/>
+              <a:t>in non-breeding season</a:t>
+            </a:r>
+            <a:endParaRPr lang="en-US" dirty="0"/>
+          </a:p>
+          <a:p>
+            <a:pPr lvl="2"/>
+            <a:r>
+              <a:rPr lang="en-US" b="1" dirty="0" smtClean="0">
+                <a:solidFill>
+                  <a:schemeClr val="accent2"/>
+                </a:solidFill>
+              </a:rPr>
+              <a:t>NB </a:t>
+            </a:r>
+            <a:r>
+              <a:rPr lang="en-US" b="1" dirty="0">
+                <a:solidFill>
+                  <a:schemeClr val="accent2"/>
+                </a:solidFill>
+              </a:rPr>
+              <a:t>= 0</a:t>
+            </a:r>
+            <a:r>
+              <a:rPr lang="en-US" dirty="0"/>
+              <a:t> otherwise (i.e., </a:t>
+            </a:r>
+            <a:r>
+              <a:rPr lang="en-US" dirty="0" smtClean="0"/>
+              <a:t>in breeding season)</a:t>
+            </a:r>
+            <a:endParaRPr lang="en-US" dirty="0"/>
+          </a:p>
+          <a:p>
+            <a:endParaRPr lang="en-US" dirty="0" smtClean="0"/>
+          </a:p>
+          <a:p>
+            <a:r>
+              <a:rPr lang="en-US" dirty="0" smtClean="0"/>
+              <a:t>Named </a:t>
+            </a:r>
+            <a:r>
+              <a:rPr lang="en-US" dirty="0"/>
+              <a:t>after “1” group</a:t>
+            </a:r>
+          </a:p>
+          <a:p>
+            <a:r>
+              <a:rPr lang="en-US" dirty="0"/>
+              <a:t>“0” group does not have characteristic</a:t>
+            </a:r>
+          </a:p>
+          <a:p>
+            <a:pPr lvl="1"/>
+            <a:r>
+              <a:rPr lang="en-US" dirty="0"/>
+              <a:t>called the “reference” group</a:t>
+            </a:r>
+          </a:p>
+        </p:txBody>
+      </p:sp>
+    </p:spTree>
+  </p:cSld>
+  <p:clrMapOvr>
+    <a:masterClrMapping/>
+  </p:clrMapOvr>
+  <p:timing>
+    <p:tnLst>
+      <p:par>
+        <p:cTn id="1" dur="indefinite" restart="never" nodeType="tmRoot">
+          <p:childTnLst>
+            <p:seq concurrent="1" nextAc="seek">
+              <p:cTn id="2" dur="indefinite" nodeType="mainSeq">
+                <p:childTnLst>
+                  <p:par>
+                    <p:cTn id="3" fill="hold">
+                      <p:stCondLst>
+                        <p:cond delay="indefinite"/>
+                      </p:stCondLst>
+                      <p:childTnLst>
+                        <p:par>
+                          <p:cTn id="4" fill="hold">
+                            <p:stCondLst>
+                              <p:cond delay="0"/>
+                            </p:stCondLst>
+                            <p:childTnLst>
+                              <p:par>
+                                <p:cTn id="5" presetID="1" presetClass="entr" presetSubtype="0" fill="hold" grpId="0" nodeType="clickEffect">
+                                  <p:stCondLst>
+                                    <p:cond delay="0"/>
+                                  </p:stCondLst>
+                                  <p:childTnLst>
+                                    <p:set>
+                                      <p:cBhvr>
+                                        <p:cTn id="6" dur="1" fill="hold">
+                                          <p:stCondLst>
+                                            <p:cond delay="0"/>
+                                          </p:stCondLst>
+                                        </p:cTn>
+                                        <p:tgtEl>
+                                          <p:spTgt spid="306179">
+                                            <p:txEl>
+                                              <p:pRg st="1" end="1"/>
+                                            </p:txEl>
+                                          </p:spTgt>
+                                        </p:tgtEl>
+                                        <p:attrNameLst>
+                                          <p:attrName>style.visibility</p:attrName>
+                                        </p:attrNameLst>
+                                      </p:cBhvr>
+                                      <p:to>
+                                        <p:strVal val="visible"/>
+                                      </p:to>
+                                    </p:set>
+                                  </p:childTnLst>
+                                </p:cTn>
+                              </p:par>
+                            </p:childTnLst>
+                          </p:cTn>
+                        </p:par>
+                        <p:par>
+                          <p:cTn id="7" fill="hold">
+                            <p:stCondLst>
+                              <p:cond delay="0"/>
+                            </p:stCondLst>
+                            <p:childTnLst>
+                              <p:par>
+                                <p:cTn id="8" presetID="1" presetClass="entr" presetSubtype="0" fill="hold" grpId="0" nodeType="afterEffect">
+                                  <p:stCondLst>
+                                    <p:cond delay="0"/>
+                                  </p:stCondLst>
+                                  <p:childTnLst>
+                                    <p:set>
+                                      <p:cBhvr>
+                                        <p:cTn id="9" dur="1" fill="hold">
+                                          <p:stCondLst>
+                                            <p:cond delay="0"/>
+                                          </p:stCondLst>
+                                        </p:cTn>
+                                        <p:tgtEl>
+                                          <p:spTgt spid="306179">
+                                            <p:txEl>
+                                              <p:pRg st="2" end="2"/>
+                                            </p:txEl>
+                                          </p:spTgt>
+                                        </p:tgtEl>
+                                        <p:attrNameLst>
+                                          <p:attrName>style.visibility</p:attrName>
+                                        </p:attrNameLst>
+                                      </p:cBhvr>
+                                      <p:to>
+                                        <p:strVal val="visible"/>
+                                      </p:to>
+                                    </p:set>
+                                  </p:childTnLst>
+                                </p:cTn>
+                              </p:par>
+                              <p:par>
+                                <p:cTn id="10" presetID="1" presetClass="entr" presetSubtype="0" fill="hold" grpId="0" nodeType="withEffect">
+                                  <p:stCondLst>
+                                    <p:cond delay="0"/>
+                                  </p:stCondLst>
+                                  <p:childTnLst>
+                                    <p:set>
+                                      <p:cBhvr>
+                                        <p:cTn id="11" dur="1" fill="hold">
+                                          <p:stCondLst>
+                                            <p:cond delay="0"/>
+                                          </p:stCondLst>
+                                        </p:cTn>
+                                        <p:tgtEl>
+                                          <p:spTgt spid="306179">
+                                            <p:txEl>
+                                              <p:pRg st="3" end="3"/>
+                                            </p:txEl>
+                                          </p:spTgt>
+                                        </p:tgtEl>
+                                        <p:attrNameLst>
+                                          <p:attrName>style.visibility</p:attrName>
+                                        </p:attrNameLst>
+                                      </p:cBhvr>
+                                      <p:to>
+                                        <p:strVal val="visible"/>
+                                      </p:to>
+                                    </p:set>
+                                  </p:childTnLst>
+                                </p:cTn>
+                              </p:par>
+                            </p:childTnLst>
+                          </p:cTn>
+                        </p:par>
+                      </p:childTnLst>
+                    </p:cTn>
+                  </p:par>
+                  <p:par>
+                    <p:cTn id="12" fill="hold">
+                      <p:stCondLst>
+                        <p:cond delay="indefinite"/>
+                      </p:stCondLst>
+                      <p:childTnLst>
+                        <p:par>
+                          <p:cTn id="13" fill="hold">
+                            <p:stCondLst>
+                              <p:cond delay="0"/>
+                            </p:stCondLst>
+                            <p:childTnLst>
+                              <p:par>
+                                <p:cTn id="14" presetID="1" presetClass="entr" presetSubtype="0" fill="hold" grpId="0" nodeType="clickEffect">
+                                  <p:stCondLst>
+                                    <p:cond delay="0"/>
+                                  </p:stCondLst>
+                                  <p:childTnLst>
+                                    <p:set>
+                                      <p:cBhvr>
+                                        <p:cTn id="15" dur="1" fill="hold">
+                                          <p:stCondLst>
+                                            <p:cond delay="0"/>
+                                          </p:stCondLst>
+                                        </p:cTn>
+                                        <p:tgtEl>
+                                          <p:spTgt spid="306179">
+                                            <p:txEl>
+                                              <p:pRg st="5" end="5"/>
+                                            </p:txEl>
+                                          </p:spTgt>
+                                        </p:tgtEl>
+                                        <p:attrNameLst>
+                                          <p:attrName>style.visibility</p:attrName>
+                                        </p:attrNameLst>
+                                      </p:cBhvr>
+                                      <p:to>
+                                        <p:strVal val="visible"/>
+                                      </p:to>
+                                    </p:set>
+                                  </p:childTnLst>
+                                </p:cTn>
+                              </p:par>
+                            </p:childTnLst>
+                          </p:cTn>
+                        </p:par>
+                      </p:childTnLst>
+                    </p:cTn>
+                  </p:par>
+                  <p:par>
+                    <p:cTn id="16" fill="hold">
+                      <p:stCondLst>
+                        <p:cond delay="indefinite"/>
+                      </p:stCondLst>
+                      <p:childTnLst>
+                        <p:par>
+                          <p:cTn id="17" fill="hold">
+                            <p:stCondLst>
+                              <p:cond delay="0"/>
+                            </p:stCondLst>
+                            <p:childTnLst>
+                              <p:par>
+                                <p:cTn id="18" presetID="1" presetClass="entr" presetSubtype="0" fill="hold" grpId="0" nodeType="clickEffect">
+                                  <p:stCondLst>
+                                    <p:cond delay="0"/>
+                                  </p:stCondLst>
+                                  <p:childTnLst>
+                                    <p:set>
+                                      <p:cBhvr>
+                                        <p:cTn id="19" dur="1" fill="hold">
+                                          <p:stCondLst>
+                                            <p:cond delay="0"/>
+                                          </p:stCondLst>
+                                        </p:cTn>
+                                        <p:tgtEl>
+                                          <p:spTgt spid="306179">
+                                            <p:txEl>
+                                              <p:pRg st="6" end="6"/>
+                                            </p:txEl>
+                                          </p:spTgt>
+                                        </p:tgtEl>
+                                        <p:attrNameLst>
+                                          <p:attrName>style.visibility</p:attrName>
+                                        </p:attrNameLst>
+                                      </p:cBhvr>
+                                      <p:to>
+                                        <p:strVal val="visible"/>
+                                      </p:to>
+                                    </p:set>
+                                  </p:childTnLst>
+                                </p:cTn>
+                              </p:par>
+                              <p:par>
+                                <p:cTn id="20" presetID="1" presetClass="entr" presetSubtype="0" fill="hold" grpId="0" nodeType="withEffect">
+                                  <p:stCondLst>
+                                    <p:cond delay="0"/>
+                                  </p:stCondLst>
+                                  <p:childTnLst>
+                                    <p:set>
+                                      <p:cBhvr>
+                                        <p:cTn id="21" dur="1" fill="hold">
+                                          <p:stCondLst>
+                                            <p:cond delay="0"/>
+                                          </p:stCondLst>
+                                        </p:cTn>
+                                        <p:tgtEl>
+                                          <p:spTgt spid="306179">
+                                            <p:txEl>
+                                              <p:pRg st="7" end="7"/>
+                                            </p:txEl>
+                                          </p:spTgt>
+                                        </p:tgtEl>
+                                        <p:attrNameLst>
+                                          <p:attrName>style.visibility</p:attrName>
+                                        </p:attrNameLst>
+                                      </p:cBhvr>
+                                      <p:to>
+                                        <p:strVal val="visible"/>
+                                      </p:to>
+                                    </p:set>
+                                  </p:childTnLst>
+                                </p:cTn>
+                              </p:par>
+                            </p:childTnLst>
+                          </p:cTn>
+                        </p:par>
+                      </p:childTnLst>
+                    </p:cTn>
+                  </p:par>
+                </p:childTnLst>
+              </p:cTn>
+              <p:prevCondLst>
+                <p:cond evt="onPrev" delay="0">
+                  <p:tgtEl>
+                    <p:sldTgt/>
+                  </p:tgtEl>
+                </p:cond>
+              </p:prevCondLst>
+              <p:nextCondLst>
+                <p:cond evt="onNext" delay="0">
+                  <p:tgtEl>
+                    <p:sldTgt/>
+                  </p:tgtEl>
+                </p:cond>
+              </p:nextCondLst>
+            </p:seq>
+          </p:childTnLst>
+        </p:cTn>
+      </p:par>
+    </p:tnLst>
+    <p:bldLst>
+      <p:bldP spid="306179" grpId="0" uiExpand="1" build="p"/>
+    </p:bldLst>
+  </p:timing>
+</p:sld>
+</file>
+
+<file path=ppt/slides/slide40.xml><?xml version="1.0" encoding="utf-8"?>
 <p:sld xmlns:a="http://schemas.openxmlformats.org/drawingml/2006/main" xmlns:r="http://schemas.openxmlformats.org/officeDocument/2006/relationships" xmlns:p="http://schemas.openxmlformats.org/presentationml/2006/main">
   <p:cSld>
     <p:spTree>
@@ -18292,7 +26131,7 @@
             <a:fld id="{23A021CB-2A09-44F1-9B25-7E75D2207273}" type="slidenum">
               <a:rPr lang="en-US"/>
               <a:pPr/>
-              <a:t>37</a:t>
+              <a:t>40</a:t>
             </a:fld>
             <a:endParaRPr lang="en-US"/>
           </a:p>
@@ -19117,7 +26956,7 @@
 </p:sld>
 </file>
 
-<file path=ppt/slides/slide38.xml><?xml version="1.0" encoding="utf-8"?>
+<file path=ppt/slides/slide41.xml><?xml version="1.0" encoding="utf-8"?>
 <p:sld xmlns:a="http://schemas.openxmlformats.org/drawingml/2006/main" xmlns:r="http://schemas.openxmlformats.org/officeDocument/2006/relationships" xmlns:p="http://schemas.openxmlformats.org/presentationml/2006/main">
   <p:cSld>
     <p:spTree>
@@ -19174,7 +27013,7 @@
             <a:fld id="{E703E86B-D368-48C9-9645-1D907F76278F}" type="slidenum">
               <a:rPr lang="en-US"/>
               <a:pPr/>
-              <a:t>38</a:t>
+              <a:t>41</a:t>
             </a:fld>
             <a:endParaRPr lang="en-US"/>
           </a:p>
@@ -19319,7 +27158,7 @@
 </p:sld>
 </file>
 
-<file path=ppt/slides/slide39.xml><?xml version="1.0" encoding="utf-8"?>
+<file path=ppt/slides/slide42.xml><?xml version="1.0" encoding="utf-8"?>
 <p:sld xmlns:a="http://schemas.openxmlformats.org/drawingml/2006/main" xmlns:r="http://schemas.openxmlformats.org/officeDocument/2006/relationships" xmlns:p="http://schemas.openxmlformats.org/presentationml/2006/main">
   <p:cSld>
     <p:spTree>
@@ -19376,7 +27215,7 @@
             <a:fld id="{9B9050D8-F0DD-42AE-9D0B-A23B1C6B696F}" type="slidenum">
               <a:rPr lang="en-US"/>
               <a:pPr/>
-              <a:t>39</a:t>
+              <a:t>42</a:t>
             </a:fld>
             <a:endParaRPr lang="en-US"/>
           </a:p>
@@ -19778,530 +27617,6 @@
     </p:tnLst>
     <p:bldLst>
       <p:bldP spid="349187" grpId="0" uiExpand="1" build="p"/>
-    </p:bldLst>
-  </p:timing>
-</p:sld>
-</file>
-
-<file path=ppt/slides/slide4.xml><?xml version="1.0" encoding="utf-8"?>
-<p:sld xmlns:a="http://schemas.openxmlformats.org/drawingml/2006/main" xmlns:r="http://schemas.openxmlformats.org/officeDocument/2006/relationships" xmlns:p="http://schemas.openxmlformats.org/presentationml/2006/main">
-  <p:cSld>
-    <p:spTree>
-      <p:nvGrpSpPr>
-        <p:cNvPr id="1" name=""/>
-        <p:cNvGrpSpPr/>
-        <p:nvPr/>
-      </p:nvGrpSpPr>
-      <p:grpSpPr>
-        <a:xfrm>
-          <a:off x="0" y="0"/>
-          <a:ext cx="0" cy="0"/>
-          <a:chOff x="0" y="0"/>
-          <a:chExt cx="0" cy="0"/>
-        </a:xfrm>
-      </p:grpSpPr>
-      <p:sp>
-        <p:nvSpPr>
-          <p:cNvPr id="4" name="Footer Placeholder 3"/>
-          <p:cNvSpPr>
-            <a:spLocks noGrp="1"/>
-          </p:cNvSpPr>
-          <p:nvPr>
-            <p:ph type="ftr" sz="quarter" idx="10"/>
-          </p:nvPr>
-        </p:nvSpPr>
-        <p:spPr/>
-        <p:txBody>
-          <a:bodyPr/>
-          <a:lstStyle/>
-          <a:p>
-            <a:r>
-              <a:rPr lang="en-US"/>
-              <a:t>One-Way IVR</a:t>
-            </a:r>
-          </a:p>
-        </p:txBody>
-      </p:sp>
-      <p:sp>
-        <p:nvSpPr>
-          <p:cNvPr id="5" name="Slide Number Placeholder 4"/>
-          <p:cNvSpPr>
-            <a:spLocks noGrp="1"/>
-          </p:cNvSpPr>
-          <p:nvPr>
-            <p:ph type="sldNum" sz="quarter" idx="11"/>
-          </p:nvPr>
-        </p:nvSpPr>
-        <p:spPr/>
-        <p:txBody>
-          <a:bodyPr/>
-          <a:lstStyle/>
-          <a:p>
-            <a:fld id="{10BC5D56-416E-40BE-915F-7AAF76F5CA3C}" type="slidenum">
-              <a:rPr lang="en-US"/>
-              <a:pPr/>
-              <a:t>4</a:t>
-            </a:fld>
-            <a:endParaRPr lang="en-US"/>
-          </a:p>
-        </p:txBody>
-      </p:sp>
-      <p:sp>
-        <p:nvSpPr>
-          <p:cNvPr id="306178" name="Rectangle 2"/>
-          <p:cNvSpPr>
-            <a:spLocks noGrp="1" noChangeArrowheads="1"/>
-          </p:cNvSpPr>
-          <p:nvPr>
-            <p:ph type="title"/>
-          </p:nvPr>
-        </p:nvSpPr>
-        <p:spPr>
-          <a:xfrm>
-            <a:off x="457200" y="76200"/>
-            <a:ext cx="8229600" cy="868363"/>
-          </a:xfrm>
-        </p:spPr>
-        <p:txBody>
-          <a:bodyPr/>
-          <a:lstStyle/>
-          <a:p>
-            <a:r>
-              <a:rPr lang="en-US"/>
-              <a:t>Indicator Variables</a:t>
-            </a:r>
-          </a:p>
-        </p:txBody>
-      </p:sp>
-      <p:sp>
-        <p:nvSpPr>
-          <p:cNvPr id="306179" name="Rectangle 3"/>
-          <p:cNvSpPr>
-            <a:spLocks noGrp="1" noChangeArrowheads="1"/>
-          </p:cNvSpPr>
-          <p:nvPr>
-            <p:ph type="body" idx="1"/>
-          </p:nvPr>
-        </p:nvSpPr>
-        <p:spPr>
-          <a:xfrm>
-            <a:off x="152400" y="914400"/>
-            <a:ext cx="8763000" cy="5692775"/>
-          </a:xfrm>
-        </p:spPr>
-        <p:txBody>
-          <a:bodyPr/>
-          <a:lstStyle/>
-          <a:p>
-            <a:r>
-              <a:rPr lang="en-US" dirty="0"/>
-              <a:t>N</a:t>
-            </a:r>
-            <a:r>
-              <a:rPr lang="en-US" dirty="0" smtClean="0"/>
-              <a:t>umerical </a:t>
-            </a:r>
-            <a:r>
-              <a:rPr lang="en-US" dirty="0"/>
-              <a:t>representation of a dichotomous </a:t>
-            </a:r>
-            <a:r>
-              <a:rPr lang="en-US" dirty="0" smtClean="0"/>
-              <a:t>factor variable</a:t>
-            </a:r>
-            <a:endParaRPr lang="en-US" dirty="0">
-              <a:sym typeface="Wingdings" pitchFamily="2" charset="2"/>
-            </a:endParaRPr>
-          </a:p>
-          <a:p>
-            <a:pPr lvl="1"/>
-            <a:r>
-              <a:rPr lang="en-US" dirty="0"/>
-              <a:t>Indicator variable called </a:t>
-            </a:r>
-            <a:r>
-              <a:rPr lang="en-US" b="1" dirty="0" smtClean="0">
-                <a:solidFill>
-                  <a:schemeClr val="accent2"/>
-                </a:solidFill>
-              </a:rPr>
-              <a:t>NB</a:t>
-            </a:r>
-            <a:endParaRPr lang="en-US" b="1" dirty="0">
-              <a:solidFill>
-                <a:schemeClr val="accent2"/>
-              </a:solidFill>
-            </a:endParaRPr>
-          </a:p>
-          <a:p>
-            <a:pPr lvl="2"/>
-            <a:r>
-              <a:rPr lang="en-US" b="1" dirty="0" smtClean="0">
-                <a:solidFill>
-                  <a:schemeClr val="accent2"/>
-                </a:solidFill>
-              </a:rPr>
-              <a:t>NB </a:t>
-            </a:r>
-            <a:r>
-              <a:rPr lang="en-US" b="1" dirty="0">
-                <a:solidFill>
-                  <a:schemeClr val="accent2"/>
-                </a:solidFill>
-              </a:rPr>
-              <a:t>= 1</a:t>
-            </a:r>
-            <a:r>
-              <a:rPr lang="en-US" dirty="0"/>
-              <a:t> if </a:t>
-            </a:r>
-            <a:r>
-              <a:rPr lang="en-US" dirty="0" smtClean="0"/>
-              <a:t>in non-breeding season</a:t>
-            </a:r>
-            <a:endParaRPr lang="en-US" dirty="0"/>
-          </a:p>
-          <a:p>
-            <a:pPr lvl="2"/>
-            <a:r>
-              <a:rPr lang="en-US" b="1" dirty="0" smtClean="0">
-                <a:solidFill>
-                  <a:schemeClr val="accent2"/>
-                </a:solidFill>
-              </a:rPr>
-              <a:t>NB </a:t>
-            </a:r>
-            <a:r>
-              <a:rPr lang="en-US" b="1" dirty="0">
-                <a:solidFill>
-                  <a:schemeClr val="accent2"/>
-                </a:solidFill>
-              </a:rPr>
-              <a:t>= 0</a:t>
-            </a:r>
-            <a:r>
-              <a:rPr lang="en-US" dirty="0"/>
-              <a:t> otherwise (i.e., </a:t>
-            </a:r>
-            <a:r>
-              <a:rPr lang="en-US" dirty="0" smtClean="0"/>
-              <a:t>in breeding season)</a:t>
-            </a:r>
-            <a:endParaRPr lang="en-US" dirty="0"/>
-          </a:p>
-          <a:p>
-            <a:endParaRPr lang="en-US" dirty="0" smtClean="0"/>
-          </a:p>
-          <a:p>
-            <a:r>
-              <a:rPr lang="en-US" dirty="0" smtClean="0"/>
-              <a:t>Named </a:t>
-            </a:r>
-            <a:r>
-              <a:rPr lang="en-US" dirty="0"/>
-              <a:t>after “1” group</a:t>
-            </a:r>
-          </a:p>
-          <a:p>
-            <a:r>
-              <a:rPr lang="en-US" dirty="0"/>
-              <a:t>“0” group does not have characteristic</a:t>
-            </a:r>
-          </a:p>
-          <a:p>
-            <a:pPr lvl="1"/>
-            <a:r>
-              <a:rPr lang="en-US" dirty="0"/>
-              <a:t>called the “reference” group</a:t>
-            </a:r>
-          </a:p>
-        </p:txBody>
-      </p:sp>
-    </p:spTree>
-  </p:cSld>
-  <p:clrMapOvr>
-    <a:masterClrMapping/>
-  </p:clrMapOvr>
-  <p:timing>
-    <p:tnLst>
-      <p:par>
-        <p:cTn id="1" dur="indefinite" restart="never" nodeType="tmRoot">
-          <p:childTnLst>
-            <p:seq concurrent="1" nextAc="seek">
-              <p:cTn id="2" dur="indefinite" nodeType="mainSeq">
-                <p:childTnLst>
-                  <p:par>
-                    <p:cTn id="3" fill="hold">
-                      <p:stCondLst>
-                        <p:cond delay="indefinite"/>
-                      </p:stCondLst>
-                      <p:childTnLst>
-                        <p:par>
-                          <p:cTn id="4" fill="hold">
-                            <p:stCondLst>
-                              <p:cond delay="0"/>
-                            </p:stCondLst>
-                            <p:childTnLst>
-                              <p:par>
-                                <p:cTn id="5" presetID="1" presetClass="entr" presetSubtype="0" fill="hold" grpId="0" nodeType="clickEffect">
-                                  <p:stCondLst>
-                                    <p:cond delay="0"/>
-                                  </p:stCondLst>
-                                  <p:childTnLst>
-                                    <p:set>
-                                      <p:cBhvr>
-                                        <p:cTn id="6" dur="1" fill="hold">
-                                          <p:stCondLst>
-                                            <p:cond delay="0"/>
-                                          </p:stCondLst>
-                                        </p:cTn>
-                                        <p:tgtEl>
-                                          <p:spTgt spid="306179">
-                                            <p:txEl>
-                                              <p:pRg st="1" end="1"/>
-                                            </p:txEl>
-                                          </p:spTgt>
-                                        </p:tgtEl>
-                                        <p:attrNameLst>
-                                          <p:attrName>style.visibility</p:attrName>
-                                        </p:attrNameLst>
-                                      </p:cBhvr>
-                                      <p:to>
-                                        <p:strVal val="visible"/>
-                                      </p:to>
-                                    </p:set>
-                                  </p:childTnLst>
-                                </p:cTn>
-                              </p:par>
-                            </p:childTnLst>
-                          </p:cTn>
-                        </p:par>
-                        <p:par>
-                          <p:cTn id="7" fill="hold">
-                            <p:stCondLst>
-                              <p:cond delay="0"/>
-                            </p:stCondLst>
-                            <p:childTnLst>
-                              <p:par>
-                                <p:cTn id="8" presetID="1" presetClass="entr" presetSubtype="0" fill="hold" grpId="0" nodeType="afterEffect">
-                                  <p:stCondLst>
-                                    <p:cond delay="0"/>
-                                  </p:stCondLst>
-                                  <p:childTnLst>
-                                    <p:set>
-                                      <p:cBhvr>
-                                        <p:cTn id="9" dur="1" fill="hold">
-                                          <p:stCondLst>
-                                            <p:cond delay="0"/>
-                                          </p:stCondLst>
-                                        </p:cTn>
-                                        <p:tgtEl>
-                                          <p:spTgt spid="306179">
-                                            <p:txEl>
-                                              <p:pRg st="2" end="2"/>
-                                            </p:txEl>
-                                          </p:spTgt>
-                                        </p:tgtEl>
-                                        <p:attrNameLst>
-                                          <p:attrName>style.visibility</p:attrName>
-                                        </p:attrNameLst>
-                                      </p:cBhvr>
-                                      <p:to>
-                                        <p:strVal val="visible"/>
-                                      </p:to>
-                                    </p:set>
-                                  </p:childTnLst>
-                                </p:cTn>
-                              </p:par>
-                              <p:par>
-                                <p:cTn id="10" presetID="1" presetClass="entr" presetSubtype="0" fill="hold" grpId="0" nodeType="withEffect">
-                                  <p:stCondLst>
-                                    <p:cond delay="0"/>
-                                  </p:stCondLst>
-                                  <p:childTnLst>
-                                    <p:set>
-                                      <p:cBhvr>
-                                        <p:cTn id="11" dur="1" fill="hold">
-                                          <p:stCondLst>
-                                            <p:cond delay="0"/>
-                                          </p:stCondLst>
-                                        </p:cTn>
-                                        <p:tgtEl>
-                                          <p:spTgt spid="306179">
-                                            <p:txEl>
-                                              <p:pRg st="3" end="3"/>
-                                            </p:txEl>
-                                          </p:spTgt>
-                                        </p:tgtEl>
-                                        <p:attrNameLst>
-                                          <p:attrName>style.visibility</p:attrName>
-                                        </p:attrNameLst>
-                                      </p:cBhvr>
-                                      <p:to>
-                                        <p:strVal val="visible"/>
-                                      </p:to>
-                                    </p:set>
-                                  </p:childTnLst>
-                                </p:cTn>
-                              </p:par>
-                            </p:childTnLst>
-                          </p:cTn>
-                        </p:par>
-                      </p:childTnLst>
-                    </p:cTn>
-                  </p:par>
-                  <p:par>
-                    <p:cTn id="12" fill="hold">
-                      <p:stCondLst>
-                        <p:cond delay="indefinite"/>
-                      </p:stCondLst>
-                      <p:childTnLst>
-                        <p:par>
-                          <p:cTn id="13" fill="hold">
-                            <p:stCondLst>
-                              <p:cond delay="0"/>
-                            </p:stCondLst>
-                            <p:childTnLst>
-                              <p:par>
-                                <p:cTn id="14" presetID="1" presetClass="entr" presetSubtype="0" fill="hold" grpId="0" nodeType="clickEffect">
-                                  <p:stCondLst>
-                                    <p:cond delay="0"/>
-                                  </p:stCondLst>
-                                  <p:childTnLst>
-                                    <p:set>
-                                      <p:cBhvr>
-                                        <p:cTn id="15" dur="1" fill="hold">
-                                          <p:stCondLst>
-                                            <p:cond delay="0"/>
-                                          </p:stCondLst>
-                                        </p:cTn>
-                                        <p:tgtEl>
-                                          <p:spTgt spid="306179">
-                                            <p:txEl>
-                                              <p:pRg st="5" end="5"/>
-                                            </p:txEl>
-                                          </p:spTgt>
-                                        </p:tgtEl>
-                                        <p:attrNameLst>
-                                          <p:attrName>style.visibility</p:attrName>
-                                        </p:attrNameLst>
-                                      </p:cBhvr>
-                                      <p:to>
-                                        <p:strVal val="visible"/>
-                                      </p:to>
-                                    </p:set>
-                                  </p:childTnLst>
-                                </p:cTn>
-                              </p:par>
-                            </p:childTnLst>
-                          </p:cTn>
-                        </p:par>
-                      </p:childTnLst>
-                    </p:cTn>
-                  </p:par>
-                  <p:par>
-                    <p:cTn id="16" fill="hold">
-                      <p:stCondLst>
-                        <p:cond delay="indefinite"/>
-                      </p:stCondLst>
-                      <p:childTnLst>
-                        <p:par>
-                          <p:cTn id="17" fill="hold">
-                            <p:stCondLst>
-                              <p:cond delay="0"/>
-                            </p:stCondLst>
-                            <p:childTnLst>
-                              <p:par>
-                                <p:cTn id="18" presetID="1" presetClass="entr" presetSubtype="0" fill="hold" grpId="0" nodeType="clickEffect">
-                                  <p:stCondLst>
-                                    <p:cond delay="0"/>
-                                  </p:stCondLst>
-                                  <p:childTnLst>
-                                    <p:set>
-                                      <p:cBhvr>
-                                        <p:cTn id="19" dur="1" fill="hold">
-                                          <p:stCondLst>
-                                            <p:cond delay="0"/>
-                                          </p:stCondLst>
-                                        </p:cTn>
-                                        <p:tgtEl>
-                                          <p:spTgt spid="306179">
-                                            <p:txEl>
-                                              <p:pRg st="6" end="6"/>
-                                            </p:txEl>
-                                          </p:spTgt>
-                                        </p:tgtEl>
-                                        <p:attrNameLst>
-                                          <p:attrName>style.visibility</p:attrName>
-                                        </p:attrNameLst>
-                                      </p:cBhvr>
-                                      <p:to>
-                                        <p:strVal val="visible"/>
-                                      </p:to>
-                                    </p:set>
-                                  </p:childTnLst>
-                                </p:cTn>
-                              </p:par>
-                              <p:par>
-                                <p:cTn id="20" presetID="1" presetClass="entr" presetSubtype="0" fill="hold" grpId="0" nodeType="withEffect">
-                                  <p:stCondLst>
-                                    <p:cond delay="0"/>
-                                  </p:stCondLst>
-                                  <p:childTnLst>
-                                    <p:set>
-                                      <p:cBhvr>
-                                        <p:cTn id="21" dur="1" fill="hold">
-                                          <p:stCondLst>
-                                            <p:cond delay="0"/>
-                                          </p:stCondLst>
-                                        </p:cTn>
-                                        <p:tgtEl>
-                                          <p:spTgt spid="306179">
-                                            <p:txEl>
-                                              <p:pRg st="7" end="7"/>
-                                            </p:txEl>
-                                          </p:spTgt>
-                                        </p:tgtEl>
-                                        <p:attrNameLst>
-                                          <p:attrName>style.visibility</p:attrName>
-                                        </p:attrNameLst>
-                                      </p:cBhvr>
-                                      <p:to>
-                                        <p:strVal val="visible"/>
-                                      </p:to>
-                                    </p:set>
-                                  </p:childTnLst>
-                                </p:cTn>
-                              </p:par>
-                            </p:childTnLst>
-                          </p:cTn>
-                        </p:par>
-                      </p:childTnLst>
-                    </p:cTn>
-                  </p:par>
-                </p:childTnLst>
-              </p:cTn>
-              <p:prevCondLst>
-                <p:cond evt="onPrev" delay="0">
-                  <p:tgtEl>
-                    <p:sldTgt/>
-                  </p:tgtEl>
-                </p:cond>
-              </p:prevCondLst>
-              <p:nextCondLst>
-                <p:cond evt="onNext" delay="0">
-                  <p:tgtEl>
-                    <p:sldTgt/>
-                  </p:tgtEl>
-                </p:cond>
-              </p:nextCondLst>
-            </p:seq>
-          </p:childTnLst>
-        </p:cTn>
-      </p:par>
-    </p:tnLst>
-    <p:bldLst>
-      <p:bldP spid="306179" grpId="0" uiExpand="1" build="p"/>
     </p:bldLst>
   </p:timing>
 </p:sld>
